--- a/과제(11조)_AI를 활용한 주가예측_V0.2.pptx
+++ b/과제(11조)_AI를 활용한 주가예측_V0.2.pptx
@@ -6,7 +6,7 @@
     <p:sldMasterId id="2147483661" r:id="rId2"/>
   </p:sldMasterIdLst>
   <p:notesMasterIdLst>
-    <p:notesMasterId r:id="rId22"/>
+    <p:notesMasterId r:id="rId24"/>
   </p:notesMasterIdLst>
   <p:sldIdLst>
     <p:sldId id="730" r:id="rId3"/>
@@ -20,14 +20,16 @@
     <p:sldId id="736" r:id="rId11"/>
     <p:sldId id="737" r:id="rId12"/>
     <p:sldId id="750" r:id="rId13"/>
-    <p:sldId id="747" r:id="rId14"/>
-    <p:sldId id="739" r:id="rId15"/>
-    <p:sldId id="740" r:id="rId16"/>
-    <p:sldId id="741" r:id="rId17"/>
-    <p:sldId id="743" r:id="rId18"/>
-    <p:sldId id="742" r:id="rId19"/>
-    <p:sldId id="744" r:id="rId20"/>
-    <p:sldId id="745" r:id="rId21"/>
+    <p:sldId id="751" r:id="rId14"/>
+    <p:sldId id="752" r:id="rId15"/>
+    <p:sldId id="747" r:id="rId16"/>
+    <p:sldId id="739" r:id="rId17"/>
+    <p:sldId id="740" r:id="rId18"/>
+    <p:sldId id="741" r:id="rId19"/>
+    <p:sldId id="743" r:id="rId20"/>
+    <p:sldId id="742" r:id="rId21"/>
+    <p:sldId id="744" r:id="rId22"/>
+    <p:sldId id="745" r:id="rId23"/>
   </p:sldIdLst>
   <p:sldSz cx="12192000" cy="6858000"/>
   <p:notesSz cx="6858000" cy="9144000"/>
@@ -1502,7 +1504,7 @@
           <a:p>
             <a:fld id="{91876BB9-83C5-4AE2-B69F-56DF07BFA158}" type="datetimeFigureOut">
               <a:rPr lang="ko-KR" altLang="en-US" smtClean="0"/>
-              <a:t>2024-05-07</a:t>
+              <a:t>2024-05-09</a:t>
             </a:fld>
             <a:endParaRPr lang="ko-KR" altLang="en-US"/>
           </a:p>
@@ -1987,7 +1989,7 @@
           <a:p>
             <a:fld id="{494808D3-754D-4436-A3C6-409F43C1F55D}" type="datetimeFigureOut">
               <a:rPr lang="ko-KR" altLang="en-US" smtClean="0"/>
-              <a:t>2024-05-07</a:t>
+              <a:t>2024-05-09</a:t>
             </a:fld>
             <a:endParaRPr lang="ko-KR" altLang="en-US"/>
           </a:p>
@@ -2144,7 +2146,7 @@
           <a:p>
             <a:fld id="{494808D3-754D-4436-A3C6-409F43C1F55D}" type="datetimeFigureOut">
               <a:rPr lang="ko-KR" altLang="en-US" smtClean="0"/>
-              <a:t>2024-05-07</a:t>
+              <a:t>2024-05-09</a:t>
             </a:fld>
             <a:endParaRPr lang="ko-KR" altLang="en-US"/>
           </a:p>
@@ -2260,7 +2262,7 @@
           <a:p>
             <a:fld id="{494808D3-754D-4436-A3C6-409F43C1F55D}" type="datetimeFigureOut">
               <a:rPr lang="ko-KR" altLang="en-US" smtClean="0"/>
-              <a:t>2024-05-07</a:t>
+              <a:t>2024-05-09</a:t>
             </a:fld>
             <a:endParaRPr lang="ko-KR" altLang="en-US"/>
           </a:p>
@@ -4218,6 +4220,67 @@
               <a:rPr lang="en-US" altLang="ko-KR" dirty="0" smtClean="0"/>
               <a:t>.</a:t>
             </a:r>
+          </a:p>
+          <a:p>
+            <a:pPr marL="285750" indent="-285750">
+              <a:buFontTx/>
+              <a:buChar char="-"/>
+            </a:pPr>
+            <a:r>
+              <a:rPr lang="en-US" altLang="ko-KR" dirty="0" smtClean="0"/>
+              <a:t>ML: Random Forest, </a:t>
+            </a:r>
+            <a:r>
+              <a:rPr lang="en-US" altLang="ko-KR" dirty="0" err="1" smtClean="0"/>
+              <a:t>Xgboost</a:t>
+            </a:r>
+            <a:r>
+              <a:rPr lang="en-US" altLang="ko-KR" dirty="0" smtClean="0"/>
+              <a:t>, </a:t>
+            </a:r>
+            <a:r>
+              <a:rPr lang="en-US" altLang="ko-KR" dirty="0" err="1" smtClean="0"/>
+              <a:t>LightGBM</a:t>
+            </a:r>
+            <a:endParaRPr lang="en-US" altLang="ko-KR" dirty="0" smtClean="0"/>
+          </a:p>
+          <a:p>
+            <a:pPr marL="285750" indent="-285750">
+              <a:buFontTx/>
+              <a:buChar char="-"/>
+            </a:pPr>
+            <a:r>
+              <a:rPr lang="en-US" altLang="ko-KR" dirty="0" smtClean="0"/>
+              <a:t>MLP: 4 input MLP, </a:t>
+            </a:r>
+            <a:r>
+              <a:rPr lang="en-US" altLang="ko-KR" dirty="0" err="1" smtClean="0"/>
+              <a:t>kospi</a:t>
+            </a:r>
+            <a:r>
+              <a:rPr lang="en-US" altLang="ko-KR" dirty="0" smtClean="0"/>
+              <a:t> input window MLP</a:t>
+            </a:r>
+          </a:p>
+          <a:p>
+            <a:pPr marL="285750" indent="-285750">
+              <a:buFontTx/>
+              <a:buChar char="-"/>
+            </a:pPr>
+            <a:r>
+              <a:rPr lang="en-US" altLang="ko-KR" dirty="0" smtClean="0"/>
+              <a:t>RNN: LSTM</a:t>
+            </a:r>
+          </a:p>
+          <a:p>
+            <a:pPr marL="285750" indent="-285750">
+              <a:buFontTx/>
+              <a:buChar char="-"/>
+            </a:pPr>
+            <a:r>
+              <a:rPr lang="en-US" altLang="ko-KR" dirty="0" smtClean="0"/>
+              <a:t>Transformer: Transformer</a:t>
+            </a:r>
             <a:endParaRPr lang="en-US" altLang="ko-KR" dirty="0" smtClean="0"/>
           </a:p>
           <a:p>
@@ -4604,15 +4667,11 @@
             </a:r>
             <a:r>
               <a:rPr lang="ko-KR" altLang="en-US" dirty="0" smtClean="0"/>
-              <a:t>모델과 </a:t>
-            </a:r>
-            <a:r>
-              <a:rPr lang="en-US" altLang="ko-KR" dirty="0" smtClean="0"/>
-              <a:t>DL </a:t>
+              <a:t>모델을 </a:t>
             </a:r>
             <a:r>
               <a:rPr lang="ko-KR" altLang="en-US" dirty="0" smtClean="0"/>
-              <a:t>모델을 구성하고 이 중 가장 성능이 좋은 모델로 구성</a:t>
+              <a:t>구성하고 이 중 가장 성능이 좋은 모델로 구성</a:t>
             </a:r>
             <a:endParaRPr lang="en-US" altLang="ko-KR" dirty="0" smtClean="0"/>
           </a:p>
@@ -4948,7 +5007,11 @@
             </a:r>
             <a:r>
               <a:rPr lang="en-US" altLang="ko-KR" sz="3200" dirty="0" smtClean="0"/>
-              <a:t> – DL </a:t>
+              <a:t> – </a:t>
+            </a:r>
+            <a:r>
+              <a:rPr lang="en-US" altLang="ko-KR" sz="3200" dirty="0" smtClean="0"/>
+              <a:t>MLP </a:t>
             </a:r>
             <a:r>
               <a:rPr lang="ko-KR" altLang="en-US" sz="3200" dirty="0" smtClean="0"/>
@@ -5227,6 +5290,1115 @@
               <a:rPr lang="ko-KR" altLang="en-US" smtClean="0"/>
               <a:pPr/>
               <a:t>12</a:t>
+            </a:fld>
+            <a:endParaRPr lang="ko-KR" altLang="en-US"/>
+          </a:p>
+        </p:txBody>
+      </p:sp>
+      <p:sp>
+        <p:nvSpPr>
+          <p:cNvPr id="13" name="내용 개체 틀 2">
+            <a:extLst>
+              <a:ext uri="{FF2B5EF4-FFF2-40B4-BE49-F238E27FC236}">
+                <a16:creationId xmlns:a16="http://schemas.microsoft.com/office/drawing/2014/main" id="{7E6134CB-F7F7-F2D9-9D70-56F5552D84F9}"/>
+              </a:ext>
+            </a:extLst>
+          </p:cNvPr>
+          <p:cNvSpPr>
+            <a:spLocks noGrp="1"/>
+          </p:cNvSpPr>
+          <p:nvPr>
+            <p:ph idx="1"/>
+          </p:nvPr>
+        </p:nvSpPr>
+        <p:spPr>
+          <a:xfrm>
+            <a:off x="524688" y="890337"/>
+            <a:ext cx="11444573" cy="2052156"/>
+          </a:xfrm>
+        </p:spPr>
+        <p:txBody>
+          <a:bodyPr>
+            <a:normAutofit/>
+          </a:bodyPr>
+          <a:lstStyle/>
+          <a:p>
+            <a:r>
+              <a:rPr lang="en-US" altLang="ko-KR" dirty="0" smtClean="0"/>
+              <a:t>MPL </a:t>
+            </a:r>
+            <a:r>
+              <a:rPr lang="ko-KR" altLang="en-US" dirty="0" smtClean="0"/>
+              <a:t>모델을 구성 </a:t>
+            </a:r>
+            <a:endParaRPr lang="en-US" altLang="ko-KR" dirty="0"/>
+          </a:p>
+          <a:p>
+            <a:pPr marL="342900" indent="-342900">
+              <a:buAutoNum type="arabicPeriod"/>
+            </a:pPr>
+            <a:r>
+              <a:rPr lang="en-US" altLang="ko-KR" dirty="0" smtClean="0"/>
+              <a:t>4 input (S&amp;P500, gold</a:t>
+            </a:r>
+            <a:r>
+              <a:rPr lang="ko-KR" altLang="en-US" dirty="0" smtClean="0"/>
+              <a:t>시세</a:t>
+            </a:r>
+            <a:r>
+              <a:rPr lang="en-US" altLang="ko-KR" dirty="0" smtClean="0"/>
+              <a:t>, </a:t>
+            </a:r>
+            <a:r>
+              <a:rPr lang="ko-KR" altLang="en-US" dirty="0" smtClean="0"/>
+              <a:t>환율</a:t>
+            </a:r>
+            <a:r>
+              <a:rPr lang="en-US" altLang="ko-KR" dirty="0" smtClean="0"/>
+              <a:t>, </a:t>
+            </a:r>
+            <a:r>
+              <a:rPr lang="en-US" altLang="ko-KR" dirty="0" err="1" smtClean="0"/>
+              <a:t>kospi</a:t>
+            </a:r>
+            <a:r>
+              <a:rPr lang="en-US" altLang="ko-KR" dirty="0" smtClean="0"/>
+              <a:t>), 6 </a:t>
+            </a:r>
+            <a:r>
+              <a:rPr lang="en-US" altLang="ko-KR" dirty="0" smtClean="0"/>
+              <a:t>Layer(30, 40, 50, 40, 30, 1 node</a:t>
+            </a:r>
+            <a:r>
+              <a:rPr lang="ko-KR" altLang="en-US" dirty="0" smtClean="0"/>
+              <a:t>로 구성</a:t>
+            </a:r>
+            <a:r>
+              <a:rPr lang="en-US" altLang="ko-KR" dirty="0" smtClean="0"/>
+              <a:t>) , </a:t>
+            </a:r>
+            <a:r>
+              <a:rPr lang="en-US" altLang="ko-KR" dirty="0" err="1" smtClean="0"/>
+              <a:t>relu</a:t>
+            </a:r>
+            <a:r>
+              <a:rPr lang="en-US" altLang="ko-KR" dirty="0" smtClean="0"/>
+              <a:t>, MSE loss, Adam</a:t>
+            </a:r>
+            <a:br>
+              <a:rPr lang="en-US" altLang="ko-KR" dirty="0" smtClean="0"/>
+            </a:br>
+            <a:r>
+              <a:rPr lang="en-US" altLang="ko-KR" dirty="0" smtClean="0"/>
+              <a:t>1000 epoch </a:t>
+            </a:r>
+            <a:r>
+              <a:rPr lang="ko-KR" altLang="en-US" dirty="0" smtClean="0"/>
+              <a:t>시 </a:t>
+            </a:r>
+            <a:r>
+              <a:rPr lang="en-US" altLang="ko-KR" dirty="0" smtClean="0"/>
+              <a:t>8e7 loss</a:t>
+            </a:r>
+          </a:p>
+          <a:p>
+            <a:pPr marL="342900" indent="-342900">
+              <a:buAutoNum type="arabicPeriod"/>
+            </a:pPr>
+            <a:r>
+              <a:rPr lang="en-US" altLang="ko-KR" dirty="0" err="1" smtClean="0"/>
+              <a:t>Kospi</a:t>
+            </a:r>
+            <a:r>
+              <a:rPr lang="en-US" altLang="ko-KR" dirty="0" smtClean="0"/>
+              <a:t> 128</a:t>
+            </a:r>
+            <a:r>
+              <a:rPr lang="ko-KR" altLang="en-US" dirty="0" smtClean="0"/>
+              <a:t>일</a:t>
+            </a:r>
+            <a:r>
+              <a:rPr lang="en-US" altLang="ko-KR" dirty="0" smtClean="0"/>
+              <a:t> window</a:t>
+            </a:r>
+            <a:r>
+              <a:rPr lang="ko-KR" altLang="en-US" dirty="0" smtClean="0"/>
+              <a:t>로 </a:t>
+            </a:r>
+            <a:r>
+              <a:rPr lang="en-US" altLang="ko-KR" dirty="0" smtClean="0"/>
+              <a:t>input </a:t>
+            </a:r>
+            <a:r>
+              <a:rPr lang="ko-KR" altLang="en-US" dirty="0" smtClean="0"/>
+              <a:t>구성</a:t>
+            </a:r>
+            <a:r>
+              <a:rPr lang="en-US" altLang="ko-KR" dirty="0" smtClean="0"/>
+              <a:t>, </a:t>
+            </a:r>
+            <a:r>
+              <a:rPr lang="ko-KR" altLang="en-US" dirty="0" smtClean="0"/>
+              <a:t>타 조건은 </a:t>
+            </a:r>
+            <a:r>
+              <a:rPr lang="en-US" altLang="ko-KR" dirty="0" smtClean="0"/>
+              <a:t>1</a:t>
+            </a:r>
+            <a:r>
+              <a:rPr lang="ko-KR" altLang="en-US" dirty="0" smtClean="0"/>
+              <a:t>과 동일</a:t>
+            </a:r>
+            <a:r>
+              <a:rPr lang="en-US" altLang="ko-KR" dirty="0" smtClean="0"/>
+              <a:t/>
+            </a:r>
+            <a:br>
+              <a:rPr lang="en-US" altLang="ko-KR" dirty="0" smtClean="0"/>
+            </a:br>
+            <a:r>
+              <a:rPr lang="en-US" altLang="ko-KR" dirty="0" smtClean="0"/>
+              <a:t>1000 epoch </a:t>
+            </a:r>
+            <a:r>
+              <a:rPr lang="ko-KR" altLang="en-US" dirty="0" smtClean="0"/>
+              <a:t>시 </a:t>
+            </a:r>
+            <a:r>
+              <a:rPr lang="en-US" altLang="ko-KR" dirty="0" smtClean="0"/>
+              <a:t>0.03 loss</a:t>
+            </a:r>
+            <a:endParaRPr lang="ko-KR" altLang="en-US" dirty="0"/>
+          </a:p>
+        </p:txBody>
+      </p:sp>
+      <p:pic>
+        <p:nvPicPr>
+          <p:cNvPr id="3" name="그림 2"/>
+          <p:cNvPicPr>
+            <a:picLocks noChangeAspect="1"/>
+          </p:cNvPicPr>
+          <p:nvPr/>
+        </p:nvPicPr>
+        <p:blipFill>
+          <a:blip r:embed="rId2"/>
+          <a:stretch>
+            <a:fillRect/>
+          </a:stretch>
+        </p:blipFill>
+        <p:spPr>
+          <a:xfrm>
+            <a:off x="6060417" y="2863809"/>
+            <a:ext cx="5501157" cy="1462419"/>
+          </a:xfrm>
+          <a:prstGeom prst="rect">
+            <a:avLst/>
+          </a:prstGeom>
+        </p:spPr>
+      </p:pic>
+      <p:pic>
+        <p:nvPicPr>
+          <p:cNvPr id="6" name="그림 5"/>
+          <p:cNvPicPr>
+            <a:picLocks noChangeAspect="1"/>
+          </p:cNvPicPr>
+          <p:nvPr/>
+        </p:nvPicPr>
+        <p:blipFill>
+          <a:blip r:embed="rId3"/>
+          <a:stretch>
+            <a:fillRect/>
+          </a:stretch>
+        </p:blipFill>
+        <p:spPr>
+          <a:xfrm>
+            <a:off x="388792" y="2863809"/>
+            <a:ext cx="5285177" cy="1462419"/>
+          </a:xfrm>
+          <a:prstGeom prst="rect">
+            <a:avLst/>
+          </a:prstGeom>
+        </p:spPr>
+      </p:pic>
+      <p:pic>
+        <p:nvPicPr>
+          <p:cNvPr id="7" name="그림 6"/>
+          <p:cNvPicPr>
+            <a:picLocks noChangeAspect="1"/>
+          </p:cNvPicPr>
+          <p:nvPr/>
+        </p:nvPicPr>
+        <p:blipFill>
+          <a:blip r:embed="rId4"/>
+          <a:stretch>
+            <a:fillRect/>
+          </a:stretch>
+        </p:blipFill>
+        <p:spPr>
+          <a:xfrm>
+            <a:off x="388792" y="4521565"/>
+            <a:ext cx="5285177" cy="1411345"/>
+          </a:xfrm>
+          <a:prstGeom prst="rect">
+            <a:avLst/>
+          </a:prstGeom>
+        </p:spPr>
+      </p:pic>
+      <p:pic>
+        <p:nvPicPr>
+          <p:cNvPr id="8" name="그림 7"/>
+          <p:cNvPicPr>
+            <a:picLocks noChangeAspect="1"/>
+          </p:cNvPicPr>
+          <p:nvPr/>
+        </p:nvPicPr>
+        <p:blipFill>
+          <a:blip r:embed="rId5"/>
+          <a:stretch>
+            <a:fillRect/>
+          </a:stretch>
+        </p:blipFill>
+        <p:spPr>
+          <a:xfrm>
+            <a:off x="6060417" y="4409813"/>
+            <a:ext cx="5501157" cy="1458795"/>
+          </a:xfrm>
+          <a:prstGeom prst="rect">
+            <a:avLst/>
+          </a:prstGeom>
+        </p:spPr>
+      </p:pic>
+      <p:sp>
+        <p:nvSpPr>
+          <p:cNvPr id="9" name="TextBox 8"/>
+          <p:cNvSpPr txBox="1"/>
+          <p:nvPr/>
+        </p:nvSpPr>
+        <p:spPr>
+          <a:xfrm>
+            <a:off x="2121877" y="6025662"/>
+            <a:ext cx="1172308" cy="371192"/>
+          </a:xfrm>
+          <a:prstGeom prst="rect">
+            <a:avLst/>
+          </a:prstGeom>
+          <a:noFill/>
+        </p:spPr>
+        <p:txBody>
+          <a:bodyPr wrap="square" rtlCol="0">
+            <a:spAutoFit/>
+          </a:bodyPr>
+          <a:lstStyle/>
+          <a:p>
+            <a:pPr algn="ctr" rtl="0">
+              <a:lnSpc>
+                <a:spcPct val="110000"/>
+              </a:lnSpc>
+              <a:spcBef>
+                <a:spcPts val="600"/>
+              </a:spcBef>
+            </a:pPr>
+            <a:r>
+              <a:rPr lang="en-US" altLang="ko-KR" spc="-100" dirty="0" smtClean="0">
+                <a:solidFill>
+                  <a:srgbClr val="000000"/>
+                </a:solidFill>
+                <a:latin typeface="+mn-ea"/>
+              </a:rPr>
+              <a:t>Model 1</a:t>
+            </a:r>
+            <a:endParaRPr lang="ko-KR" altLang="en-US" sz="1800" b="0" i="0" u="none" strike="noStrike" spc="-100" dirty="0" smtClean="0">
+              <a:solidFill>
+                <a:srgbClr val="000000"/>
+              </a:solidFill>
+              <a:effectLst/>
+              <a:latin typeface="+mn-ea"/>
+            </a:endParaRPr>
+          </a:p>
+        </p:txBody>
+      </p:sp>
+      <p:sp>
+        <p:nvSpPr>
+          <p:cNvPr id="12" name="TextBox 11"/>
+          <p:cNvSpPr txBox="1"/>
+          <p:nvPr/>
+        </p:nvSpPr>
+        <p:spPr>
+          <a:xfrm>
+            <a:off x="8224841" y="6025662"/>
+            <a:ext cx="1172308" cy="371192"/>
+          </a:xfrm>
+          <a:prstGeom prst="rect">
+            <a:avLst/>
+          </a:prstGeom>
+          <a:noFill/>
+        </p:spPr>
+        <p:txBody>
+          <a:bodyPr wrap="square" rtlCol="0">
+            <a:spAutoFit/>
+          </a:bodyPr>
+          <a:lstStyle/>
+          <a:p>
+            <a:pPr algn="ctr" rtl="0">
+              <a:lnSpc>
+                <a:spcPct val="110000"/>
+              </a:lnSpc>
+              <a:spcBef>
+                <a:spcPts val="600"/>
+              </a:spcBef>
+            </a:pPr>
+            <a:r>
+              <a:rPr lang="en-US" altLang="ko-KR" spc="-100" dirty="0" smtClean="0">
+                <a:solidFill>
+                  <a:srgbClr val="000000"/>
+                </a:solidFill>
+                <a:latin typeface="+mn-ea"/>
+              </a:rPr>
+              <a:t>Model 2</a:t>
+            </a:r>
+            <a:endParaRPr lang="ko-KR" altLang="en-US" sz="1800" b="0" i="0" u="none" strike="noStrike" spc="-100" dirty="0" smtClean="0">
+              <a:solidFill>
+                <a:srgbClr val="000000"/>
+              </a:solidFill>
+              <a:effectLst/>
+              <a:latin typeface="+mn-ea"/>
+            </a:endParaRPr>
+          </a:p>
+        </p:txBody>
+      </p:sp>
+    </p:spTree>
+    <p:extLst>
+      <p:ext uri="{BB962C8B-B14F-4D97-AF65-F5344CB8AC3E}">
+        <p14:creationId xmlns:p14="http://schemas.microsoft.com/office/powerpoint/2010/main" val="1465846380"/>
+      </p:ext>
+    </p:extLst>
+  </p:cSld>
+  <p:clrMapOvr>
+    <a:masterClrMapping/>
+  </p:clrMapOvr>
+</p:sld>
+</file>
+
+<file path=ppt/slides/slide13.xml><?xml version="1.0" encoding="utf-8"?>
+<p:sld xmlns:a="http://schemas.openxmlformats.org/drawingml/2006/main" xmlns:r="http://schemas.openxmlformats.org/officeDocument/2006/relationships" xmlns:p="http://schemas.openxmlformats.org/presentationml/2006/main">
+  <p:cSld>
+    <p:spTree>
+      <p:nvGrpSpPr>
+        <p:cNvPr id="1" name=""/>
+        <p:cNvGrpSpPr/>
+        <p:nvPr/>
+      </p:nvGrpSpPr>
+      <p:grpSpPr>
+        <a:xfrm>
+          <a:off x="0" y="0"/>
+          <a:ext cx="0" cy="0"/>
+          <a:chOff x="0" y="0"/>
+          <a:chExt cx="0" cy="0"/>
+        </a:xfrm>
+      </p:grpSpPr>
+      <p:sp>
+        <p:nvSpPr>
+          <p:cNvPr id="2" name="제목 1">
+            <a:extLst>
+              <a:ext uri="{FF2B5EF4-FFF2-40B4-BE49-F238E27FC236}">
+                <a16:creationId xmlns:a16="http://schemas.microsoft.com/office/drawing/2014/main" id="{63E3B395-BA5C-D7DE-4C44-7064EFA58ACB}"/>
+              </a:ext>
+            </a:extLst>
+          </p:cNvPr>
+          <p:cNvSpPr>
+            <a:spLocks noGrp="1"/>
+          </p:cNvSpPr>
+          <p:nvPr>
+            <p:ph type="title"/>
+          </p:nvPr>
+        </p:nvSpPr>
+        <p:spPr/>
+        <p:txBody>
+          <a:bodyPr/>
+          <a:lstStyle/>
+          <a:p>
+            <a:r>
+              <a:rPr lang="ko-KR" altLang="ko-KR" sz="3200" dirty="0"/>
+              <a:t>AI 모델 </a:t>
+            </a:r>
+            <a:r>
+              <a:rPr lang="ko-KR" altLang="ko-KR" sz="3200" dirty="0" smtClean="0"/>
+              <a:t>설계</a:t>
+            </a:r>
+            <a:r>
+              <a:rPr lang="en-US" altLang="ko-KR" sz="3200" dirty="0" smtClean="0"/>
+              <a:t> – </a:t>
+            </a:r>
+            <a:r>
+              <a:rPr lang="en-US" altLang="ko-KR" dirty="0" smtClean="0"/>
+              <a:t>LSTM</a:t>
+            </a:r>
+            <a:r>
+              <a:rPr lang="en-US" altLang="ko-KR" sz="3200" dirty="0" smtClean="0"/>
+              <a:t> </a:t>
+            </a:r>
+            <a:r>
+              <a:rPr lang="ko-KR" altLang="en-US" sz="3200" dirty="0" smtClean="0"/>
+              <a:t>모델</a:t>
+            </a:r>
+            <a:endParaRPr lang="ko-KR" altLang="en-US" dirty="0"/>
+          </a:p>
+        </p:txBody>
+      </p:sp>
+      <p:sp>
+        <p:nvSpPr>
+          <p:cNvPr id="4" name="날짜 개체 틀 3">
+            <a:extLst>
+              <a:ext uri="{FF2B5EF4-FFF2-40B4-BE49-F238E27FC236}">
+                <a16:creationId xmlns:a16="http://schemas.microsoft.com/office/drawing/2014/main" id="{0F383854-684E-666E-36B9-A335B2A9AD86}"/>
+              </a:ext>
+            </a:extLst>
+          </p:cNvPr>
+          <p:cNvSpPr txBox="1">
+            <a:spLocks/>
+          </p:cNvSpPr>
+          <p:nvPr/>
+        </p:nvSpPr>
+        <p:spPr>
+          <a:xfrm>
+            <a:off x="524689" y="6562928"/>
+            <a:ext cx="1941785" cy="232525"/>
+          </a:xfrm>
+          <a:prstGeom prst="rect">
+            <a:avLst/>
+          </a:prstGeom>
+        </p:spPr>
+        <p:txBody>
+          <a:bodyPr vert="horz" lIns="91440" tIns="45720" rIns="91440" bIns="45720" rtlCol="0" anchor="ctr"/>
+          <a:lstStyle>
+            <a:defPPr>
+              <a:defRPr lang="ko-KR"/>
+            </a:defPPr>
+            <a:lvl1pPr marL="0" algn="l" defTabSz="914400" rtl="0" eaLnBrk="1" latinLnBrk="1" hangingPunct="1">
+              <a:defRPr sz="1050" b="1" kern="1200">
+                <a:solidFill>
+                  <a:schemeClr val="tx1">
+                    <a:tint val="75000"/>
+                  </a:schemeClr>
+                </a:solidFill>
+                <a:latin typeface="+mn-ea"/>
+                <a:ea typeface="+mn-ea"/>
+                <a:cs typeface="+mn-cs"/>
+              </a:defRPr>
+            </a:lvl1pPr>
+            <a:lvl2pPr marL="457200" algn="l" defTabSz="914400" rtl="0" eaLnBrk="1" latinLnBrk="1" hangingPunct="1">
+              <a:defRPr sz="1800" kern="1200">
+                <a:solidFill>
+                  <a:schemeClr val="tx1"/>
+                </a:solidFill>
+                <a:latin typeface="+mn-lt"/>
+                <a:ea typeface="+mn-ea"/>
+                <a:cs typeface="+mn-cs"/>
+              </a:defRPr>
+            </a:lvl2pPr>
+            <a:lvl3pPr marL="914400" algn="l" defTabSz="914400" rtl="0" eaLnBrk="1" latinLnBrk="1" hangingPunct="1">
+              <a:defRPr sz="1800" kern="1200">
+                <a:solidFill>
+                  <a:schemeClr val="tx1"/>
+                </a:solidFill>
+                <a:latin typeface="+mn-lt"/>
+                <a:ea typeface="+mn-ea"/>
+                <a:cs typeface="+mn-cs"/>
+              </a:defRPr>
+            </a:lvl3pPr>
+            <a:lvl4pPr marL="1371600" algn="l" defTabSz="914400" rtl="0" eaLnBrk="1" latinLnBrk="1" hangingPunct="1">
+              <a:defRPr sz="1800" kern="1200">
+                <a:solidFill>
+                  <a:schemeClr val="tx1"/>
+                </a:solidFill>
+                <a:latin typeface="+mn-lt"/>
+                <a:ea typeface="+mn-ea"/>
+                <a:cs typeface="+mn-cs"/>
+              </a:defRPr>
+            </a:lvl4pPr>
+            <a:lvl5pPr marL="1828800" algn="l" defTabSz="914400" rtl="0" eaLnBrk="1" latinLnBrk="1" hangingPunct="1">
+              <a:defRPr sz="1800" kern="1200">
+                <a:solidFill>
+                  <a:schemeClr val="tx1"/>
+                </a:solidFill>
+                <a:latin typeface="+mn-lt"/>
+                <a:ea typeface="+mn-ea"/>
+                <a:cs typeface="+mn-cs"/>
+              </a:defRPr>
+            </a:lvl5pPr>
+            <a:lvl6pPr marL="2286000" algn="l" defTabSz="914400" rtl="0" eaLnBrk="1" latinLnBrk="1" hangingPunct="1">
+              <a:defRPr sz="1800" kern="1200">
+                <a:solidFill>
+                  <a:schemeClr val="tx1"/>
+                </a:solidFill>
+                <a:latin typeface="+mn-lt"/>
+                <a:ea typeface="+mn-ea"/>
+                <a:cs typeface="+mn-cs"/>
+              </a:defRPr>
+            </a:lvl6pPr>
+            <a:lvl7pPr marL="2743200" algn="l" defTabSz="914400" rtl="0" eaLnBrk="1" latinLnBrk="1" hangingPunct="1">
+              <a:defRPr sz="1800" kern="1200">
+                <a:solidFill>
+                  <a:schemeClr val="tx1"/>
+                </a:solidFill>
+                <a:latin typeface="+mn-lt"/>
+                <a:ea typeface="+mn-ea"/>
+                <a:cs typeface="+mn-cs"/>
+              </a:defRPr>
+            </a:lvl7pPr>
+            <a:lvl8pPr marL="3200400" algn="l" defTabSz="914400" rtl="0" eaLnBrk="1" latinLnBrk="1" hangingPunct="1">
+              <a:defRPr sz="1800" kern="1200">
+                <a:solidFill>
+                  <a:schemeClr val="tx1"/>
+                </a:solidFill>
+                <a:latin typeface="+mn-lt"/>
+                <a:ea typeface="+mn-ea"/>
+                <a:cs typeface="+mn-cs"/>
+              </a:defRPr>
+            </a:lvl8pPr>
+            <a:lvl9pPr marL="3657600" algn="l" defTabSz="914400" rtl="0" eaLnBrk="1" latinLnBrk="1" hangingPunct="1">
+              <a:defRPr sz="1800" kern="1200">
+                <a:solidFill>
+                  <a:schemeClr val="tx1"/>
+                </a:solidFill>
+                <a:latin typeface="+mn-lt"/>
+                <a:ea typeface="+mn-ea"/>
+                <a:cs typeface="+mn-cs"/>
+              </a:defRPr>
+            </a:lvl9pPr>
+          </a:lstStyle>
+          <a:p>
+            <a:r>
+              <a:rPr lang="en-US" altLang="ko-KR"/>
+              <a:t>KAIST CAIO 6</a:t>
+            </a:r>
+            <a:r>
+              <a:rPr lang="ko-KR" altLang="en-US"/>
+              <a:t>기 </a:t>
+            </a:r>
+            <a:r>
+              <a:rPr lang="en-US" altLang="ko-KR"/>
+              <a:t>– 11</a:t>
+            </a:r>
+            <a:r>
+              <a:rPr lang="ko-KR" altLang="en-US"/>
+              <a:t>조</a:t>
+            </a:r>
+          </a:p>
+        </p:txBody>
+      </p:sp>
+      <p:sp>
+        <p:nvSpPr>
+          <p:cNvPr id="5" name="슬라이드 번호 개체 틀 5">
+            <a:extLst>
+              <a:ext uri="{FF2B5EF4-FFF2-40B4-BE49-F238E27FC236}">
+                <a16:creationId xmlns:a16="http://schemas.microsoft.com/office/drawing/2014/main" id="{2E86D85D-BEA9-9A90-0FE6-3C04C725B1F8}"/>
+              </a:ext>
+            </a:extLst>
+          </p:cNvPr>
+          <p:cNvSpPr txBox="1">
+            <a:spLocks/>
+          </p:cNvSpPr>
+          <p:nvPr/>
+        </p:nvSpPr>
+        <p:spPr>
+          <a:xfrm>
+            <a:off x="11153274" y="6562927"/>
+            <a:ext cx="646840" cy="232525"/>
+          </a:xfrm>
+          <a:prstGeom prst="rect">
+            <a:avLst/>
+          </a:prstGeom>
+        </p:spPr>
+        <p:txBody>
+          <a:bodyPr vert="horz" lIns="91440" tIns="45720" rIns="91440" bIns="45720" rtlCol="0" anchor="ctr"/>
+          <a:lstStyle>
+            <a:defPPr>
+              <a:defRPr lang="ko-KR"/>
+            </a:defPPr>
+            <a:lvl1pPr marL="0" algn="r" defTabSz="914400" rtl="0" eaLnBrk="1" latinLnBrk="1" hangingPunct="1">
+              <a:defRPr sz="1050" b="1" kern="1200">
+                <a:solidFill>
+                  <a:schemeClr val="tx1">
+                    <a:tint val="75000"/>
+                  </a:schemeClr>
+                </a:solidFill>
+                <a:latin typeface="+mn-ea"/>
+                <a:ea typeface="+mn-ea"/>
+                <a:cs typeface="+mn-cs"/>
+              </a:defRPr>
+            </a:lvl1pPr>
+            <a:lvl2pPr marL="457200" algn="l" defTabSz="914400" rtl="0" eaLnBrk="1" latinLnBrk="1" hangingPunct="1">
+              <a:defRPr sz="1800" kern="1200">
+                <a:solidFill>
+                  <a:schemeClr val="tx1"/>
+                </a:solidFill>
+                <a:latin typeface="+mn-lt"/>
+                <a:ea typeface="+mn-ea"/>
+                <a:cs typeface="+mn-cs"/>
+              </a:defRPr>
+            </a:lvl2pPr>
+            <a:lvl3pPr marL="914400" algn="l" defTabSz="914400" rtl="0" eaLnBrk="1" latinLnBrk="1" hangingPunct="1">
+              <a:defRPr sz="1800" kern="1200">
+                <a:solidFill>
+                  <a:schemeClr val="tx1"/>
+                </a:solidFill>
+                <a:latin typeface="+mn-lt"/>
+                <a:ea typeface="+mn-ea"/>
+                <a:cs typeface="+mn-cs"/>
+              </a:defRPr>
+            </a:lvl3pPr>
+            <a:lvl4pPr marL="1371600" algn="l" defTabSz="914400" rtl="0" eaLnBrk="1" latinLnBrk="1" hangingPunct="1">
+              <a:defRPr sz="1800" kern="1200">
+                <a:solidFill>
+                  <a:schemeClr val="tx1"/>
+                </a:solidFill>
+                <a:latin typeface="+mn-lt"/>
+                <a:ea typeface="+mn-ea"/>
+                <a:cs typeface="+mn-cs"/>
+              </a:defRPr>
+            </a:lvl4pPr>
+            <a:lvl5pPr marL="1828800" algn="l" defTabSz="914400" rtl="0" eaLnBrk="1" latinLnBrk="1" hangingPunct="1">
+              <a:defRPr sz="1800" kern="1200">
+                <a:solidFill>
+                  <a:schemeClr val="tx1"/>
+                </a:solidFill>
+                <a:latin typeface="+mn-lt"/>
+                <a:ea typeface="+mn-ea"/>
+                <a:cs typeface="+mn-cs"/>
+              </a:defRPr>
+            </a:lvl5pPr>
+            <a:lvl6pPr marL="2286000" algn="l" defTabSz="914400" rtl="0" eaLnBrk="1" latinLnBrk="1" hangingPunct="1">
+              <a:defRPr sz="1800" kern="1200">
+                <a:solidFill>
+                  <a:schemeClr val="tx1"/>
+                </a:solidFill>
+                <a:latin typeface="+mn-lt"/>
+                <a:ea typeface="+mn-ea"/>
+                <a:cs typeface="+mn-cs"/>
+              </a:defRPr>
+            </a:lvl6pPr>
+            <a:lvl7pPr marL="2743200" algn="l" defTabSz="914400" rtl="0" eaLnBrk="1" latinLnBrk="1" hangingPunct="1">
+              <a:defRPr sz="1800" kern="1200">
+                <a:solidFill>
+                  <a:schemeClr val="tx1"/>
+                </a:solidFill>
+                <a:latin typeface="+mn-lt"/>
+                <a:ea typeface="+mn-ea"/>
+                <a:cs typeface="+mn-cs"/>
+              </a:defRPr>
+            </a:lvl7pPr>
+            <a:lvl8pPr marL="3200400" algn="l" defTabSz="914400" rtl="0" eaLnBrk="1" latinLnBrk="1" hangingPunct="1">
+              <a:defRPr sz="1800" kern="1200">
+                <a:solidFill>
+                  <a:schemeClr val="tx1"/>
+                </a:solidFill>
+                <a:latin typeface="+mn-lt"/>
+                <a:ea typeface="+mn-ea"/>
+                <a:cs typeface="+mn-cs"/>
+              </a:defRPr>
+            </a:lvl8pPr>
+            <a:lvl9pPr marL="3657600" algn="l" defTabSz="914400" rtl="0" eaLnBrk="1" latinLnBrk="1" hangingPunct="1">
+              <a:defRPr sz="1800" kern="1200">
+                <a:solidFill>
+                  <a:schemeClr val="tx1"/>
+                </a:solidFill>
+                <a:latin typeface="+mn-lt"/>
+                <a:ea typeface="+mn-ea"/>
+                <a:cs typeface="+mn-cs"/>
+              </a:defRPr>
+            </a:lvl9pPr>
+          </a:lstStyle>
+          <a:p>
+            <a:fld id="{5554DF88-6E2D-4169-B0C6-3F98BCA9EC0C}" type="slidenum">
+              <a:rPr lang="ko-KR" altLang="en-US" smtClean="0"/>
+              <a:pPr/>
+              <a:t>13</a:t>
+            </a:fld>
+            <a:endParaRPr lang="ko-KR" altLang="en-US"/>
+          </a:p>
+        </p:txBody>
+      </p:sp>
+      <p:sp>
+        <p:nvSpPr>
+          <p:cNvPr id="13" name="내용 개체 틀 2">
+            <a:extLst>
+              <a:ext uri="{FF2B5EF4-FFF2-40B4-BE49-F238E27FC236}">
+                <a16:creationId xmlns:a16="http://schemas.microsoft.com/office/drawing/2014/main" id="{7E6134CB-F7F7-F2D9-9D70-56F5552D84F9}"/>
+              </a:ext>
+            </a:extLst>
+          </p:cNvPr>
+          <p:cNvSpPr>
+            <a:spLocks noGrp="1"/>
+          </p:cNvSpPr>
+          <p:nvPr>
+            <p:ph idx="1"/>
+          </p:nvPr>
+        </p:nvSpPr>
+        <p:spPr>
+          <a:xfrm>
+            <a:off x="524688" y="890337"/>
+            <a:ext cx="11444573" cy="2052156"/>
+          </a:xfrm>
+        </p:spPr>
+        <p:txBody>
+          <a:bodyPr>
+            <a:normAutofit/>
+          </a:bodyPr>
+          <a:lstStyle/>
+          <a:p>
+            <a:r>
+              <a:rPr lang="en-US" altLang="ko-KR" dirty="0" smtClean="0"/>
+              <a:t>LSTM</a:t>
+            </a:r>
+            <a:r>
+              <a:rPr lang="ko-KR" altLang="en-US" dirty="0" smtClean="0"/>
+              <a:t>으로 모델 구성</a:t>
+            </a:r>
+            <a:endParaRPr lang="ko-KR" altLang="en-US" dirty="0"/>
+          </a:p>
+        </p:txBody>
+      </p:sp>
+    </p:spTree>
+    <p:extLst>
+      <p:ext uri="{BB962C8B-B14F-4D97-AF65-F5344CB8AC3E}">
+        <p14:creationId xmlns:p14="http://schemas.microsoft.com/office/powerpoint/2010/main" val="804971504"/>
+      </p:ext>
+    </p:extLst>
+  </p:cSld>
+  <p:clrMapOvr>
+    <a:masterClrMapping/>
+  </p:clrMapOvr>
+</p:sld>
+</file>
+
+<file path=ppt/slides/slide14.xml><?xml version="1.0" encoding="utf-8"?>
+<p:sld xmlns:a="http://schemas.openxmlformats.org/drawingml/2006/main" xmlns:r="http://schemas.openxmlformats.org/officeDocument/2006/relationships" xmlns:p="http://schemas.openxmlformats.org/presentationml/2006/main">
+  <p:cSld>
+    <p:spTree>
+      <p:nvGrpSpPr>
+        <p:cNvPr id="1" name=""/>
+        <p:cNvGrpSpPr/>
+        <p:nvPr/>
+      </p:nvGrpSpPr>
+      <p:grpSpPr>
+        <a:xfrm>
+          <a:off x="0" y="0"/>
+          <a:ext cx="0" cy="0"/>
+          <a:chOff x="0" y="0"/>
+          <a:chExt cx="0" cy="0"/>
+        </a:xfrm>
+      </p:grpSpPr>
+      <p:sp>
+        <p:nvSpPr>
+          <p:cNvPr id="2" name="제목 1">
+            <a:extLst>
+              <a:ext uri="{FF2B5EF4-FFF2-40B4-BE49-F238E27FC236}">
+                <a16:creationId xmlns:a16="http://schemas.microsoft.com/office/drawing/2014/main" id="{63E3B395-BA5C-D7DE-4C44-7064EFA58ACB}"/>
+              </a:ext>
+            </a:extLst>
+          </p:cNvPr>
+          <p:cNvSpPr>
+            <a:spLocks noGrp="1"/>
+          </p:cNvSpPr>
+          <p:nvPr>
+            <p:ph type="title"/>
+          </p:nvPr>
+        </p:nvSpPr>
+        <p:spPr/>
+        <p:txBody>
+          <a:bodyPr/>
+          <a:lstStyle/>
+          <a:p>
+            <a:r>
+              <a:rPr lang="ko-KR" altLang="ko-KR" sz="3200" dirty="0"/>
+              <a:t>AI 모델 </a:t>
+            </a:r>
+            <a:r>
+              <a:rPr lang="ko-KR" altLang="ko-KR" sz="3200" dirty="0" smtClean="0"/>
+              <a:t>설계</a:t>
+            </a:r>
+            <a:r>
+              <a:rPr lang="en-US" altLang="ko-KR" sz="3200" dirty="0" smtClean="0"/>
+              <a:t> – DL </a:t>
+            </a:r>
+            <a:r>
+              <a:rPr lang="ko-KR" altLang="en-US" sz="3200" dirty="0" smtClean="0"/>
+              <a:t>모델</a:t>
+            </a:r>
+            <a:endParaRPr lang="ko-KR" altLang="en-US" dirty="0"/>
+          </a:p>
+        </p:txBody>
+      </p:sp>
+      <p:sp>
+        <p:nvSpPr>
+          <p:cNvPr id="4" name="날짜 개체 틀 3">
+            <a:extLst>
+              <a:ext uri="{FF2B5EF4-FFF2-40B4-BE49-F238E27FC236}">
+                <a16:creationId xmlns:a16="http://schemas.microsoft.com/office/drawing/2014/main" id="{0F383854-684E-666E-36B9-A335B2A9AD86}"/>
+              </a:ext>
+            </a:extLst>
+          </p:cNvPr>
+          <p:cNvSpPr txBox="1">
+            <a:spLocks/>
+          </p:cNvSpPr>
+          <p:nvPr/>
+        </p:nvSpPr>
+        <p:spPr>
+          <a:xfrm>
+            <a:off x="524689" y="6562928"/>
+            <a:ext cx="1941785" cy="232525"/>
+          </a:xfrm>
+          <a:prstGeom prst="rect">
+            <a:avLst/>
+          </a:prstGeom>
+        </p:spPr>
+        <p:txBody>
+          <a:bodyPr vert="horz" lIns="91440" tIns="45720" rIns="91440" bIns="45720" rtlCol="0" anchor="ctr"/>
+          <a:lstStyle>
+            <a:defPPr>
+              <a:defRPr lang="ko-KR"/>
+            </a:defPPr>
+            <a:lvl1pPr marL="0" algn="l" defTabSz="914400" rtl="0" eaLnBrk="1" latinLnBrk="1" hangingPunct="1">
+              <a:defRPr sz="1050" b="1" kern="1200">
+                <a:solidFill>
+                  <a:schemeClr val="tx1">
+                    <a:tint val="75000"/>
+                  </a:schemeClr>
+                </a:solidFill>
+                <a:latin typeface="+mn-ea"/>
+                <a:ea typeface="+mn-ea"/>
+                <a:cs typeface="+mn-cs"/>
+              </a:defRPr>
+            </a:lvl1pPr>
+            <a:lvl2pPr marL="457200" algn="l" defTabSz="914400" rtl="0" eaLnBrk="1" latinLnBrk="1" hangingPunct="1">
+              <a:defRPr sz="1800" kern="1200">
+                <a:solidFill>
+                  <a:schemeClr val="tx1"/>
+                </a:solidFill>
+                <a:latin typeface="+mn-lt"/>
+                <a:ea typeface="+mn-ea"/>
+                <a:cs typeface="+mn-cs"/>
+              </a:defRPr>
+            </a:lvl2pPr>
+            <a:lvl3pPr marL="914400" algn="l" defTabSz="914400" rtl="0" eaLnBrk="1" latinLnBrk="1" hangingPunct="1">
+              <a:defRPr sz="1800" kern="1200">
+                <a:solidFill>
+                  <a:schemeClr val="tx1"/>
+                </a:solidFill>
+                <a:latin typeface="+mn-lt"/>
+                <a:ea typeface="+mn-ea"/>
+                <a:cs typeface="+mn-cs"/>
+              </a:defRPr>
+            </a:lvl3pPr>
+            <a:lvl4pPr marL="1371600" algn="l" defTabSz="914400" rtl="0" eaLnBrk="1" latinLnBrk="1" hangingPunct="1">
+              <a:defRPr sz="1800" kern="1200">
+                <a:solidFill>
+                  <a:schemeClr val="tx1"/>
+                </a:solidFill>
+                <a:latin typeface="+mn-lt"/>
+                <a:ea typeface="+mn-ea"/>
+                <a:cs typeface="+mn-cs"/>
+              </a:defRPr>
+            </a:lvl4pPr>
+            <a:lvl5pPr marL="1828800" algn="l" defTabSz="914400" rtl="0" eaLnBrk="1" latinLnBrk="1" hangingPunct="1">
+              <a:defRPr sz="1800" kern="1200">
+                <a:solidFill>
+                  <a:schemeClr val="tx1"/>
+                </a:solidFill>
+                <a:latin typeface="+mn-lt"/>
+                <a:ea typeface="+mn-ea"/>
+                <a:cs typeface="+mn-cs"/>
+              </a:defRPr>
+            </a:lvl5pPr>
+            <a:lvl6pPr marL="2286000" algn="l" defTabSz="914400" rtl="0" eaLnBrk="1" latinLnBrk="1" hangingPunct="1">
+              <a:defRPr sz="1800" kern="1200">
+                <a:solidFill>
+                  <a:schemeClr val="tx1"/>
+                </a:solidFill>
+                <a:latin typeface="+mn-lt"/>
+                <a:ea typeface="+mn-ea"/>
+                <a:cs typeface="+mn-cs"/>
+              </a:defRPr>
+            </a:lvl6pPr>
+            <a:lvl7pPr marL="2743200" algn="l" defTabSz="914400" rtl="0" eaLnBrk="1" latinLnBrk="1" hangingPunct="1">
+              <a:defRPr sz="1800" kern="1200">
+                <a:solidFill>
+                  <a:schemeClr val="tx1"/>
+                </a:solidFill>
+                <a:latin typeface="+mn-lt"/>
+                <a:ea typeface="+mn-ea"/>
+                <a:cs typeface="+mn-cs"/>
+              </a:defRPr>
+            </a:lvl7pPr>
+            <a:lvl8pPr marL="3200400" algn="l" defTabSz="914400" rtl="0" eaLnBrk="1" latinLnBrk="1" hangingPunct="1">
+              <a:defRPr sz="1800" kern="1200">
+                <a:solidFill>
+                  <a:schemeClr val="tx1"/>
+                </a:solidFill>
+                <a:latin typeface="+mn-lt"/>
+                <a:ea typeface="+mn-ea"/>
+                <a:cs typeface="+mn-cs"/>
+              </a:defRPr>
+            </a:lvl8pPr>
+            <a:lvl9pPr marL="3657600" algn="l" defTabSz="914400" rtl="0" eaLnBrk="1" latinLnBrk="1" hangingPunct="1">
+              <a:defRPr sz="1800" kern="1200">
+                <a:solidFill>
+                  <a:schemeClr val="tx1"/>
+                </a:solidFill>
+                <a:latin typeface="+mn-lt"/>
+                <a:ea typeface="+mn-ea"/>
+                <a:cs typeface="+mn-cs"/>
+              </a:defRPr>
+            </a:lvl9pPr>
+          </a:lstStyle>
+          <a:p>
+            <a:r>
+              <a:rPr lang="en-US" altLang="ko-KR"/>
+              <a:t>KAIST CAIO 6</a:t>
+            </a:r>
+            <a:r>
+              <a:rPr lang="ko-KR" altLang="en-US"/>
+              <a:t>기 </a:t>
+            </a:r>
+            <a:r>
+              <a:rPr lang="en-US" altLang="ko-KR"/>
+              <a:t>– 11</a:t>
+            </a:r>
+            <a:r>
+              <a:rPr lang="ko-KR" altLang="en-US"/>
+              <a:t>조</a:t>
+            </a:r>
+          </a:p>
+        </p:txBody>
+      </p:sp>
+      <p:sp>
+        <p:nvSpPr>
+          <p:cNvPr id="5" name="슬라이드 번호 개체 틀 5">
+            <a:extLst>
+              <a:ext uri="{FF2B5EF4-FFF2-40B4-BE49-F238E27FC236}">
+                <a16:creationId xmlns:a16="http://schemas.microsoft.com/office/drawing/2014/main" id="{2E86D85D-BEA9-9A90-0FE6-3C04C725B1F8}"/>
+              </a:ext>
+            </a:extLst>
+          </p:cNvPr>
+          <p:cNvSpPr txBox="1">
+            <a:spLocks/>
+          </p:cNvSpPr>
+          <p:nvPr/>
+        </p:nvSpPr>
+        <p:spPr>
+          <a:xfrm>
+            <a:off x="11153274" y="6562927"/>
+            <a:ext cx="646840" cy="232525"/>
+          </a:xfrm>
+          <a:prstGeom prst="rect">
+            <a:avLst/>
+          </a:prstGeom>
+        </p:spPr>
+        <p:txBody>
+          <a:bodyPr vert="horz" lIns="91440" tIns="45720" rIns="91440" bIns="45720" rtlCol="0" anchor="ctr"/>
+          <a:lstStyle>
+            <a:defPPr>
+              <a:defRPr lang="ko-KR"/>
+            </a:defPPr>
+            <a:lvl1pPr marL="0" algn="r" defTabSz="914400" rtl="0" eaLnBrk="1" latinLnBrk="1" hangingPunct="1">
+              <a:defRPr sz="1050" b="1" kern="1200">
+                <a:solidFill>
+                  <a:schemeClr val="tx1">
+                    <a:tint val="75000"/>
+                  </a:schemeClr>
+                </a:solidFill>
+                <a:latin typeface="+mn-ea"/>
+                <a:ea typeface="+mn-ea"/>
+                <a:cs typeface="+mn-cs"/>
+              </a:defRPr>
+            </a:lvl1pPr>
+            <a:lvl2pPr marL="457200" algn="l" defTabSz="914400" rtl="0" eaLnBrk="1" latinLnBrk="1" hangingPunct="1">
+              <a:defRPr sz="1800" kern="1200">
+                <a:solidFill>
+                  <a:schemeClr val="tx1"/>
+                </a:solidFill>
+                <a:latin typeface="+mn-lt"/>
+                <a:ea typeface="+mn-ea"/>
+                <a:cs typeface="+mn-cs"/>
+              </a:defRPr>
+            </a:lvl2pPr>
+            <a:lvl3pPr marL="914400" algn="l" defTabSz="914400" rtl="0" eaLnBrk="1" latinLnBrk="1" hangingPunct="1">
+              <a:defRPr sz="1800" kern="1200">
+                <a:solidFill>
+                  <a:schemeClr val="tx1"/>
+                </a:solidFill>
+                <a:latin typeface="+mn-lt"/>
+                <a:ea typeface="+mn-ea"/>
+                <a:cs typeface="+mn-cs"/>
+              </a:defRPr>
+            </a:lvl3pPr>
+            <a:lvl4pPr marL="1371600" algn="l" defTabSz="914400" rtl="0" eaLnBrk="1" latinLnBrk="1" hangingPunct="1">
+              <a:defRPr sz="1800" kern="1200">
+                <a:solidFill>
+                  <a:schemeClr val="tx1"/>
+                </a:solidFill>
+                <a:latin typeface="+mn-lt"/>
+                <a:ea typeface="+mn-ea"/>
+                <a:cs typeface="+mn-cs"/>
+              </a:defRPr>
+            </a:lvl4pPr>
+            <a:lvl5pPr marL="1828800" algn="l" defTabSz="914400" rtl="0" eaLnBrk="1" latinLnBrk="1" hangingPunct="1">
+              <a:defRPr sz="1800" kern="1200">
+                <a:solidFill>
+                  <a:schemeClr val="tx1"/>
+                </a:solidFill>
+                <a:latin typeface="+mn-lt"/>
+                <a:ea typeface="+mn-ea"/>
+                <a:cs typeface="+mn-cs"/>
+              </a:defRPr>
+            </a:lvl5pPr>
+            <a:lvl6pPr marL="2286000" algn="l" defTabSz="914400" rtl="0" eaLnBrk="1" latinLnBrk="1" hangingPunct="1">
+              <a:defRPr sz="1800" kern="1200">
+                <a:solidFill>
+                  <a:schemeClr val="tx1"/>
+                </a:solidFill>
+                <a:latin typeface="+mn-lt"/>
+                <a:ea typeface="+mn-ea"/>
+                <a:cs typeface="+mn-cs"/>
+              </a:defRPr>
+            </a:lvl6pPr>
+            <a:lvl7pPr marL="2743200" algn="l" defTabSz="914400" rtl="0" eaLnBrk="1" latinLnBrk="1" hangingPunct="1">
+              <a:defRPr sz="1800" kern="1200">
+                <a:solidFill>
+                  <a:schemeClr val="tx1"/>
+                </a:solidFill>
+                <a:latin typeface="+mn-lt"/>
+                <a:ea typeface="+mn-ea"/>
+                <a:cs typeface="+mn-cs"/>
+              </a:defRPr>
+            </a:lvl7pPr>
+            <a:lvl8pPr marL="3200400" algn="l" defTabSz="914400" rtl="0" eaLnBrk="1" latinLnBrk="1" hangingPunct="1">
+              <a:defRPr sz="1800" kern="1200">
+                <a:solidFill>
+                  <a:schemeClr val="tx1"/>
+                </a:solidFill>
+                <a:latin typeface="+mn-lt"/>
+                <a:ea typeface="+mn-ea"/>
+                <a:cs typeface="+mn-cs"/>
+              </a:defRPr>
+            </a:lvl8pPr>
+            <a:lvl9pPr marL="3657600" algn="l" defTabSz="914400" rtl="0" eaLnBrk="1" latinLnBrk="1" hangingPunct="1">
+              <a:defRPr sz="1800" kern="1200">
+                <a:solidFill>
+                  <a:schemeClr val="tx1"/>
+                </a:solidFill>
+                <a:latin typeface="+mn-lt"/>
+                <a:ea typeface="+mn-ea"/>
+                <a:cs typeface="+mn-cs"/>
+              </a:defRPr>
+            </a:lvl9pPr>
+          </a:lstStyle>
+          <a:p>
+            <a:fld id="{5554DF88-6E2D-4169-B0C6-3F98BCA9EC0C}" type="slidenum">
+              <a:rPr lang="ko-KR" altLang="en-US" smtClean="0"/>
+              <a:pPr/>
+              <a:t>14</a:t>
             </a:fld>
             <a:endParaRPr lang="ko-KR" altLang="en-US"/>
           </a:p>
@@ -6851,722 +8023,6 @@
 </p:sld>
 </file>
 
-<file path=ppt/slides/slide13.xml><?xml version="1.0" encoding="utf-8"?>
-<p:sld xmlns:a="http://schemas.openxmlformats.org/drawingml/2006/main" xmlns:r="http://schemas.openxmlformats.org/officeDocument/2006/relationships" xmlns:p="http://schemas.openxmlformats.org/presentationml/2006/main">
-  <p:cSld>
-    <p:spTree>
-      <p:nvGrpSpPr>
-        <p:cNvPr id="1" name=""/>
-        <p:cNvGrpSpPr/>
-        <p:nvPr/>
-      </p:nvGrpSpPr>
-      <p:grpSpPr>
-        <a:xfrm>
-          <a:off x="0" y="0"/>
-          <a:ext cx="0" cy="0"/>
-          <a:chOff x="0" y="0"/>
-          <a:chExt cx="0" cy="0"/>
-        </a:xfrm>
-      </p:grpSpPr>
-      <p:sp>
-        <p:nvSpPr>
-          <p:cNvPr id="2" name="제목 1">
-            <a:extLst>
-              <a:ext uri="{FF2B5EF4-FFF2-40B4-BE49-F238E27FC236}">
-                <a16:creationId xmlns:a16="http://schemas.microsoft.com/office/drawing/2014/main" id="{63E3B395-BA5C-D7DE-4C44-7064EFA58ACB}"/>
-              </a:ext>
-            </a:extLst>
-          </p:cNvPr>
-          <p:cNvSpPr>
-            <a:spLocks noGrp="1"/>
-          </p:cNvSpPr>
-          <p:nvPr>
-            <p:ph type="title"/>
-          </p:nvPr>
-        </p:nvSpPr>
-        <p:spPr/>
-        <p:txBody>
-          <a:bodyPr/>
-          <a:lstStyle/>
-          <a:p>
-            <a:r>
-              <a:rPr lang="ko-KR" altLang="ko-KR" sz="3200"/>
-              <a:t>부서별 역할 및 KPI 및 업무 협업 프로세스</a:t>
-            </a:r>
-            <a:endParaRPr lang="ko-KR" altLang="en-US"/>
-          </a:p>
-        </p:txBody>
-      </p:sp>
-      <p:sp>
-        <p:nvSpPr>
-          <p:cNvPr id="3" name="내용 개체 틀 2">
-            <a:extLst>
-              <a:ext uri="{FF2B5EF4-FFF2-40B4-BE49-F238E27FC236}">
-                <a16:creationId xmlns:a16="http://schemas.microsoft.com/office/drawing/2014/main" id="{7E6134CB-F7F7-F2D9-9D70-56F5552D84F9}"/>
-              </a:ext>
-            </a:extLst>
-          </p:cNvPr>
-          <p:cNvSpPr>
-            <a:spLocks noGrp="1"/>
-          </p:cNvSpPr>
-          <p:nvPr>
-            <p:ph idx="1"/>
-          </p:nvPr>
-        </p:nvSpPr>
-        <p:spPr/>
-        <p:txBody>
-          <a:bodyPr/>
-          <a:lstStyle/>
-          <a:p>
-            <a:endParaRPr lang="ko-KR" altLang="en-US"/>
-          </a:p>
-        </p:txBody>
-      </p:sp>
-      <p:sp>
-        <p:nvSpPr>
-          <p:cNvPr id="4" name="날짜 개체 틀 3">
-            <a:extLst>
-              <a:ext uri="{FF2B5EF4-FFF2-40B4-BE49-F238E27FC236}">
-                <a16:creationId xmlns:a16="http://schemas.microsoft.com/office/drawing/2014/main" id="{25DC8137-9C99-E452-2510-26E88DA5FEA9}"/>
-              </a:ext>
-            </a:extLst>
-          </p:cNvPr>
-          <p:cNvSpPr txBox="1">
-            <a:spLocks/>
-          </p:cNvSpPr>
-          <p:nvPr/>
-        </p:nvSpPr>
-        <p:spPr>
-          <a:xfrm>
-            <a:off x="524689" y="6562928"/>
-            <a:ext cx="1941785" cy="232525"/>
-          </a:xfrm>
-          <a:prstGeom prst="rect">
-            <a:avLst/>
-          </a:prstGeom>
-        </p:spPr>
-        <p:txBody>
-          <a:bodyPr vert="horz" lIns="91440" tIns="45720" rIns="91440" bIns="45720" rtlCol="0" anchor="ctr"/>
-          <a:lstStyle>
-            <a:defPPr>
-              <a:defRPr lang="ko-KR"/>
-            </a:defPPr>
-            <a:lvl1pPr marL="0" algn="l" defTabSz="914400" rtl="0" eaLnBrk="1" latinLnBrk="1" hangingPunct="1">
-              <a:defRPr sz="1050" b="1" kern="1200">
-                <a:solidFill>
-                  <a:schemeClr val="tx1">
-                    <a:tint val="75000"/>
-                  </a:schemeClr>
-                </a:solidFill>
-                <a:latin typeface="+mn-ea"/>
-                <a:ea typeface="+mn-ea"/>
-                <a:cs typeface="+mn-cs"/>
-              </a:defRPr>
-            </a:lvl1pPr>
-            <a:lvl2pPr marL="457200" algn="l" defTabSz="914400" rtl="0" eaLnBrk="1" latinLnBrk="1" hangingPunct="1">
-              <a:defRPr sz="1800" kern="1200">
-                <a:solidFill>
-                  <a:schemeClr val="tx1"/>
-                </a:solidFill>
-                <a:latin typeface="+mn-lt"/>
-                <a:ea typeface="+mn-ea"/>
-                <a:cs typeface="+mn-cs"/>
-              </a:defRPr>
-            </a:lvl2pPr>
-            <a:lvl3pPr marL="914400" algn="l" defTabSz="914400" rtl="0" eaLnBrk="1" latinLnBrk="1" hangingPunct="1">
-              <a:defRPr sz="1800" kern="1200">
-                <a:solidFill>
-                  <a:schemeClr val="tx1"/>
-                </a:solidFill>
-                <a:latin typeface="+mn-lt"/>
-                <a:ea typeface="+mn-ea"/>
-                <a:cs typeface="+mn-cs"/>
-              </a:defRPr>
-            </a:lvl3pPr>
-            <a:lvl4pPr marL="1371600" algn="l" defTabSz="914400" rtl="0" eaLnBrk="1" latinLnBrk="1" hangingPunct="1">
-              <a:defRPr sz="1800" kern="1200">
-                <a:solidFill>
-                  <a:schemeClr val="tx1"/>
-                </a:solidFill>
-                <a:latin typeface="+mn-lt"/>
-                <a:ea typeface="+mn-ea"/>
-                <a:cs typeface="+mn-cs"/>
-              </a:defRPr>
-            </a:lvl4pPr>
-            <a:lvl5pPr marL="1828800" algn="l" defTabSz="914400" rtl="0" eaLnBrk="1" latinLnBrk="1" hangingPunct="1">
-              <a:defRPr sz="1800" kern="1200">
-                <a:solidFill>
-                  <a:schemeClr val="tx1"/>
-                </a:solidFill>
-                <a:latin typeface="+mn-lt"/>
-                <a:ea typeface="+mn-ea"/>
-                <a:cs typeface="+mn-cs"/>
-              </a:defRPr>
-            </a:lvl5pPr>
-            <a:lvl6pPr marL="2286000" algn="l" defTabSz="914400" rtl="0" eaLnBrk="1" latinLnBrk="1" hangingPunct="1">
-              <a:defRPr sz="1800" kern="1200">
-                <a:solidFill>
-                  <a:schemeClr val="tx1"/>
-                </a:solidFill>
-                <a:latin typeface="+mn-lt"/>
-                <a:ea typeface="+mn-ea"/>
-                <a:cs typeface="+mn-cs"/>
-              </a:defRPr>
-            </a:lvl6pPr>
-            <a:lvl7pPr marL="2743200" algn="l" defTabSz="914400" rtl="0" eaLnBrk="1" latinLnBrk="1" hangingPunct="1">
-              <a:defRPr sz="1800" kern="1200">
-                <a:solidFill>
-                  <a:schemeClr val="tx1"/>
-                </a:solidFill>
-                <a:latin typeface="+mn-lt"/>
-                <a:ea typeface="+mn-ea"/>
-                <a:cs typeface="+mn-cs"/>
-              </a:defRPr>
-            </a:lvl7pPr>
-            <a:lvl8pPr marL="3200400" algn="l" defTabSz="914400" rtl="0" eaLnBrk="1" latinLnBrk="1" hangingPunct="1">
-              <a:defRPr sz="1800" kern="1200">
-                <a:solidFill>
-                  <a:schemeClr val="tx1"/>
-                </a:solidFill>
-                <a:latin typeface="+mn-lt"/>
-                <a:ea typeface="+mn-ea"/>
-                <a:cs typeface="+mn-cs"/>
-              </a:defRPr>
-            </a:lvl8pPr>
-            <a:lvl9pPr marL="3657600" algn="l" defTabSz="914400" rtl="0" eaLnBrk="1" latinLnBrk="1" hangingPunct="1">
-              <a:defRPr sz="1800" kern="1200">
-                <a:solidFill>
-                  <a:schemeClr val="tx1"/>
-                </a:solidFill>
-                <a:latin typeface="+mn-lt"/>
-                <a:ea typeface="+mn-ea"/>
-                <a:cs typeface="+mn-cs"/>
-              </a:defRPr>
-            </a:lvl9pPr>
-          </a:lstStyle>
-          <a:p>
-            <a:r>
-              <a:rPr lang="en-US" altLang="ko-KR"/>
-              <a:t>KAIST CAIO 6</a:t>
-            </a:r>
-            <a:r>
-              <a:rPr lang="ko-KR" altLang="en-US"/>
-              <a:t>기 </a:t>
-            </a:r>
-            <a:r>
-              <a:rPr lang="en-US" altLang="ko-KR"/>
-              <a:t>– 11</a:t>
-            </a:r>
-            <a:r>
-              <a:rPr lang="ko-KR" altLang="en-US"/>
-              <a:t>조</a:t>
-            </a:r>
-          </a:p>
-        </p:txBody>
-      </p:sp>
-      <p:sp>
-        <p:nvSpPr>
-          <p:cNvPr id="5" name="슬라이드 번호 개체 틀 5">
-            <a:extLst>
-              <a:ext uri="{FF2B5EF4-FFF2-40B4-BE49-F238E27FC236}">
-                <a16:creationId xmlns:a16="http://schemas.microsoft.com/office/drawing/2014/main" id="{025C5F50-6DC5-9632-F5BD-3E905468A47F}"/>
-              </a:ext>
-            </a:extLst>
-          </p:cNvPr>
-          <p:cNvSpPr txBox="1">
-            <a:spLocks/>
-          </p:cNvSpPr>
-          <p:nvPr/>
-        </p:nvSpPr>
-        <p:spPr>
-          <a:xfrm>
-            <a:off x="11153274" y="6562927"/>
-            <a:ext cx="646840" cy="232525"/>
-          </a:xfrm>
-          <a:prstGeom prst="rect">
-            <a:avLst/>
-          </a:prstGeom>
-        </p:spPr>
-        <p:txBody>
-          <a:bodyPr vert="horz" lIns="91440" tIns="45720" rIns="91440" bIns="45720" rtlCol="0" anchor="ctr"/>
-          <a:lstStyle>
-            <a:defPPr>
-              <a:defRPr lang="ko-KR"/>
-            </a:defPPr>
-            <a:lvl1pPr marL="0" algn="r" defTabSz="914400" rtl="0" eaLnBrk="1" latinLnBrk="1" hangingPunct="1">
-              <a:defRPr sz="1050" b="1" kern="1200">
-                <a:solidFill>
-                  <a:schemeClr val="tx1">
-                    <a:tint val="75000"/>
-                  </a:schemeClr>
-                </a:solidFill>
-                <a:latin typeface="+mn-ea"/>
-                <a:ea typeface="+mn-ea"/>
-                <a:cs typeface="+mn-cs"/>
-              </a:defRPr>
-            </a:lvl1pPr>
-            <a:lvl2pPr marL="457200" algn="l" defTabSz="914400" rtl="0" eaLnBrk="1" latinLnBrk="1" hangingPunct="1">
-              <a:defRPr sz="1800" kern="1200">
-                <a:solidFill>
-                  <a:schemeClr val="tx1"/>
-                </a:solidFill>
-                <a:latin typeface="+mn-lt"/>
-                <a:ea typeface="+mn-ea"/>
-                <a:cs typeface="+mn-cs"/>
-              </a:defRPr>
-            </a:lvl2pPr>
-            <a:lvl3pPr marL="914400" algn="l" defTabSz="914400" rtl="0" eaLnBrk="1" latinLnBrk="1" hangingPunct="1">
-              <a:defRPr sz="1800" kern="1200">
-                <a:solidFill>
-                  <a:schemeClr val="tx1"/>
-                </a:solidFill>
-                <a:latin typeface="+mn-lt"/>
-                <a:ea typeface="+mn-ea"/>
-                <a:cs typeface="+mn-cs"/>
-              </a:defRPr>
-            </a:lvl3pPr>
-            <a:lvl4pPr marL="1371600" algn="l" defTabSz="914400" rtl="0" eaLnBrk="1" latinLnBrk="1" hangingPunct="1">
-              <a:defRPr sz="1800" kern="1200">
-                <a:solidFill>
-                  <a:schemeClr val="tx1"/>
-                </a:solidFill>
-                <a:latin typeface="+mn-lt"/>
-                <a:ea typeface="+mn-ea"/>
-                <a:cs typeface="+mn-cs"/>
-              </a:defRPr>
-            </a:lvl4pPr>
-            <a:lvl5pPr marL="1828800" algn="l" defTabSz="914400" rtl="0" eaLnBrk="1" latinLnBrk="1" hangingPunct="1">
-              <a:defRPr sz="1800" kern="1200">
-                <a:solidFill>
-                  <a:schemeClr val="tx1"/>
-                </a:solidFill>
-                <a:latin typeface="+mn-lt"/>
-                <a:ea typeface="+mn-ea"/>
-                <a:cs typeface="+mn-cs"/>
-              </a:defRPr>
-            </a:lvl5pPr>
-            <a:lvl6pPr marL="2286000" algn="l" defTabSz="914400" rtl="0" eaLnBrk="1" latinLnBrk="1" hangingPunct="1">
-              <a:defRPr sz="1800" kern="1200">
-                <a:solidFill>
-                  <a:schemeClr val="tx1"/>
-                </a:solidFill>
-                <a:latin typeface="+mn-lt"/>
-                <a:ea typeface="+mn-ea"/>
-                <a:cs typeface="+mn-cs"/>
-              </a:defRPr>
-            </a:lvl6pPr>
-            <a:lvl7pPr marL="2743200" algn="l" defTabSz="914400" rtl="0" eaLnBrk="1" latinLnBrk="1" hangingPunct="1">
-              <a:defRPr sz="1800" kern="1200">
-                <a:solidFill>
-                  <a:schemeClr val="tx1"/>
-                </a:solidFill>
-                <a:latin typeface="+mn-lt"/>
-                <a:ea typeface="+mn-ea"/>
-                <a:cs typeface="+mn-cs"/>
-              </a:defRPr>
-            </a:lvl7pPr>
-            <a:lvl8pPr marL="3200400" algn="l" defTabSz="914400" rtl="0" eaLnBrk="1" latinLnBrk="1" hangingPunct="1">
-              <a:defRPr sz="1800" kern="1200">
-                <a:solidFill>
-                  <a:schemeClr val="tx1"/>
-                </a:solidFill>
-                <a:latin typeface="+mn-lt"/>
-                <a:ea typeface="+mn-ea"/>
-                <a:cs typeface="+mn-cs"/>
-              </a:defRPr>
-            </a:lvl8pPr>
-            <a:lvl9pPr marL="3657600" algn="l" defTabSz="914400" rtl="0" eaLnBrk="1" latinLnBrk="1" hangingPunct="1">
-              <a:defRPr sz="1800" kern="1200">
-                <a:solidFill>
-                  <a:schemeClr val="tx1"/>
-                </a:solidFill>
-                <a:latin typeface="+mn-lt"/>
-                <a:ea typeface="+mn-ea"/>
-                <a:cs typeface="+mn-cs"/>
-              </a:defRPr>
-            </a:lvl9pPr>
-          </a:lstStyle>
-          <a:p>
-            <a:fld id="{5554DF88-6E2D-4169-B0C6-3F98BCA9EC0C}" type="slidenum">
-              <a:rPr lang="ko-KR" altLang="en-US" smtClean="0"/>
-              <a:pPr/>
-              <a:t>13</a:t>
-            </a:fld>
-            <a:endParaRPr lang="ko-KR" altLang="en-US"/>
-          </a:p>
-        </p:txBody>
-      </p:sp>
-    </p:spTree>
-    <p:extLst>
-      <p:ext uri="{BB962C8B-B14F-4D97-AF65-F5344CB8AC3E}">
-        <p14:creationId xmlns:p14="http://schemas.microsoft.com/office/powerpoint/2010/main" val="1487894071"/>
-      </p:ext>
-    </p:extLst>
-  </p:cSld>
-  <p:clrMapOvr>
-    <a:masterClrMapping/>
-  </p:clrMapOvr>
-</p:sld>
-</file>
-
-<file path=ppt/slides/slide14.xml><?xml version="1.0" encoding="utf-8"?>
-<p:sld xmlns:a="http://schemas.openxmlformats.org/drawingml/2006/main" xmlns:r="http://schemas.openxmlformats.org/officeDocument/2006/relationships" xmlns:p="http://schemas.openxmlformats.org/presentationml/2006/main">
-  <p:cSld>
-    <p:spTree>
-      <p:nvGrpSpPr>
-        <p:cNvPr id="1" name=""/>
-        <p:cNvGrpSpPr/>
-        <p:nvPr/>
-      </p:nvGrpSpPr>
-      <p:grpSpPr>
-        <a:xfrm>
-          <a:off x="0" y="0"/>
-          <a:ext cx="0" cy="0"/>
-          <a:chOff x="0" y="0"/>
-          <a:chExt cx="0" cy="0"/>
-        </a:xfrm>
-      </p:grpSpPr>
-      <p:sp>
-        <p:nvSpPr>
-          <p:cNvPr id="2" name="제목 1">
-            <a:extLst>
-              <a:ext uri="{FF2B5EF4-FFF2-40B4-BE49-F238E27FC236}">
-                <a16:creationId xmlns:a16="http://schemas.microsoft.com/office/drawing/2014/main" id="{63E3B395-BA5C-D7DE-4C44-7064EFA58ACB}"/>
-              </a:ext>
-            </a:extLst>
-          </p:cNvPr>
-          <p:cNvSpPr>
-            <a:spLocks noGrp="1"/>
-          </p:cNvSpPr>
-          <p:nvPr>
-            <p:ph type="title"/>
-          </p:nvPr>
-        </p:nvSpPr>
-        <p:spPr/>
-        <p:txBody>
-          <a:bodyPr/>
-          <a:lstStyle/>
-          <a:p>
-            <a:r>
-              <a:rPr lang="ko-KR" altLang="ko-KR" sz="3200"/>
-              <a:t>AI 도입 성과 평가를 어떻게 측정할 것인가?</a:t>
-            </a:r>
-            <a:endParaRPr lang="ko-KR" altLang="en-US"/>
-          </a:p>
-        </p:txBody>
-      </p:sp>
-      <p:sp>
-        <p:nvSpPr>
-          <p:cNvPr id="3" name="내용 개체 틀 2">
-            <a:extLst>
-              <a:ext uri="{FF2B5EF4-FFF2-40B4-BE49-F238E27FC236}">
-                <a16:creationId xmlns:a16="http://schemas.microsoft.com/office/drawing/2014/main" id="{7E6134CB-F7F7-F2D9-9D70-56F5552D84F9}"/>
-              </a:ext>
-            </a:extLst>
-          </p:cNvPr>
-          <p:cNvSpPr>
-            <a:spLocks noGrp="1"/>
-          </p:cNvSpPr>
-          <p:nvPr>
-            <p:ph idx="1"/>
-          </p:nvPr>
-        </p:nvSpPr>
-        <p:spPr/>
-        <p:txBody>
-          <a:bodyPr/>
-          <a:lstStyle/>
-          <a:p>
-            <a:endParaRPr lang="ko-KR" altLang="en-US"/>
-          </a:p>
-        </p:txBody>
-      </p:sp>
-      <p:sp>
-        <p:nvSpPr>
-          <p:cNvPr id="4" name="날짜 개체 틀 3">
-            <a:extLst>
-              <a:ext uri="{FF2B5EF4-FFF2-40B4-BE49-F238E27FC236}">
-                <a16:creationId xmlns:a16="http://schemas.microsoft.com/office/drawing/2014/main" id="{51A067DA-9620-358C-270F-4F42F2CD32B9}"/>
-              </a:ext>
-            </a:extLst>
-          </p:cNvPr>
-          <p:cNvSpPr txBox="1">
-            <a:spLocks/>
-          </p:cNvSpPr>
-          <p:nvPr/>
-        </p:nvSpPr>
-        <p:spPr>
-          <a:xfrm>
-            <a:off x="524689" y="6562928"/>
-            <a:ext cx="1941785" cy="232525"/>
-          </a:xfrm>
-          <a:prstGeom prst="rect">
-            <a:avLst/>
-          </a:prstGeom>
-        </p:spPr>
-        <p:txBody>
-          <a:bodyPr vert="horz" lIns="91440" tIns="45720" rIns="91440" bIns="45720" rtlCol="0" anchor="ctr"/>
-          <a:lstStyle>
-            <a:defPPr>
-              <a:defRPr lang="ko-KR"/>
-            </a:defPPr>
-            <a:lvl1pPr marL="0" algn="l" defTabSz="914400" rtl="0" eaLnBrk="1" latinLnBrk="1" hangingPunct="1">
-              <a:defRPr sz="1050" b="1" kern="1200">
-                <a:solidFill>
-                  <a:schemeClr val="tx1">
-                    <a:tint val="75000"/>
-                  </a:schemeClr>
-                </a:solidFill>
-                <a:latin typeface="+mn-ea"/>
-                <a:ea typeface="+mn-ea"/>
-                <a:cs typeface="+mn-cs"/>
-              </a:defRPr>
-            </a:lvl1pPr>
-            <a:lvl2pPr marL="457200" algn="l" defTabSz="914400" rtl="0" eaLnBrk="1" latinLnBrk="1" hangingPunct="1">
-              <a:defRPr sz="1800" kern="1200">
-                <a:solidFill>
-                  <a:schemeClr val="tx1"/>
-                </a:solidFill>
-                <a:latin typeface="+mn-lt"/>
-                <a:ea typeface="+mn-ea"/>
-                <a:cs typeface="+mn-cs"/>
-              </a:defRPr>
-            </a:lvl2pPr>
-            <a:lvl3pPr marL="914400" algn="l" defTabSz="914400" rtl="0" eaLnBrk="1" latinLnBrk="1" hangingPunct="1">
-              <a:defRPr sz="1800" kern="1200">
-                <a:solidFill>
-                  <a:schemeClr val="tx1"/>
-                </a:solidFill>
-                <a:latin typeface="+mn-lt"/>
-                <a:ea typeface="+mn-ea"/>
-                <a:cs typeface="+mn-cs"/>
-              </a:defRPr>
-            </a:lvl3pPr>
-            <a:lvl4pPr marL="1371600" algn="l" defTabSz="914400" rtl="0" eaLnBrk="1" latinLnBrk="1" hangingPunct="1">
-              <a:defRPr sz="1800" kern="1200">
-                <a:solidFill>
-                  <a:schemeClr val="tx1"/>
-                </a:solidFill>
-                <a:latin typeface="+mn-lt"/>
-                <a:ea typeface="+mn-ea"/>
-                <a:cs typeface="+mn-cs"/>
-              </a:defRPr>
-            </a:lvl4pPr>
-            <a:lvl5pPr marL="1828800" algn="l" defTabSz="914400" rtl="0" eaLnBrk="1" latinLnBrk="1" hangingPunct="1">
-              <a:defRPr sz="1800" kern="1200">
-                <a:solidFill>
-                  <a:schemeClr val="tx1"/>
-                </a:solidFill>
-                <a:latin typeface="+mn-lt"/>
-                <a:ea typeface="+mn-ea"/>
-                <a:cs typeface="+mn-cs"/>
-              </a:defRPr>
-            </a:lvl5pPr>
-            <a:lvl6pPr marL="2286000" algn="l" defTabSz="914400" rtl="0" eaLnBrk="1" latinLnBrk="1" hangingPunct="1">
-              <a:defRPr sz="1800" kern="1200">
-                <a:solidFill>
-                  <a:schemeClr val="tx1"/>
-                </a:solidFill>
-                <a:latin typeface="+mn-lt"/>
-                <a:ea typeface="+mn-ea"/>
-                <a:cs typeface="+mn-cs"/>
-              </a:defRPr>
-            </a:lvl6pPr>
-            <a:lvl7pPr marL="2743200" algn="l" defTabSz="914400" rtl="0" eaLnBrk="1" latinLnBrk="1" hangingPunct="1">
-              <a:defRPr sz="1800" kern="1200">
-                <a:solidFill>
-                  <a:schemeClr val="tx1"/>
-                </a:solidFill>
-                <a:latin typeface="+mn-lt"/>
-                <a:ea typeface="+mn-ea"/>
-                <a:cs typeface="+mn-cs"/>
-              </a:defRPr>
-            </a:lvl7pPr>
-            <a:lvl8pPr marL="3200400" algn="l" defTabSz="914400" rtl="0" eaLnBrk="1" latinLnBrk="1" hangingPunct="1">
-              <a:defRPr sz="1800" kern="1200">
-                <a:solidFill>
-                  <a:schemeClr val="tx1"/>
-                </a:solidFill>
-                <a:latin typeface="+mn-lt"/>
-                <a:ea typeface="+mn-ea"/>
-                <a:cs typeface="+mn-cs"/>
-              </a:defRPr>
-            </a:lvl8pPr>
-            <a:lvl9pPr marL="3657600" algn="l" defTabSz="914400" rtl="0" eaLnBrk="1" latinLnBrk="1" hangingPunct="1">
-              <a:defRPr sz="1800" kern="1200">
-                <a:solidFill>
-                  <a:schemeClr val="tx1"/>
-                </a:solidFill>
-                <a:latin typeface="+mn-lt"/>
-                <a:ea typeface="+mn-ea"/>
-                <a:cs typeface="+mn-cs"/>
-              </a:defRPr>
-            </a:lvl9pPr>
-          </a:lstStyle>
-          <a:p>
-            <a:r>
-              <a:rPr lang="en-US" altLang="ko-KR"/>
-              <a:t>KAIST CAIO 6</a:t>
-            </a:r>
-            <a:r>
-              <a:rPr lang="ko-KR" altLang="en-US"/>
-              <a:t>기 </a:t>
-            </a:r>
-            <a:r>
-              <a:rPr lang="en-US" altLang="ko-KR"/>
-              <a:t>– 11</a:t>
-            </a:r>
-            <a:r>
-              <a:rPr lang="ko-KR" altLang="en-US"/>
-              <a:t>조</a:t>
-            </a:r>
-          </a:p>
-        </p:txBody>
-      </p:sp>
-      <p:sp>
-        <p:nvSpPr>
-          <p:cNvPr id="5" name="슬라이드 번호 개체 틀 5">
-            <a:extLst>
-              <a:ext uri="{FF2B5EF4-FFF2-40B4-BE49-F238E27FC236}">
-                <a16:creationId xmlns:a16="http://schemas.microsoft.com/office/drawing/2014/main" id="{4438DF89-4320-23C7-D085-419D6384E091}"/>
-              </a:ext>
-            </a:extLst>
-          </p:cNvPr>
-          <p:cNvSpPr txBox="1">
-            <a:spLocks/>
-          </p:cNvSpPr>
-          <p:nvPr/>
-        </p:nvSpPr>
-        <p:spPr>
-          <a:xfrm>
-            <a:off x="11153274" y="6562927"/>
-            <a:ext cx="646840" cy="232525"/>
-          </a:xfrm>
-          <a:prstGeom prst="rect">
-            <a:avLst/>
-          </a:prstGeom>
-        </p:spPr>
-        <p:txBody>
-          <a:bodyPr vert="horz" lIns="91440" tIns="45720" rIns="91440" bIns="45720" rtlCol="0" anchor="ctr"/>
-          <a:lstStyle>
-            <a:defPPr>
-              <a:defRPr lang="ko-KR"/>
-            </a:defPPr>
-            <a:lvl1pPr marL="0" algn="r" defTabSz="914400" rtl="0" eaLnBrk="1" latinLnBrk="1" hangingPunct="1">
-              <a:defRPr sz="1050" b="1" kern="1200">
-                <a:solidFill>
-                  <a:schemeClr val="tx1">
-                    <a:tint val="75000"/>
-                  </a:schemeClr>
-                </a:solidFill>
-                <a:latin typeface="+mn-ea"/>
-                <a:ea typeface="+mn-ea"/>
-                <a:cs typeface="+mn-cs"/>
-              </a:defRPr>
-            </a:lvl1pPr>
-            <a:lvl2pPr marL="457200" algn="l" defTabSz="914400" rtl="0" eaLnBrk="1" latinLnBrk="1" hangingPunct="1">
-              <a:defRPr sz="1800" kern="1200">
-                <a:solidFill>
-                  <a:schemeClr val="tx1"/>
-                </a:solidFill>
-                <a:latin typeface="+mn-lt"/>
-                <a:ea typeface="+mn-ea"/>
-                <a:cs typeface="+mn-cs"/>
-              </a:defRPr>
-            </a:lvl2pPr>
-            <a:lvl3pPr marL="914400" algn="l" defTabSz="914400" rtl="0" eaLnBrk="1" latinLnBrk="1" hangingPunct="1">
-              <a:defRPr sz="1800" kern="1200">
-                <a:solidFill>
-                  <a:schemeClr val="tx1"/>
-                </a:solidFill>
-                <a:latin typeface="+mn-lt"/>
-                <a:ea typeface="+mn-ea"/>
-                <a:cs typeface="+mn-cs"/>
-              </a:defRPr>
-            </a:lvl3pPr>
-            <a:lvl4pPr marL="1371600" algn="l" defTabSz="914400" rtl="0" eaLnBrk="1" latinLnBrk="1" hangingPunct="1">
-              <a:defRPr sz="1800" kern="1200">
-                <a:solidFill>
-                  <a:schemeClr val="tx1"/>
-                </a:solidFill>
-                <a:latin typeface="+mn-lt"/>
-                <a:ea typeface="+mn-ea"/>
-                <a:cs typeface="+mn-cs"/>
-              </a:defRPr>
-            </a:lvl4pPr>
-            <a:lvl5pPr marL="1828800" algn="l" defTabSz="914400" rtl="0" eaLnBrk="1" latinLnBrk="1" hangingPunct="1">
-              <a:defRPr sz="1800" kern="1200">
-                <a:solidFill>
-                  <a:schemeClr val="tx1"/>
-                </a:solidFill>
-                <a:latin typeface="+mn-lt"/>
-                <a:ea typeface="+mn-ea"/>
-                <a:cs typeface="+mn-cs"/>
-              </a:defRPr>
-            </a:lvl5pPr>
-            <a:lvl6pPr marL="2286000" algn="l" defTabSz="914400" rtl="0" eaLnBrk="1" latinLnBrk="1" hangingPunct="1">
-              <a:defRPr sz="1800" kern="1200">
-                <a:solidFill>
-                  <a:schemeClr val="tx1"/>
-                </a:solidFill>
-                <a:latin typeface="+mn-lt"/>
-                <a:ea typeface="+mn-ea"/>
-                <a:cs typeface="+mn-cs"/>
-              </a:defRPr>
-            </a:lvl6pPr>
-            <a:lvl7pPr marL="2743200" algn="l" defTabSz="914400" rtl="0" eaLnBrk="1" latinLnBrk="1" hangingPunct="1">
-              <a:defRPr sz="1800" kern="1200">
-                <a:solidFill>
-                  <a:schemeClr val="tx1"/>
-                </a:solidFill>
-                <a:latin typeface="+mn-lt"/>
-                <a:ea typeface="+mn-ea"/>
-                <a:cs typeface="+mn-cs"/>
-              </a:defRPr>
-            </a:lvl7pPr>
-            <a:lvl8pPr marL="3200400" algn="l" defTabSz="914400" rtl="0" eaLnBrk="1" latinLnBrk="1" hangingPunct="1">
-              <a:defRPr sz="1800" kern="1200">
-                <a:solidFill>
-                  <a:schemeClr val="tx1"/>
-                </a:solidFill>
-                <a:latin typeface="+mn-lt"/>
-                <a:ea typeface="+mn-ea"/>
-                <a:cs typeface="+mn-cs"/>
-              </a:defRPr>
-            </a:lvl8pPr>
-            <a:lvl9pPr marL="3657600" algn="l" defTabSz="914400" rtl="0" eaLnBrk="1" latinLnBrk="1" hangingPunct="1">
-              <a:defRPr sz="1800" kern="1200">
-                <a:solidFill>
-                  <a:schemeClr val="tx1"/>
-                </a:solidFill>
-                <a:latin typeface="+mn-lt"/>
-                <a:ea typeface="+mn-ea"/>
-                <a:cs typeface="+mn-cs"/>
-              </a:defRPr>
-            </a:lvl9pPr>
-          </a:lstStyle>
-          <a:p>
-            <a:fld id="{5554DF88-6E2D-4169-B0C6-3F98BCA9EC0C}" type="slidenum">
-              <a:rPr lang="ko-KR" altLang="en-US" smtClean="0"/>
-              <a:pPr/>
-              <a:t>14</a:t>
-            </a:fld>
-            <a:endParaRPr lang="ko-KR" altLang="en-US"/>
-          </a:p>
-        </p:txBody>
-      </p:sp>
-    </p:spTree>
-    <p:extLst>
-      <p:ext uri="{BB962C8B-B14F-4D97-AF65-F5344CB8AC3E}">
-        <p14:creationId xmlns:p14="http://schemas.microsoft.com/office/powerpoint/2010/main" val="653249123"/>
-      </p:ext>
-    </p:extLst>
-  </p:cSld>
-  <p:clrMapOvr>
-    <a:masterClrMapping/>
-  </p:clrMapOvr>
-</p:sld>
-</file>
-
 <file path=ppt/slides/slide15.xml><?xml version="1.0" encoding="utf-8"?>
 <p:sld xmlns:a="http://schemas.openxmlformats.org/drawingml/2006/main" xmlns:r="http://schemas.openxmlformats.org/officeDocument/2006/relationships" xmlns:p="http://schemas.openxmlformats.org/presentationml/2006/main">
   <p:cSld>
@@ -7607,7 +8063,7 @@
           <a:p>
             <a:r>
               <a:rPr lang="ko-KR" altLang="ko-KR" sz="3200"/>
-              <a:t>향후 전사 확대방안</a:t>
+              <a:t>부서별 역할 및 KPI 및 업무 협업 프로세스</a:t>
             </a:r>
             <a:endParaRPr lang="ko-KR" altLang="en-US"/>
           </a:p>
@@ -7643,7 +8099,7 @@
           <p:cNvPr id="4" name="날짜 개체 틀 3">
             <a:extLst>
               <a:ext uri="{FF2B5EF4-FFF2-40B4-BE49-F238E27FC236}">
-                <a16:creationId xmlns:a16="http://schemas.microsoft.com/office/drawing/2014/main" id="{8074D106-52A5-778C-5C52-12D2477C8BA4}"/>
+                <a16:creationId xmlns:a16="http://schemas.microsoft.com/office/drawing/2014/main" id="{25DC8137-9C99-E452-2510-26E88DA5FEA9}"/>
               </a:ext>
             </a:extLst>
           </p:cNvPr>
@@ -7785,7 +8241,7 @@
           <p:cNvPr id="5" name="슬라이드 번호 개체 틀 5">
             <a:extLst>
               <a:ext uri="{FF2B5EF4-FFF2-40B4-BE49-F238E27FC236}">
-                <a16:creationId xmlns:a16="http://schemas.microsoft.com/office/drawing/2014/main" id="{9F14B839-A3E5-5348-82B4-E498715CA705}"/>
+                <a16:creationId xmlns:a16="http://schemas.microsoft.com/office/drawing/2014/main" id="{025C5F50-6DC5-9632-F5BD-3E905468A47F}"/>
               </a:ext>
             </a:extLst>
           </p:cNvPr>
@@ -7915,7 +8371,7 @@
     </p:spTree>
     <p:extLst>
       <p:ext uri="{BB962C8B-B14F-4D97-AF65-F5344CB8AC3E}">
-        <p14:creationId xmlns:p14="http://schemas.microsoft.com/office/powerpoint/2010/main" val="2229629267"/>
+        <p14:creationId xmlns:p14="http://schemas.microsoft.com/office/powerpoint/2010/main" val="1487894071"/>
       </p:ext>
     </p:extLst>
   </p:cSld>
@@ -7964,6 +8420,722 @@
           <a:lstStyle/>
           <a:p>
             <a:r>
+              <a:rPr lang="ko-KR" altLang="ko-KR" sz="3200"/>
+              <a:t>AI 도입 성과 평가를 어떻게 측정할 것인가?</a:t>
+            </a:r>
+            <a:endParaRPr lang="ko-KR" altLang="en-US"/>
+          </a:p>
+        </p:txBody>
+      </p:sp>
+      <p:sp>
+        <p:nvSpPr>
+          <p:cNvPr id="3" name="내용 개체 틀 2">
+            <a:extLst>
+              <a:ext uri="{FF2B5EF4-FFF2-40B4-BE49-F238E27FC236}">
+                <a16:creationId xmlns:a16="http://schemas.microsoft.com/office/drawing/2014/main" id="{7E6134CB-F7F7-F2D9-9D70-56F5552D84F9}"/>
+              </a:ext>
+            </a:extLst>
+          </p:cNvPr>
+          <p:cNvSpPr>
+            <a:spLocks noGrp="1"/>
+          </p:cNvSpPr>
+          <p:nvPr>
+            <p:ph idx="1"/>
+          </p:nvPr>
+        </p:nvSpPr>
+        <p:spPr/>
+        <p:txBody>
+          <a:bodyPr/>
+          <a:lstStyle/>
+          <a:p>
+            <a:endParaRPr lang="ko-KR" altLang="en-US"/>
+          </a:p>
+        </p:txBody>
+      </p:sp>
+      <p:sp>
+        <p:nvSpPr>
+          <p:cNvPr id="4" name="날짜 개체 틀 3">
+            <a:extLst>
+              <a:ext uri="{FF2B5EF4-FFF2-40B4-BE49-F238E27FC236}">
+                <a16:creationId xmlns:a16="http://schemas.microsoft.com/office/drawing/2014/main" id="{51A067DA-9620-358C-270F-4F42F2CD32B9}"/>
+              </a:ext>
+            </a:extLst>
+          </p:cNvPr>
+          <p:cNvSpPr txBox="1">
+            <a:spLocks/>
+          </p:cNvSpPr>
+          <p:nvPr/>
+        </p:nvSpPr>
+        <p:spPr>
+          <a:xfrm>
+            <a:off x="524689" y="6562928"/>
+            <a:ext cx="1941785" cy="232525"/>
+          </a:xfrm>
+          <a:prstGeom prst="rect">
+            <a:avLst/>
+          </a:prstGeom>
+        </p:spPr>
+        <p:txBody>
+          <a:bodyPr vert="horz" lIns="91440" tIns="45720" rIns="91440" bIns="45720" rtlCol="0" anchor="ctr"/>
+          <a:lstStyle>
+            <a:defPPr>
+              <a:defRPr lang="ko-KR"/>
+            </a:defPPr>
+            <a:lvl1pPr marL="0" algn="l" defTabSz="914400" rtl="0" eaLnBrk="1" latinLnBrk="1" hangingPunct="1">
+              <a:defRPr sz="1050" b="1" kern="1200">
+                <a:solidFill>
+                  <a:schemeClr val="tx1">
+                    <a:tint val="75000"/>
+                  </a:schemeClr>
+                </a:solidFill>
+                <a:latin typeface="+mn-ea"/>
+                <a:ea typeface="+mn-ea"/>
+                <a:cs typeface="+mn-cs"/>
+              </a:defRPr>
+            </a:lvl1pPr>
+            <a:lvl2pPr marL="457200" algn="l" defTabSz="914400" rtl="0" eaLnBrk="1" latinLnBrk="1" hangingPunct="1">
+              <a:defRPr sz="1800" kern="1200">
+                <a:solidFill>
+                  <a:schemeClr val="tx1"/>
+                </a:solidFill>
+                <a:latin typeface="+mn-lt"/>
+                <a:ea typeface="+mn-ea"/>
+                <a:cs typeface="+mn-cs"/>
+              </a:defRPr>
+            </a:lvl2pPr>
+            <a:lvl3pPr marL="914400" algn="l" defTabSz="914400" rtl="0" eaLnBrk="1" latinLnBrk="1" hangingPunct="1">
+              <a:defRPr sz="1800" kern="1200">
+                <a:solidFill>
+                  <a:schemeClr val="tx1"/>
+                </a:solidFill>
+                <a:latin typeface="+mn-lt"/>
+                <a:ea typeface="+mn-ea"/>
+                <a:cs typeface="+mn-cs"/>
+              </a:defRPr>
+            </a:lvl3pPr>
+            <a:lvl4pPr marL="1371600" algn="l" defTabSz="914400" rtl="0" eaLnBrk="1" latinLnBrk="1" hangingPunct="1">
+              <a:defRPr sz="1800" kern="1200">
+                <a:solidFill>
+                  <a:schemeClr val="tx1"/>
+                </a:solidFill>
+                <a:latin typeface="+mn-lt"/>
+                <a:ea typeface="+mn-ea"/>
+                <a:cs typeface="+mn-cs"/>
+              </a:defRPr>
+            </a:lvl4pPr>
+            <a:lvl5pPr marL="1828800" algn="l" defTabSz="914400" rtl="0" eaLnBrk="1" latinLnBrk="1" hangingPunct="1">
+              <a:defRPr sz="1800" kern="1200">
+                <a:solidFill>
+                  <a:schemeClr val="tx1"/>
+                </a:solidFill>
+                <a:latin typeface="+mn-lt"/>
+                <a:ea typeface="+mn-ea"/>
+                <a:cs typeface="+mn-cs"/>
+              </a:defRPr>
+            </a:lvl5pPr>
+            <a:lvl6pPr marL="2286000" algn="l" defTabSz="914400" rtl="0" eaLnBrk="1" latinLnBrk="1" hangingPunct="1">
+              <a:defRPr sz="1800" kern="1200">
+                <a:solidFill>
+                  <a:schemeClr val="tx1"/>
+                </a:solidFill>
+                <a:latin typeface="+mn-lt"/>
+                <a:ea typeface="+mn-ea"/>
+                <a:cs typeface="+mn-cs"/>
+              </a:defRPr>
+            </a:lvl6pPr>
+            <a:lvl7pPr marL="2743200" algn="l" defTabSz="914400" rtl="0" eaLnBrk="1" latinLnBrk="1" hangingPunct="1">
+              <a:defRPr sz="1800" kern="1200">
+                <a:solidFill>
+                  <a:schemeClr val="tx1"/>
+                </a:solidFill>
+                <a:latin typeface="+mn-lt"/>
+                <a:ea typeface="+mn-ea"/>
+                <a:cs typeface="+mn-cs"/>
+              </a:defRPr>
+            </a:lvl7pPr>
+            <a:lvl8pPr marL="3200400" algn="l" defTabSz="914400" rtl="0" eaLnBrk="1" latinLnBrk="1" hangingPunct="1">
+              <a:defRPr sz="1800" kern="1200">
+                <a:solidFill>
+                  <a:schemeClr val="tx1"/>
+                </a:solidFill>
+                <a:latin typeface="+mn-lt"/>
+                <a:ea typeface="+mn-ea"/>
+                <a:cs typeface="+mn-cs"/>
+              </a:defRPr>
+            </a:lvl8pPr>
+            <a:lvl9pPr marL="3657600" algn="l" defTabSz="914400" rtl="0" eaLnBrk="1" latinLnBrk="1" hangingPunct="1">
+              <a:defRPr sz="1800" kern="1200">
+                <a:solidFill>
+                  <a:schemeClr val="tx1"/>
+                </a:solidFill>
+                <a:latin typeface="+mn-lt"/>
+                <a:ea typeface="+mn-ea"/>
+                <a:cs typeface="+mn-cs"/>
+              </a:defRPr>
+            </a:lvl9pPr>
+          </a:lstStyle>
+          <a:p>
+            <a:r>
+              <a:rPr lang="en-US" altLang="ko-KR"/>
+              <a:t>KAIST CAIO 6</a:t>
+            </a:r>
+            <a:r>
+              <a:rPr lang="ko-KR" altLang="en-US"/>
+              <a:t>기 </a:t>
+            </a:r>
+            <a:r>
+              <a:rPr lang="en-US" altLang="ko-KR"/>
+              <a:t>– 11</a:t>
+            </a:r>
+            <a:r>
+              <a:rPr lang="ko-KR" altLang="en-US"/>
+              <a:t>조</a:t>
+            </a:r>
+          </a:p>
+        </p:txBody>
+      </p:sp>
+      <p:sp>
+        <p:nvSpPr>
+          <p:cNvPr id="5" name="슬라이드 번호 개체 틀 5">
+            <a:extLst>
+              <a:ext uri="{FF2B5EF4-FFF2-40B4-BE49-F238E27FC236}">
+                <a16:creationId xmlns:a16="http://schemas.microsoft.com/office/drawing/2014/main" id="{4438DF89-4320-23C7-D085-419D6384E091}"/>
+              </a:ext>
+            </a:extLst>
+          </p:cNvPr>
+          <p:cNvSpPr txBox="1">
+            <a:spLocks/>
+          </p:cNvSpPr>
+          <p:nvPr/>
+        </p:nvSpPr>
+        <p:spPr>
+          <a:xfrm>
+            <a:off x="11153274" y="6562927"/>
+            <a:ext cx="646840" cy="232525"/>
+          </a:xfrm>
+          <a:prstGeom prst="rect">
+            <a:avLst/>
+          </a:prstGeom>
+        </p:spPr>
+        <p:txBody>
+          <a:bodyPr vert="horz" lIns="91440" tIns="45720" rIns="91440" bIns="45720" rtlCol="0" anchor="ctr"/>
+          <a:lstStyle>
+            <a:defPPr>
+              <a:defRPr lang="ko-KR"/>
+            </a:defPPr>
+            <a:lvl1pPr marL="0" algn="r" defTabSz="914400" rtl="0" eaLnBrk="1" latinLnBrk="1" hangingPunct="1">
+              <a:defRPr sz="1050" b="1" kern="1200">
+                <a:solidFill>
+                  <a:schemeClr val="tx1">
+                    <a:tint val="75000"/>
+                  </a:schemeClr>
+                </a:solidFill>
+                <a:latin typeface="+mn-ea"/>
+                <a:ea typeface="+mn-ea"/>
+                <a:cs typeface="+mn-cs"/>
+              </a:defRPr>
+            </a:lvl1pPr>
+            <a:lvl2pPr marL="457200" algn="l" defTabSz="914400" rtl="0" eaLnBrk="1" latinLnBrk="1" hangingPunct="1">
+              <a:defRPr sz="1800" kern="1200">
+                <a:solidFill>
+                  <a:schemeClr val="tx1"/>
+                </a:solidFill>
+                <a:latin typeface="+mn-lt"/>
+                <a:ea typeface="+mn-ea"/>
+                <a:cs typeface="+mn-cs"/>
+              </a:defRPr>
+            </a:lvl2pPr>
+            <a:lvl3pPr marL="914400" algn="l" defTabSz="914400" rtl="0" eaLnBrk="1" latinLnBrk="1" hangingPunct="1">
+              <a:defRPr sz="1800" kern="1200">
+                <a:solidFill>
+                  <a:schemeClr val="tx1"/>
+                </a:solidFill>
+                <a:latin typeface="+mn-lt"/>
+                <a:ea typeface="+mn-ea"/>
+                <a:cs typeface="+mn-cs"/>
+              </a:defRPr>
+            </a:lvl3pPr>
+            <a:lvl4pPr marL="1371600" algn="l" defTabSz="914400" rtl="0" eaLnBrk="1" latinLnBrk="1" hangingPunct="1">
+              <a:defRPr sz="1800" kern="1200">
+                <a:solidFill>
+                  <a:schemeClr val="tx1"/>
+                </a:solidFill>
+                <a:latin typeface="+mn-lt"/>
+                <a:ea typeface="+mn-ea"/>
+                <a:cs typeface="+mn-cs"/>
+              </a:defRPr>
+            </a:lvl4pPr>
+            <a:lvl5pPr marL="1828800" algn="l" defTabSz="914400" rtl="0" eaLnBrk="1" latinLnBrk="1" hangingPunct="1">
+              <a:defRPr sz="1800" kern="1200">
+                <a:solidFill>
+                  <a:schemeClr val="tx1"/>
+                </a:solidFill>
+                <a:latin typeface="+mn-lt"/>
+                <a:ea typeface="+mn-ea"/>
+                <a:cs typeface="+mn-cs"/>
+              </a:defRPr>
+            </a:lvl5pPr>
+            <a:lvl6pPr marL="2286000" algn="l" defTabSz="914400" rtl="0" eaLnBrk="1" latinLnBrk="1" hangingPunct="1">
+              <a:defRPr sz="1800" kern="1200">
+                <a:solidFill>
+                  <a:schemeClr val="tx1"/>
+                </a:solidFill>
+                <a:latin typeface="+mn-lt"/>
+                <a:ea typeface="+mn-ea"/>
+                <a:cs typeface="+mn-cs"/>
+              </a:defRPr>
+            </a:lvl6pPr>
+            <a:lvl7pPr marL="2743200" algn="l" defTabSz="914400" rtl="0" eaLnBrk="1" latinLnBrk="1" hangingPunct="1">
+              <a:defRPr sz="1800" kern="1200">
+                <a:solidFill>
+                  <a:schemeClr val="tx1"/>
+                </a:solidFill>
+                <a:latin typeface="+mn-lt"/>
+                <a:ea typeface="+mn-ea"/>
+                <a:cs typeface="+mn-cs"/>
+              </a:defRPr>
+            </a:lvl7pPr>
+            <a:lvl8pPr marL="3200400" algn="l" defTabSz="914400" rtl="0" eaLnBrk="1" latinLnBrk="1" hangingPunct="1">
+              <a:defRPr sz="1800" kern="1200">
+                <a:solidFill>
+                  <a:schemeClr val="tx1"/>
+                </a:solidFill>
+                <a:latin typeface="+mn-lt"/>
+                <a:ea typeface="+mn-ea"/>
+                <a:cs typeface="+mn-cs"/>
+              </a:defRPr>
+            </a:lvl8pPr>
+            <a:lvl9pPr marL="3657600" algn="l" defTabSz="914400" rtl="0" eaLnBrk="1" latinLnBrk="1" hangingPunct="1">
+              <a:defRPr sz="1800" kern="1200">
+                <a:solidFill>
+                  <a:schemeClr val="tx1"/>
+                </a:solidFill>
+                <a:latin typeface="+mn-lt"/>
+                <a:ea typeface="+mn-ea"/>
+                <a:cs typeface="+mn-cs"/>
+              </a:defRPr>
+            </a:lvl9pPr>
+          </a:lstStyle>
+          <a:p>
+            <a:fld id="{5554DF88-6E2D-4169-B0C6-3F98BCA9EC0C}" type="slidenum">
+              <a:rPr lang="ko-KR" altLang="en-US" smtClean="0"/>
+              <a:pPr/>
+              <a:t>16</a:t>
+            </a:fld>
+            <a:endParaRPr lang="ko-KR" altLang="en-US"/>
+          </a:p>
+        </p:txBody>
+      </p:sp>
+    </p:spTree>
+    <p:extLst>
+      <p:ext uri="{BB962C8B-B14F-4D97-AF65-F5344CB8AC3E}">
+        <p14:creationId xmlns:p14="http://schemas.microsoft.com/office/powerpoint/2010/main" val="653249123"/>
+      </p:ext>
+    </p:extLst>
+  </p:cSld>
+  <p:clrMapOvr>
+    <a:masterClrMapping/>
+  </p:clrMapOvr>
+</p:sld>
+</file>
+
+<file path=ppt/slides/slide17.xml><?xml version="1.0" encoding="utf-8"?>
+<p:sld xmlns:a="http://schemas.openxmlformats.org/drawingml/2006/main" xmlns:r="http://schemas.openxmlformats.org/officeDocument/2006/relationships" xmlns:p="http://schemas.openxmlformats.org/presentationml/2006/main">
+  <p:cSld>
+    <p:spTree>
+      <p:nvGrpSpPr>
+        <p:cNvPr id="1" name=""/>
+        <p:cNvGrpSpPr/>
+        <p:nvPr/>
+      </p:nvGrpSpPr>
+      <p:grpSpPr>
+        <a:xfrm>
+          <a:off x="0" y="0"/>
+          <a:ext cx="0" cy="0"/>
+          <a:chOff x="0" y="0"/>
+          <a:chExt cx="0" cy="0"/>
+        </a:xfrm>
+      </p:grpSpPr>
+      <p:sp>
+        <p:nvSpPr>
+          <p:cNvPr id="2" name="제목 1">
+            <a:extLst>
+              <a:ext uri="{FF2B5EF4-FFF2-40B4-BE49-F238E27FC236}">
+                <a16:creationId xmlns:a16="http://schemas.microsoft.com/office/drawing/2014/main" id="{63E3B395-BA5C-D7DE-4C44-7064EFA58ACB}"/>
+              </a:ext>
+            </a:extLst>
+          </p:cNvPr>
+          <p:cNvSpPr>
+            <a:spLocks noGrp="1"/>
+          </p:cNvSpPr>
+          <p:nvPr>
+            <p:ph type="title"/>
+          </p:nvPr>
+        </p:nvSpPr>
+        <p:spPr/>
+        <p:txBody>
+          <a:bodyPr/>
+          <a:lstStyle/>
+          <a:p>
+            <a:r>
+              <a:rPr lang="ko-KR" altLang="ko-KR" sz="3200"/>
+              <a:t>향후 전사 확대방안</a:t>
+            </a:r>
+            <a:endParaRPr lang="ko-KR" altLang="en-US"/>
+          </a:p>
+        </p:txBody>
+      </p:sp>
+      <p:sp>
+        <p:nvSpPr>
+          <p:cNvPr id="3" name="내용 개체 틀 2">
+            <a:extLst>
+              <a:ext uri="{FF2B5EF4-FFF2-40B4-BE49-F238E27FC236}">
+                <a16:creationId xmlns:a16="http://schemas.microsoft.com/office/drawing/2014/main" id="{7E6134CB-F7F7-F2D9-9D70-56F5552D84F9}"/>
+              </a:ext>
+            </a:extLst>
+          </p:cNvPr>
+          <p:cNvSpPr>
+            <a:spLocks noGrp="1"/>
+          </p:cNvSpPr>
+          <p:nvPr>
+            <p:ph idx="1"/>
+          </p:nvPr>
+        </p:nvSpPr>
+        <p:spPr/>
+        <p:txBody>
+          <a:bodyPr/>
+          <a:lstStyle/>
+          <a:p>
+            <a:endParaRPr lang="ko-KR" altLang="en-US"/>
+          </a:p>
+        </p:txBody>
+      </p:sp>
+      <p:sp>
+        <p:nvSpPr>
+          <p:cNvPr id="4" name="날짜 개체 틀 3">
+            <a:extLst>
+              <a:ext uri="{FF2B5EF4-FFF2-40B4-BE49-F238E27FC236}">
+                <a16:creationId xmlns:a16="http://schemas.microsoft.com/office/drawing/2014/main" id="{8074D106-52A5-778C-5C52-12D2477C8BA4}"/>
+              </a:ext>
+            </a:extLst>
+          </p:cNvPr>
+          <p:cNvSpPr txBox="1">
+            <a:spLocks/>
+          </p:cNvSpPr>
+          <p:nvPr/>
+        </p:nvSpPr>
+        <p:spPr>
+          <a:xfrm>
+            <a:off x="524689" y="6562928"/>
+            <a:ext cx="1941785" cy="232525"/>
+          </a:xfrm>
+          <a:prstGeom prst="rect">
+            <a:avLst/>
+          </a:prstGeom>
+        </p:spPr>
+        <p:txBody>
+          <a:bodyPr vert="horz" lIns="91440" tIns="45720" rIns="91440" bIns="45720" rtlCol="0" anchor="ctr"/>
+          <a:lstStyle>
+            <a:defPPr>
+              <a:defRPr lang="ko-KR"/>
+            </a:defPPr>
+            <a:lvl1pPr marL="0" algn="l" defTabSz="914400" rtl="0" eaLnBrk="1" latinLnBrk="1" hangingPunct="1">
+              <a:defRPr sz="1050" b="1" kern="1200">
+                <a:solidFill>
+                  <a:schemeClr val="tx1">
+                    <a:tint val="75000"/>
+                  </a:schemeClr>
+                </a:solidFill>
+                <a:latin typeface="+mn-ea"/>
+                <a:ea typeface="+mn-ea"/>
+                <a:cs typeface="+mn-cs"/>
+              </a:defRPr>
+            </a:lvl1pPr>
+            <a:lvl2pPr marL="457200" algn="l" defTabSz="914400" rtl="0" eaLnBrk="1" latinLnBrk="1" hangingPunct="1">
+              <a:defRPr sz="1800" kern="1200">
+                <a:solidFill>
+                  <a:schemeClr val="tx1"/>
+                </a:solidFill>
+                <a:latin typeface="+mn-lt"/>
+                <a:ea typeface="+mn-ea"/>
+                <a:cs typeface="+mn-cs"/>
+              </a:defRPr>
+            </a:lvl2pPr>
+            <a:lvl3pPr marL="914400" algn="l" defTabSz="914400" rtl="0" eaLnBrk="1" latinLnBrk="1" hangingPunct="1">
+              <a:defRPr sz="1800" kern="1200">
+                <a:solidFill>
+                  <a:schemeClr val="tx1"/>
+                </a:solidFill>
+                <a:latin typeface="+mn-lt"/>
+                <a:ea typeface="+mn-ea"/>
+                <a:cs typeface="+mn-cs"/>
+              </a:defRPr>
+            </a:lvl3pPr>
+            <a:lvl4pPr marL="1371600" algn="l" defTabSz="914400" rtl="0" eaLnBrk="1" latinLnBrk="1" hangingPunct="1">
+              <a:defRPr sz="1800" kern="1200">
+                <a:solidFill>
+                  <a:schemeClr val="tx1"/>
+                </a:solidFill>
+                <a:latin typeface="+mn-lt"/>
+                <a:ea typeface="+mn-ea"/>
+                <a:cs typeface="+mn-cs"/>
+              </a:defRPr>
+            </a:lvl4pPr>
+            <a:lvl5pPr marL="1828800" algn="l" defTabSz="914400" rtl="0" eaLnBrk="1" latinLnBrk="1" hangingPunct="1">
+              <a:defRPr sz="1800" kern="1200">
+                <a:solidFill>
+                  <a:schemeClr val="tx1"/>
+                </a:solidFill>
+                <a:latin typeface="+mn-lt"/>
+                <a:ea typeface="+mn-ea"/>
+                <a:cs typeface="+mn-cs"/>
+              </a:defRPr>
+            </a:lvl5pPr>
+            <a:lvl6pPr marL="2286000" algn="l" defTabSz="914400" rtl="0" eaLnBrk="1" latinLnBrk="1" hangingPunct="1">
+              <a:defRPr sz="1800" kern="1200">
+                <a:solidFill>
+                  <a:schemeClr val="tx1"/>
+                </a:solidFill>
+                <a:latin typeface="+mn-lt"/>
+                <a:ea typeface="+mn-ea"/>
+                <a:cs typeface="+mn-cs"/>
+              </a:defRPr>
+            </a:lvl6pPr>
+            <a:lvl7pPr marL="2743200" algn="l" defTabSz="914400" rtl="0" eaLnBrk="1" latinLnBrk="1" hangingPunct="1">
+              <a:defRPr sz="1800" kern="1200">
+                <a:solidFill>
+                  <a:schemeClr val="tx1"/>
+                </a:solidFill>
+                <a:latin typeface="+mn-lt"/>
+                <a:ea typeface="+mn-ea"/>
+                <a:cs typeface="+mn-cs"/>
+              </a:defRPr>
+            </a:lvl7pPr>
+            <a:lvl8pPr marL="3200400" algn="l" defTabSz="914400" rtl="0" eaLnBrk="1" latinLnBrk="1" hangingPunct="1">
+              <a:defRPr sz="1800" kern="1200">
+                <a:solidFill>
+                  <a:schemeClr val="tx1"/>
+                </a:solidFill>
+                <a:latin typeface="+mn-lt"/>
+                <a:ea typeface="+mn-ea"/>
+                <a:cs typeface="+mn-cs"/>
+              </a:defRPr>
+            </a:lvl8pPr>
+            <a:lvl9pPr marL="3657600" algn="l" defTabSz="914400" rtl="0" eaLnBrk="1" latinLnBrk="1" hangingPunct="1">
+              <a:defRPr sz="1800" kern="1200">
+                <a:solidFill>
+                  <a:schemeClr val="tx1"/>
+                </a:solidFill>
+                <a:latin typeface="+mn-lt"/>
+                <a:ea typeface="+mn-ea"/>
+                <a:cs typeface="+mn-cs"/>
+              </a:defRPr>
+            </a:lvl9pPr>
+          </a:lstStyle>
+          <a:p>
+            <a:r>
+              <a:rPr lang="en-US" altLang="ko-KR"/>
+              <a:t>KAIST CAIO 6</a:t>
+            </a:r>
+            <a:r>
+              <a:rPr lang="ko-KR" altLang="en-US"/>
+              <a:t>기 </a:t>
+            </a:r>
+            <a:r>
+              <a:rPr lang="en-US" altLang="ko-KR"/>
+              <a:t>– 11</a:t>
+            </a:r>
+            <a:r>
+              <a:rPr lang="ko-KR" altLang="en-US"/>
+              <a:t>조</a:t>
+            </a:r>
+          </a:p>
+        </p:txBody>
+      </p:sp>
+      <p:sp>
+        <p:nvSpPr>
+          <p:cNvPr id="5" name="슬라이드 번호 개체 틀 5">
+            <a:extLst>
+              <a:ext uri="{FF2B5EF4-FFF2-40B4-BE49-F238E27FC236}">
+                <a16:creationId xmlns:a16="http://schemas.microsoft.com/office/drawing/2014/main" id="{9F14B839-A3E5-5348-82B4-E498715CA705}"/>
+              </a:ext>
+            </a:extLst>
+          </p:cNvPr>
+          <p:cNvSpPr txBox="1">
+            <a:spLocks/>
+          </p:cNvSpPr>
+          <p:nvPr/>
+        </p:nvSpPr>
+        <p:spPr>
+          <a:xfrm>
+            <a:off x="11153274" y="6562927"/>
+            <a:ext cx="646840" cy="232525"/>
+          </a:xfrm>
+          <a:prstGeom prst="rect">
+            <a:avLst/>
+          </a:prstGeom>
+        </p:spPr>
+        <p:txBody>
+          <a:bodyPr vert="horz" lIns="91440" tIns="45720" rIns="91440" bIns="45720" rtlCol="0" anchor="ctr"/>
+          <a:lstStyle>
+            <a:defPPr>
+              <a:defRPr lang="ko-KR"/>
+            </a:defPPr>
+            <a:lvl1pPr marL="0" algn="r" defTabSz="914400" rtl="0" eaLnBrk="1" latinLnBrk="1" hangingPunct="1">
+              <a:defRPr sz="1050" b="1" kern="1200">
+                <a:solidFill>
+                  <a:schemeClr val="tx1">
+                    <a:tint val="75000"/>
+                  </a:schemeClr>
+                </a:solidFill>
+                <a:latin typeface="+mn-ea"/>
+                <a:ea typeface="+mn-ea"/>
+                <a:cs typeface="+mn-cs"/>
+              </a:defRPr>
+            </a:lvl1pPr>
+            <a:lvl2pPr marL="457200" algn="l" defTabSz="914400" rtl="0" eaLnBrk="1" latinLnBrk="1" hangingPunct="1">
+              <a:defRPr sz="1800" kern="1200">
+                <a:solidFill>
+                  <a:schemeClr val="tx1"/>
+                </a:solidFill>
+                <a:latin typeface="+mn-lt"/>
+                <a:ea typeface="+mn-ea"/>
+                <a:cs typeface="+mn-cs"/>
+              </a:defRPr>
+            </a:lvl2pPr>
+            <a:lvl3pPr marL="914400" algn="l" defTabSz="914400" rtl="0" eaLnBrk="1" latinLnBrk="1" hangingPunct="1">
+              <a:defRPr sz="1800" kern="1200">
+                <a:solidFill>
+                  <a:schemeClr val="tx1"/>
+                </a:solidFill>
+                <a:latin typeface="+mn-lt"/>
+                <a:ea typeface="+mn-ea"/>
+                <a:cs typeface="+mn-cs"/>
+              </a:defRPr>
+            </a:lvl3pPr>
+            <a:lvl4pPr marL="1371600" algn="l" defTabSz="914400" rtl="0" eaLnBrk="1" latinLnBrk="1" hangingPunct="1">
+              <a:defRPr sz="1800" kern="1200">
+                <a:solidFill>
+                  <a:schemeClr val="tx1"/>
+                </a:solidFill>
+                <a:latin typeface="+mn-lt"/>
+                <a:ea typeface="+mn-ea"/>
+                <a:cs typeface="+mn-cs"/>
+              </a:defRPr>
+            </a:lvl4pPr>
+            <a:lvl5pPr marL="1828800" algn="l" defTabSz="914400" rtl="0" eaLnBrk="1" latinLnBrk="1" hangingPunct="1">
+              <a:defRPr sz="1800" kern="1200">
+                <a:solidFill>
+                  <a:schemeClr val="tx1"/>
+                </a:solidFill>
+                <a:latin typeface="+mn-lt"/>
+                <a:ea typeface="+mn-ea"/>
+                <a:cs typeface="+mn-cs"/>
+              </a:defRPr>
+            </a:lvl5pPr>
+            <a:lvl6pPr marL="2286000" algn="l" defTabSz="914400" rtl="0" eaLnBrk="1" latinLnBrk="1" hangingPunct="1">
+              <a:defRPr sz="1800" kern="1200">
+                <a:solidFill>
+                  <a:schemeClr val="tx1"/>
+                </a:solidFill>
+                <a:latin typeface="+mn-lt"/>
+                <a:ea typeface="+mn-ea"/>
+                <a:cs typeface="+mn-cs"/>
+              </a:defRPr>
+            </a:lvl6pPr>
+            <a:lvl7pPr marL="2743200" algn="l" defTabSz="914400" rtl="0" eaLnBrk="1" latinLnBrk="1" hangingPunct="1">
+              <a:defRPr sz="1800" kern="1200">
+                <a:solidFill>
+                  <a:schemeClr val="tx1"/>
+                </a:solidFill>
+                <a:latin typeface="+mn-lt"/>
+                <a:ea typeface="+mn-ea"/>
+                <a:cs typeface="+mn-cs"/>
+              </a:defRPr>
+            </a:lvl7pPr>
+            <a:lvl8pPr marL="3200400" algn="l" defTabSz="914400" rtl="0" eaLnBrk="1" latinLnBrk="1" hangingPunct="1">
+              <a:defRPr sz="1800" kern="1200">
+                <a:solidFill>
+                  <a:schemeClr val="tx1"/>
+                </a:solidFill>
+                <a:latin typeface="+mn-lt"/>
+                <a:ea typeface="+mn-ea"/>
+                <a:cs typeface="+mn-cs"/>
+              </a:defRPr>
+            </a:lvl8pPr>
+            <a:lvl9pPr marL="3657600" algn="l" defTabSz="914400" rtl="0" eaLnBrk="1" latinLnBrk="1" hangingPunct="1">
+              <a:defRPr sz="1800" kern="1200">
+                <a:solidFill>
+                  <a:schemeClr val="tx1"/>
+                </a:solidFill>
+                <a:latin typeface="+mn-lt"/>
+                <a:ea typeface="+mn-ea"/>
+                <a:cs typeface="+mn-cs"/>
+              </a:defRPr>
+            </a:lvl9pPr>
+          </a:lstStyle>
+          <a:p>
+            <a:fld id="{5554DF88-6E2D-4169-B0C6-3F98BCA9EC0C}" type="slidenum">
+              <a:rPr lang="ko-KR" altLang="en-US" smtClean="0"/>
+              <a:pPr/>
+              <a:t>17</a:t>
+            </a:fld>
+            <a:endParaRPr lang="ko-KR" altLang="en-US"/>
+          </a:p>
+        </p:txBody>
+      </p:sp>
+    </p:spTree>
+    <p:extLst>
+      <p:ext uri="{BB962C8B-B14F-4D97-AF65-F5344CB8AC3E}">
+        <p14:creationId xmlns:p14="http://schemas.microsoft.com/office/powerpoint/2010/main" val="2229629267"/>
+      </p:ext>
+    </p:extLst>
+  </p:cSld>
+  <p:clrMapOvr>
+    <a:masterClrMapping/>
+  </p:clrMapOvr>
+</p:sld>
+</file>
+
+<file path=ppt/slides/slide18.xml><?xml version="1.0" encoding="utf-8"?>
+<p:sld xmlns:a="http://schemas.openxmlformats.org/drawingml/2006/main" xmlns:r="http://schemas.openxmlformats.org/officeDocument/2006/relationships" xmlns:p="http://schemas.openxmlformats.org/presentationml/2006/main">
+  <p:cSld>
+    <p:spTree>
+      <p:nvGrpSpPr>
+        <p:cNvPr id="1" name=""/>
+        <p:cNvGrpSpPr/>
+        <p:nvPr/>
+      </p:nvGrpSpPr>
+      <p:grpSpPr>
+        <a:xfrm>
+          <a:off x="0" y="0"/>
+          <a:ext cx="0" cy="0"/>
+          <a:chOff x="0" y="0"/>
+          <a:chExt cx="0" cy="0"/>
+        </a:xfrm>
+      </p:grpSpPr>
+      <p:sp>
+        <p:nvSpPr>
+          <p:cNvPr id="2" name="제목 1">
+            <a:extLst>
+              <a:ext uri="{FF2B5EF4-FFF2-40B4-BE49-F238E27FC236}">
+                <a16:creationId xmlns:a16="http://schemas.microsoft.com/office/drawing/2014/main" id="{63E3B395-BA5C-D7DE-4C44-7064EFA58ACB}"/>
+              </a:ext>
+            </a:extLst>
+          </p:cNvPr>
+          <p:cNvSpPr>
+            <a:spLocks noGrp="1"/>
+          </p:cNvSpPr>
+          <p:nvPr>
+            <p:ph type="title"/>
+          </p:nvPr>
+        </p:nvSpPr>
+        <p:spPr/>
+        <p:txBody>
+          <a:bodyPr/>
+          <a:lstStyle/>
+          <a:p>
+            <a:r>
               <a:rPr lang="ko-KR" altLang="en-US"/>
               <a:t>참고자료</a:t>
             </a:r>
@@ -8263,7 +9435,7 @@
             <a:fld id="{5554DF88-6E2D-4169-B0C6-3F98BCA9EC0C}" type="slidenum">
               <a:rPr lang="ko-KR" altLang="en-US" smtClean="0"/>
               <a:pPr/>
-              <a:t>16</a:t>
+              <a:t>18</a:t>
             </a:fld>
             <a:endParaRPr lang="ko-KR" altLang="en-US"/>
           </a:p>
@@ -8282,7 +9454,7 @@
 </p:sld>
 </file>
 
-<file path=ppt/slides/slide17.xml><?xml version="1.0" encoding="utf-8"?>
+<file path=ppt/slides/slide19.xml><?xml version="1.0" encoding="utf-8"?>
 <p:sld xmlns:a="http://schemas.openxmlformats.org/drawingml/2006/main" xmlns:r="http://schemas.openxmlformats.org/officeDocument/2006/relationships" xmlns:p="http://schemas.openxmlformats.org/presentationml/2006/main">
   <p:cSld>
     <p:spTree>
@@ -9003,7 +10175,7 @@
             <a:fld id="{5554DF88-6E2D-4169-B0C6-3F98BCA9EC0C}" type="slidenum">
               <a:rPr lang="ko-KR" altLang="en-US" smtClean="0"/>
               <a:pPr/>
-              <a:t>17</a:t>
+              <a:t>19</a:t>
             </a:fld>
             <a:endParaRPr lang="ko-KR" altLang="en-US"/>
           </a:p>
@@ -9013,1744 +10185,6 @@
     <p:extLst>
       <p:ext uri="{BB962C8B-B14F-4D97-AF65-F5344CB8AC3E}">
         <p14:creationId xmlns:p14="http://schemas.microsoft.com/office/powerpoint/2010/main" val="2342178743"/>
-      </p:ext>
-    </p:extLst>
-  </p:cSld>
-  <p:clrMapOvr>
-    <a:masterClrMapping/>
-  </p:clrMapOvr>
-</p:sld>
-</file>
-
-<file path=ppt/slides/slide18.xml><?xml version="1.0" encoding="utf-8"?>
-<p:sld xmlns:a="http://schemas.openxmlformats.org/drawingml/2006/main" xmlns:r="http://schemas.openxmlformats.org/officeDocument/2006/relationships" xmlns:p="http://schemas.openxmlformats.org/presentationml/2006/main">
-  <p:cSld>
-    <p:spTree>
-      <p:nvGrpSpPr>
-        <p:cNvPr id="1" name=""/>
-        <p:cNvGrpSpPr/>
-        <p:nvPr/>
-      </p:nvGrpSpPr>
-      <p:grpSpPr>
-        <a:xfrm>
-          <a:off x="0" y="0"/>
-          <a:ext cx="0" cy="0"/>
-          <a:chOff x="0" y="0"/>
-          <a:chExt cx="0" cy="0"/>
-        </a:xfrm>
-      </p:grpSpPr>
-      <p:sp>
-        <p:nvSpPr>
-          <p:cNvPr id="2" name="제목 1">
-            <a:extLst>
-              <a:ext uri="{FF2B5EF4-FFF2-40B4-BE49-F238E27FC236}">
-                <a16:creationId xmlns:a16="http://schemas.microsoft.com/office/drawing/2014/main" id="{4CBA36E2-4277-5F22-DCA4-09528505125E}"/>
-              </a:ext>
-            </a:extLst>
-          </p:cNvPr>
-          <p:cNvSpPr>
-            <a:spLocks noGrp="1"/>
-          </p:cNvSpPr>
-          <p:nvPr>
-            <p:ph type="title"/>
-          </p:nvPr>
-        </p:nvSpPr>
-        <p:spPr/>
-        <p:txBody>
-          <a:bodyPr/>
-          <a:lstStyle/>
-          <a:p>
-            <a:r>
-              <a:rPr lang="ko-KR" altLang="en-US"/>
-              <a:t>예시</a:t>
-            </a:r>
-          </a:p>
-        </p:txBody>
-      </p:sp>
-      <p:sp>
-        <p:nvSpPr>
-          <p:cNvPr id="3" name="Google Shape;203;p28">
-            <a:extLst>
-              <a:ext uri="{FF2B5EF4-FFF2-40B4-BE49-F238E27FC236}">
-                <a16:creationId xmlns:a16="http://schemas.microsoft.com/office/drawing/2014/main" id="{1E745DF7-E148-359D-0BA4-E9AF473D98F7}"/>
-              </a:ext>
-            </a:extLst>
-          </p:cNvPr>
-          <p:cNvSpPr txBox="1"/>
-          <p:nvPr/>
-        </p:nvSpPr>
-        <p:spPr>
-          <a:xfrm>
-            <a:off x="660089" y="991369"/>
-            <a:ext cx="9037500" cy="5264100"/>
-          </a:xfrm>
-          <a:prstGeom prst="rect">
-            <a:avLst/>
-          </a:prstGeom>
-          <a:noFill/>
-          <a:ln>
-            <a:noFill/>
-          </a:ln>
-        </p:spPr>
-        <p:txBody>
-          <a:bodyPr spcFirstLastPara="1" wrap="square" lIns="91425" tIns="45700" rIns="91425" bIns="45700" anchor="t" anchorCtr="0">
-            <a:spAutoFit/>
-          </a:bodyPr>
-          <a:lstStyle/>
-          <a:p>
-            <a:pPr marL="0" marR="0" lvl="0" indent="0" algn="l" rtl="0">
-              <a:lnSpc>
-                <a:spcPct val="100000"/>
-              </a:lnSpc>
-              <a:spcBef>
-                <a:spcPts val="0"/>
-              </a:spcBef>
-              <a:spcAft>
-                <a:spcPts val="0"/>
-              </a:spcAft>
-              <a:buClr>
-                <a:srgbClr val="000000"/>
-              </a:buClr>
-              <a:buSzPts val="1400"/>
-              <a:buFont typeface="Arial"/>
-              <a:buNone/>
-            </a:pPr>
-            <a:endParaRPr sz="1400" b="0" i="0" u="none" strike="noStrike" cap="none">
-              <a:solidFill>
-                <a:srgbClr val="000000"/>
-              </a:solidFill>
-              <a:latin typeface="Arial"/>
-              <a:ea typeface="Arial"/>
-              <a:cs typeface="Arial"/>
-              <a:sym typeface="Arial"/>
-            </a:endParaRPr>
-          </a:p>
-          <a:p>
-            <a:pPr marL="0" marR="0" lvl="0" indent="0" algn="l" rtl="0">
-              <a:lnSpc>
-                <a:spcPct val="100000"/>
-              </a:lnSpc>
-              <a:spcBef>
-                <a:spcPts val="0"/>
-              </a:spcBef>
-              <a:spcAft>
-                <a:spcPts val="0"/>
-              </a:spcAft>
-              <a:buClr>
-                <a:srgbClr val="000000"/>
-              </a:buClr>
-              <a:buSzPts val="1400"/>
-              <a:buFont typeface="Arial"/>
-              <a:buNone/>
-            </a:pPr>
-            <a:r>
-              <a:rPr lang="ko-KR" sz="1400" b="0" i="0" u="none" strike="noStrike" cap="none">
-                <a:solidFill>
-                  <a:srgbClr val="000000"/>
-                </a:solidFill>
-                <a:latin typeface="Arial"/>
-                <a:ea typeface="Arial"/>
-                <a:cs typeface="Arial"/>
-                <a:sym typeface="Arial"/>
-              </a:rPr>
-              <a:t>지금부터 너는 “우리 기업의 최고 AI 전문가이자 컨설턴트”이야. </a:t>
-            </a:r>
-            <a:endParaRPr sz="1400" b="0" i="0" u="none" strike="noStrike" cap="none">
-              <a:solidFill>
-                <a:srgbClr val="000000"/>
-              </a:solidFill>
-              <a:latin typeface="Arial"/>
-              <a:ea typeface="Arial"/>
-              <a:cs typeface="Arial"/>
-              <a:sym typeface="Arial"/>
-            </a:endParaRPr>
-          </a:p>
-          <a:p>
-            <a:pPr marL="0" marR="0" lvl="0" indent="0" algn="l" rtl="0">
-              <a:lnSpc>
-                <a:spcPct val="100000"/>
-              </a:lnSpc>
-              <a:spcBef>
-                <a:spcPts val="0"/>
-              </a:spcBef>
-              <a:spcAft>
-                <a:spcPts val="0"/>
-              </a:spcAft>
-              <a:buClr>
-                <a:srgbClr val="000000"/>
-              </a:buClr>
-              <a:buSzPts val="1400"/>
-              <a:buFont typeface="Arial"/>
-              <a:buNone/>
-            </a:pPr>
-            <a:r>
-              <a:rPr lang="ko-KR" sz="1400" b="0" i="0" u="none" strike="noStrike" cap="none">
-                <a:solidFill>
-                  <a:srgbClr val="000000"/>
-                </a:solidFill>
-                <a:latin typeface="Arial"/>
-                <a:ea typeface="Arial"/>
-                <a:cs typeface="Arial"/>
-                <a:sym typeface="Arial"/>
-              </a:rPr>
-              <a:t>나는 네가 상세한 AI기획서를 만들어주는데, 목차 다음과 같이 해줘. 그리고 한글로 답해줘.</a:t>
-            </a:r>
-            <a:endParaRPr sz="1400" b="0" i="0" u="none" strike="noStrike" cap="none">
-              <a:solidFill>
-                <a:srgbClr val="000000"/>
-              </a:solidFill>
-              <a:latin typeface="Arial"/>
-              <a:ea typeface="Arial"/>
-              <a:cs typeface="Arial"/>
-              <a:sym typeface="Arial"/>
-            </a:endParaRPr>
-          </a:p>
-          <a:p>
-            <a:pPr marL="0" marR="0" lvl="0" indent="0" algn="l" rtl="0">
-              <a:lnSpc>
-                <a:spcPct val="100000"/>
-              </a:lnSpc>
-              <a:spcBef>
-                <a:spcPts val="0"/>
-              </a:spcBef>
-              <a:spcAft>
-                <a:spcPts val="0"/>
-              </a:spcAft>
-              <a:buClr>
-                <a:srgbClr val="000000"/>
-              </a:buClr>
-              <a:buSzPts val="1400"/>
-              <a:buFont typeface="Arial"/>
-              <a:buNone/>
-            </a:pPr>
-            <a:r>
-              <a:rPr lang="ko-KR" sz="1400" b="0" i="0" u="none" strike="noStrike" cap="none">
-                <a:solidFill>
-                  <a:srgbClr val="000000"/>
-                </a:solidFill>
-                <a:latin typeface="Arial"/>
-                <a:ea typeface="Arial"/>
-                <a:cs typeface="Arial"/>
-                <a:sym typeface="Arial"/>
-              </a:rPr>
-              <a:t>[목차]</a:t>
-            </a:r>
-            <a:endParaRPr sz="1400" b="0" i="0" u="none" strike="noStrike" cap="none">
-              <a:solidFill>
-                <a:srgbClr val="000000"/>
-              </a:solidFill>
-              <a:latin typeface="Arial"/>
-              <a:ea typeface="Arial"/>
-              <a:cs typeface="Arial"/>
-              <a:sym typeface="Arial"/>
-            </a:endParaRPr>
-          </a:p>
-          <a:p>
-            <a:pPr marL="0" marR="0" lvl="0" indent="0" algn="l" rtl="0">
-              <a:lnSpc>
-                <a:spcPct val="100000"/>
-              </a:lnSpc>
-              <a:spcBef>
-                <a:spcPts val="0"/>
-              </a:spcBef>
-              <a:spcAft>
-                <a:spcPts val="0"/>
-              </a:spcAft>
-              <a:buClr>
-                <a:srgbClr val="000000"/>
-              </a:buClr>
-              <a:buSzPts val="1400"/>
-              <a:buFont typeface="Arial"/>
-              <a:buNone/>
-            </a:pPr>
-            <a:r>
-              <a:rPr lang="ko-KR" sz="1400" b="0" i="0" u="none" strike="noStrike" cap="none">
-                <a:solidFill>
-                  <a:srgbClr val="000000"/>
-                </a:solidFill>
-                <a:latin typeface="Arial"/>
-                <a:ea typeface="Arial"/>
-                <a:cs typeface="Arial"/>
-                <a:sym typeface="Arial"/>
-              </a:rPr>
-              <a:t>1. 어떤 분야에 도입하려고 하는가</a:t>
-            </a:r>
-            <a:endParaRPr sz="1400" b="0" i="0" u="none" strike="noStrike" cap="none">
-              <a:solidFill>
-                <a:srgbClr val="000000"/>
-              </a:solidFill>
-              <a:latin typeface="Arial"/>
-              <a:ea typeface="Arial"/>
-              <a:cs typeface="Arial"/>
-              <a:sym typeface="Arial"/>
-            </a:endParaRPr>
-          </a:p>
-          <a:p>
-            <a:pPr marL="0" marR="0" lvl="0" indent="0" algn="l" rtl="0">
-              <a:lnSpc>
-                <a:spcPct val="100000"/>
-              </a:lnSpc>
-              <a:spcBef>
-                <a:spcPts val="0"/>
-              </a:spcBef>
-              <a:spcAft>
-                <a:spcPts val="0"/>
-              </a:spcAft>
-              <a:buClr>
-                <a:srgbClr val="000000"/>
-              </a:buClr>
-              <a:buSzPts val="1400"/>
-              <a:buFont typeface="Arial"/>
-              <a:buNone/>
-            </a:pPr>
-            <a:r>
-              <a:rPr lang="ko-KR" sz="1400" b="0" i="0" u="none" strike="noStrike" cap="none">
-                <a:solidFill>
-                  <a:srgbClr val="000000"/>
-                </a:solidFill>
-                <a:latin typeface="Arial"/>
-                <a:ea typeface="Arial"/>
-                <a:cs typeface="Arial"/>
-                <a:sym typeface="Arial"/>
-              </a:rPr>
-              <a:t>2. 현재 어떤 문제가 있는지</a:t>
-            </a:r>
-            <a:endParaRPr sz="1400" b="0" i="0" u="none" strike="noStrike" cap="none">
-              <a:solidFill>
-                <a:srgbClr val="000000"/>
-              </a:solidFill>
-              <a:latin typeface="Arial"/>
-              <a:ea typeface="Arial"/>
-              <a:cs typeface="Arial"/>
-              <a:sym typeface="Arial"/>
-            </a:endParaRPr>
-          </a:p>
-          <a:p>
-            <a:pPr marL="0" marR="0" lvl="0" indent="0" algn="l" rtl="0">
-              <a:lnSpc>
-                <a:spcPct val="100000"/>
-              </a:lnSpc>
-              <a:spcBef>
-                <a:spcPts val="0"/>
-              </a:spcBef>
-              <a:spcAft>
-                <a:spcPts val="0"/>
-              </a:spcAft>
-              <a:buClr>
-                <a:srgbClr val="000000"/>
-              </a:buClr>
-              <a:buSzPts val="1400"/>
-              <a:buFont typeface="Arial"/>
-              <a:buNone/>
-            </a:pPr>
-            <a:r>
-              <a:rPr lang="ko-KR" sz="1400" b="0" i="0" u="none" strike="noStrike" cap="none">
-                <a:solidFill>
-                  <a:srgbClr val="000000"/>
-                </a:solidFill>
-                <a:latin typeface="Arial"/>
-                <a:ea typeface="Arial"/>
-                <a:cs typeface="Arial"/>
-                <a:sym typeface="Arial"/>
-              </a:rPr>
-              <a:t>3. 사용자는 누구인가</a:t>
-            </a:r>
-            <a:endParaRPr sz="1400" b="0" i="0" u="none" strike="noStrike" cap="none">
-              <a:solidFill>
-                <a:srgbClr val="000000"/>
-              </a:solidFill>
-              <a:latin typeface="Arial"/>
-              <a:ea typeface="Arial"/>
-              <a:cs typeface="Arial"/>
-              <a:sym typeface="Arial"/>
-            </a:endParaRPr>
-          </a:p>
-          <a:p>
-            <a:pPr marL="0" marR="0" lvl="0" indent="0" algn="l" rtl="0">
-              <a:lnSpc>
-                <a:spcPct val="100000"/>
-              </a:lnSpc>
-              <a:spcBef>
-                <a:spcPts val="0"/>
-              </a:spcBef>
-              <a:spcAft>
-                <a:spcPts val="0"/>
-              </a:spcAft>
-              <a:buClr>
-                <a:srgbClr val="000000"/>
-              </a:buClr>
-              <a:buSzPts val="1400"/>
-              <a:buFont typeface="Arial"/>
-              <a:buNone/>
-            </a:pPr>
-            <a:r>
-              <a:rPr lang="ko-KR" sz="1400" b="0" i="0" u="none" strike="noStrike" cap="none">
-                <a:solidFill>
-                  <a:srgbClr val="000000"/>
-                </a:solidFill>
-                <a:latin typeface="Arial"/>
-                <a:ea typeface="Arial"/>
-                <a:cs typeface="Arial"/>
-                <a:sym typeface="Arial"/>
-              </a:rPr>
-              <a:t>4. 문제 해결을 위한 AI 기능</a:t>
-            </a:r>
-            <a:endParaRPr sz="1400" b="0" i="0" u="none" strike="noStrike" cap="none">
-              <a:solidFill>
-                <a:srgbClr val="000000"/>
-              </a:solidFill>
-              <a:latin typeface="Arial"/>
-              <a:ea typeface="Arial"/>
-              <a:cs typeface="Arial"/>
-              <a:sym typeface="Arial"/>
-            </a:endParaRPr>
-          </a:p>
-          <a:p>
-            <a:pPr marL="0" marR="0" lvl="0" indent="0" algn="l" rtl="0">
-              <a:lnSpc>
-                <a:spcPct val="100000"/>
-              </a:lnSpc>
-              <a:spcBef>
-                <a:spcPts val="0"/>
-              </a:spcBef>
-              <a:spcAft>
-                <a:spcPts val="0"/>
-              </a:spcAft>
-              <a:buClr>
-                <a:srgbClr val="000000"/>
-              </a:buClr>
-              <a:buSzPts val="1400"/>
-              <a:buFont typeface="Arial"/>
-              <a:buNone/>
-            </a:pPr>
-            <a:r>
-              <a:rPr lang="ko-KR" sz="1400" b="0" i="0" u="none" strike="noStrike" cap="none">
-                <a:solidFill>
-                  <a:srgbClr val="000000"/>
-                </a:solidFill>
-                <a:latin typeface="Arial"/>
-                <a:ea typeface="Arial"/>
-                <a:cs typeface="Arial"/>
-                <a:sym typeface="Arial"/>
-              </a:rPr>
-              <a:t>5. 데이터 정의 및 확보방안</a:t>
-            </a:r>
-            <a:endParaRPr sz="1400" b="0" i="0" u="none" strike="noStrike" cap="none">
-              <a:solidFill>
-                <a:srgbClr val="000000"/>
-              </a:solidFill>
-              <a:latin typeface="Arial"/>
-              <a:ea typeface="Arial"/>
-              <a:cs typeface="Arial"/>
-              <a:sym typeface="Arial"/>
-            </a:endParaRPr>
-          </a:p>
-          <a:p>
-            <a:pPr marL="0" marR="0" lvl="0" indent="0" algn="l" rtl="0">
-              <a:lnSpc>
-                <a:spcPct val="100000"/>
-              </a:lnSpc>
-              <a:spcBef>
-                <a:spcPts val="0"/>
-              </a:spcBef>
-              <a:spcAft>
-                <a:spcPts val="0"/>
-              </a:spcAft>
-              <a:buClr>
-                <a:srgbClr val="000000"/>
-              </a:buClr>
-              <a:buSzPts val="1400"/>
-              <a:buFont typeface="Arial"/>
-              <a:buNone/>
-            </a:pPr>
-            <a:r>
-              <a:rPr lang="ko-KR" sz="1400" b="0" i="0" u="none" strike="noStrike" cap="none">
-                <a:solidFill>
-                  <a:srgbClr val="000000"/>
-                </a:solidFill>
-                <a:latin typeface="Arial"/>
-                <a:ea typeface="Arial"/>
-                <a:cs typeface="Arial"/>
-                <a:sym typeface="Arial"/>
-              </a:rPr>
-              <a:t>6. AI모델 설계</a:t>
-            </a:r>
-            <a:endParaRPr sz="1400" b="0" i="0" u="none" strike="noStrike" cap="none">
-              <a:solidFill>
-                <a:srgbClr val="000000"/>
-              </a:solidFill>
-              <a:latin typeface="Arial"/>
-              <a:ea typeface="Arial"/>
-              <a:cs typeface="Arial"/>
-              <a:sym typeface="Arial"/>
-            </a:endParaRPr>
-          </a:p>
-          <a:p>
-            <a:pPr marL="0" marR="0" lvl="0" indent="0" algn="l" rtl="0">
-              <a:lnSpc>
-                <a:spcPct val="100000"/>
-              </a:lnSpc>
-              <a:spcBef>
-                <a:spcPts val="0"/>
-              </a:spcBef>
-              <a:spcAft>
-                <a:spcPts val="0"/>
-              </a:spcAft>
-              <a:buClr>
-                <a:srgbClr val="000000"/>
-              </a:buClr>
-              <a:buSzPts val="1400"/>
-              <a:buFont typeface="Arial"/>
-              <a:buNone/>
-            </a:pPr>
-            <a:r>
-              <a:rPr lang="ko-KR" sz="1400" b="0" i="0" u="none" strike="noStrike" cap="none">
-                <a:solidFill>
-                  <a:srgbClr val="000000"/>
-                </a:solidFill>
-                <a:latin typeface="Arial"/>
-                <a:ea typeface="Arial"/>
-                <a:cs typeface="Arial"/>
-                <a:sym typeface="Arial"/>
-              </a:rPr>
-              <a:t>7. 구현방안</a:t>
-            </a:r>
-            <a:endParaRPr sz="1400" b="0" i="0" u="none" strike="noStrike" cap="none">
-              <a:solidFill>
-                <a:srgbClr val="000000"/>
-              </a:solidFill>
-              <a:latin typeface="Arial"/>
-              <a:ea typeface="Arial"/>
-              <a:cs typeface="Arial"/>
-              <a:sym typeface="Arial"/>
-            </a:endParaRPr>
-          </a:p>
-          <a:p>
-            <a:pPr marL="0" marR="0" lvl="0" indent="0" algn="l" rtl="0">
-              <a:lnSpc>
-                <a:spcPct val="100000"/>
-              </a:lnSpc>
-              <a:spcBef>
-                <a:spcPts val="0"/>
-              </a:spcBef>
-              <a:spcAft>
-                <a:spcPts val="0"/>
-              </a:spcAft>
-              <a:buClr>
-                <a:srgbClr val="000000"/>
-              </a:buClr>
-              <a:buSzPts val="1400"/>
-              <a:buFont typeface="Arial"/>
-              <a:buNone/>
-            </a:pPr>
-            <a:r>
-              <a:rPr lang="ko-KR" sz="1400" b="0" i="0" u="none" strike="noStrike" cap="none">
-                <a:solidFill>
-                  <a:srgbClr val="000000"/>
-                </a:solidFill>
-                <a:latin typeface="Arial"/>
-                <a:ea typeface="Arial"/>
-                <a:cs typeface="Arial"/>
-                <a:sym typeface="Arial"/>
-              </a:rPr>
-              <a:t>8. 부서별 역할 및 KPI, 업무협업 프로세스</a:t>
-            </a:r>
-            <a:endParaRPr sz="1400" b="0" i="0" u="none" strike="noStrike" cap="none">
-              <a:solidFill>
-                <a:srgbClr val="000000"/>
-              </a:solidFill>
-              <a:latin typeface="Arial"/>
-              <a:ea typeface="Arial"/>
-              <a:cs typeface="Arial"/>
-              <a:sym typeface="Arial"/>
-            </a:endParaRPr>
-          </a:p>
-          <a:p>
-            <a:pPr marL="0" marR="0" lvl="0" indent="0" algn="l" rtl="0">
-              <a:lnSpc>
-                <a:spcPct val="100000"/>
-              </a:lnSpc>
-              <a:spcBef>
-                <a:spcPts val="0"/>
-              </a:spcBef>
-              <a:spcAft>
-                <a:spcPts val="0"/>
-              </a:spcAft>
-              <a:buClr>
-                <a:srgbClr val="000000"/>
-              </a:buClr>
-              <a:buSzPts val="1400"/>
-              <a:buFont typeface="Arial"/>
-              <a:buNone/>
-            </a:pPr>
-            <a:r>
-              <a:rPr lang="ko-KR" sz="1400" b="0" i="0" u="none" strike="noStrike" cap="none">
-                <a:solidFill>
-                  <a:srgbClr val="000000"/>
-                </a:solidFill>
-                <a:latin typeface="Arial"/>
-                <a:ea typeface="Arial"/>
-                <a:cs typeface="Arial"/>
-                <a:sym typeface="Arial"/>
-              </a:rPr>
-              <a:t>9. AI 도입 성과 평가를 어떻게 측정할 것인가</a:t>
-            </a:r>
-            <a:endParaRPr sz="1400" b="0" i="0" u="none" strike="noStrike" cap="none">
-              <a:solidFill>
-                <a:srgbClr val="000000"/>
-              </a:solidFill>
-              <a:latin typeface="Arial"/>
-              <a:ea typeface="Arial"/>
-              <a:cs typeface="Arial"/>
-              <a:sym typeface="Arial"/>
-            </a:endParaRPr>
-          </a:p>
-          <a:p>
-            <a:pPr marL="0" marR="0" lvl="0" indent="0" algn="l" rtl="0">
-              <a:lnSpc>
-                <a:spcPct val="100000"/>
-              </a:lnSpc>
-              <a:spcBef>
-                <a:spcPts val="0"/>
-              </a:spcBef>
-              <a:spcAft>
-                <a:spcPts val="0"/>
-              </a:spcAft>
-              <a:buClr>
-                <a:srgbClr val="000000"/>
-              </a:buClr>
-              <a:buSzPts val="1400"/>
-              <a:buFont typeface="Arial"/>
-              <a:buNone/>
-            </a:pPr>
-            <a:r>
-              <a:rPr lang="ko-KR" sz="1400" b="0" i="0" u="none" strike="noStrike" cap="none">
-                <a:solidFill>
-                  <a:srgbClr val="000000"/>
-                </a:solidFill>
-                <a:latin typeface="Arial"/>
-                <a:ea typeface="Arial"/>
-                <a:cs typeface="Arial"/>
-                <a:sym typeface="Arial"/>
-              </a:rPr>
-              <a:t>10. 향후 전사 확대방안</a:t>
-            </a:r>
-            <a:endParaRPr sz="1400" b="0" i="0" u="none" strike="noStrike" cap="none">
-              <a:solidFill>
-                <a:srgbClr val="000000"/>
-              </a:solidFill>
-              <a:latin typeface="Arial"/>
-              <a:ea typeface="Arial"/>
-              <a:cs typeface="Arial"/>
-              <a:sym typeface="Arial"/>
-            </a:endParaRPr>
-          </a:p>
-          <a:p>
-            <a:pPr marL="0" marR="0" lvl="0" indent="0" algn="l" rtl="0">
-              <a:lnSpc>
-                <a:spcPct val="100000"/>
-              </a:lnSpc>
-              <a:spcBef>
-                <a:spcPts val="0"/>
-              </a:spcBef>
-              <a:spcAft>
-                <a:spcPts val="0"/>
-              </a:spcAft>
-              <a:buClr>
-                <a:srgbClr val="000000"/>
-              </a:buClr>
-              <a:buSzPts val="1400"/>
-              <a:buFont typeface="Arial"/>
-              <a:buNone/>
-            </a:pPr>
-            <a:r>
-              <a:rPr lang="ko-KR" sz="1400" b="0" i="0" u="none" strike="noStrike" cap="none">
-                <a:solidFill>
-                  <a:srgbClr val="000000"/>
-                </a:solidFill>
-                <a:latin typeface="Arial"/>
-                <a:ea typeface="Arial"/>
-                <a:cs typeface="Arial"/>
-                <a:sym typeface="Arial"/>
-              </a:rPr>
-              <a:t>11. 참고자료</a:t>
-            </a:r>
-            <a:endParaRPr sz="1400" b="0" i="0" u="none" strike="noStrike" cap="none">
-              <a:solidFill>
-                <a:srgbClr val="000000"/>
-              </a:solidFill>
-              <a:latin typeface="Arial"/>
-              <a:ea typeface="Arial"/>
-              <a:cs typeface="Arial"/>
-              <a:sym typeface="Arial"/>
-            </a:endParaRPr>
-          </a:p>
-          <a:p>
-            <a:pPr marL="0" marR="0" lvl="0" indent="0" algn="l" rtl="0">
-              <a:lnSpc>
-                <a:spcPct val="100000"/>
-              </a:lnSpc>
-              <a:spcBef>
-                <a:spcPts val="0"/>
-              </a:spcBef>
-              <a:spcAft>
-                <a:spcPts val="0"/>
-              </a:spcAft>
-              <a:buClr>
-                <a:srgbClr val="000000"/>
-              </a:buClr>
-              <a:buSzPts val="1400"/>
-              <a:buFont typeface="Arial"/>
-              <a:buNone/>
-            </a:pPr>
-            <a:r>
-              <a:rPr lang="ko-KR" sz="1400" b="0" i="0" u="none" strike="noStrike" cap="none">
-                <a:solidFill>
-                  <a:srgbClr val="000000"/>
-                </a:solidFill>
-                <a:latin typeface="Arial"/>
-                <a:ea typeface="Arial"/>
-                <a:cs typeface="Arial"/>
-                <a:sym typeface="Arial"/>
-              </a:rPr>
-              <a:t>12. 각 사람의 역할 </a:t>
-            </a:r>
-            <a:endParaRPr sz="1400" b="0" i="0" u="none" strike="noStrike" cap="none">
-              <a:solidFill>
-                <a:srgbClr val="000000"/>
-              </a:solidFill>
-              <a:latin typeface="Arial"/>
-              <a:ea typeface="Arial"/>
-              <a:cs typeface="Arial"/>
-              <a:sym typeface="Arial"/>
-            </a:endParaRPr>
-          </a:p>
-          <a:p>
-            <a:pPr marL="0" marR="0" lvl="0" indent="0" algn="l" rtl="0">
-              <a:lnSpc>
-                <a:spcPct val="100000"/>
-              </a:lnSpc>
-              <a:spcBef>
-                <a:spcPts val="0"/>
-              </a:spcBef>
-              <a:spcAft>
-                <a:spcPts val="0"/>
-              </a:spcAft>
-              <a:buClr>
-                <a:srgbClr val="000000"/>
-              </a:buClr>
-              <a:buSzPts val="1400"/>
-              <a:buFont typeface="Arial"/>
-              <a:buNone/>
-            </a:pPr>
-            <a:r>
-              <a:rPr lang="ko-KR" sz="1400" b="0" i="0" u="none" strike="noStrike" cap="none">
-                <a:solidFill>
-                  <a:srgbClr val="000000"/>
-                </a:solidFill>
-                <a:latin typeface="Arial"/>
-                <a:ea typeface="Arial"/>
-                <a:cs typeface="Arial"/>
-                <a:sym typeface="Arial"/>
-              </a:rPr>
-              <a:t>[요구사항]</a:t>
-            </a:r>
-            <a:endParaRPr sz="1400" b="0" i="0" u="none" strike="noStrike" cap="none">
-              <a:solidFill>
-                <a:srgbClr val="000000"/>
-              </a:solidFill>
-              <a:latin typeface="Arial"/>
-              <a:ea typeface="Arial"/>
-              <a:cs typeface="Arial"/>
-              <a:sym typeface="Arial"/>
-            </a:endParaRPr>
-          </a:p>
-          <a:p>
-            <a:pPr marL="0" marR="0" lvl="0" indent="0" algn="l" rtl="0">
-              <a:lnSpc>
-                <a:spcPct val="100000"/>
-              </a:lnSpc>
-              <a:spcBef>
-                <a:spcPts val="0"/>
-              </a:spcBef>
-              <a:spcAft>
-                <a:spcPts val="0"/>
-              </a:spcAft>
-              <a:buClr>
-                <a:srgbClr val="000000"/>
-              </a:buClr>
-              <a:buSzPts val="1400"/>
-              <a:buFont typeface="Arial"/>
-              <a:buNone/>
-            </a:pPr>
-            <a:r>
-              <a:rPr lang="ko-KR" sz="1400" b="0" i="0" u="none" strike="noStrike" cap="none">
-                <a:solidFill>
-                  <a:srgbClr val="000000"/>
-                </a:solidFill>
-                <a:latin typeface="Arial"/>
-                <a:ea typeface="Arial"/>
-                <a:cs typeface="Arial"/>
-                <a:sym typeface="Arial"/>
-              </a:rPr>
-              <a:t>6장의 AI모델설계는 실제로 AI모델을 만들어주고, 해당 참고자료를 11장에서 제시해줘. </a:t>
-            </a:r>
-            <a:endParaRPr sz="1400" b="0" i="0" u="none" strike="noStrike" cap="none">
-              <a:solidFill>
-                <a:srgbClr val="000000"/>
-              </a:solidFill>
-              <a:latin typeface="Arial"/>
-              <a:ea typeface="Arial"/>
-              <a:cs typeface="Arial"/>
-              <a:sym typeface="Arial"/>
-            </a:endParaRPr>
-          </a:p>
-          <a:p>
-            <a:pPr marL="0" marR="0" lvl="0" indent="0" algn="l" rtl="0">
-              <a:lnSpc>
-                <a:spcPct val="100000"/>
-              </a:lnSpc>
-              <a:spcBef>
-                <a:spcPts val="0"/>
-              </a:spcBef>
-              <a:spcAft>
-                <a:spcPts val="0"/>
-              </a:spcAft>
-              <a:buClr>
-                <a:srgbClr val="000000"/>
-              </a:buClr>
-              <a:buSzPts val="1400"/>
-              <a:buFont typeface="Arial"/>
-              <a:buNone/>
-            </a:pPr>
-            <a:r>
-              <a:rPr lang="ko-KR" sz="1400" b="0" i="0" u="none" strike="noStrike" cap="none">
-                <a:solidFill>
-                  <a:srgbClr val="000000"/>
-                </a:solidFill>
-                <a:latin typeface="Arial"/>
-                <a:ea typeface="Arial"/>
-                <a:cs typeface="Arial"/>
-                <a:sym typeface="Arial"/>
-              </a:rPr>
-              <a:t>우리조는 4명인데 12장에서 각사람의 역할은 니가 알아서 결정해줘.</a:t>
-            </a:r>
-            <a:endParaRPr sz="1400" b="0" i="0" u="none" strike="noStrike" cap="none">
-              <a:solidFill>
-                <a:srgbClr val="000000"/>
-              </a:solidFill>
-              <a:latin typeface="Arial"/>
-              <a:ea typeface="Arial"/>
-              <a:cs typeface="Arial"/>
-              <a:sym typeface="Arial"/>
-            </a:endParaRPr>
-          </a:p>
-          <a:p>
-            <a:pPr marL="0" marR="0" lvl="0" indent="0" algn="l" rtl="0">
-              <a:lnSpc>
-                <a:spcPct val="100000"/>
-              </a:lnSpc>
-              <a:spcBef>
-                <a:spcPts val="0"/>
-              </a:spcBef>
-              <a:spcAft>
-                <a:spcPts val="0"/>
-              </a:spcAft>
-              <a:buClr>
-                <a:srgbClr val="000000"/>
-              </a:buClr>
-              <a:buSzPts val="1400"/>
-              <a:buFont typeface="Arial"/>
-              <a:buNone/>
-            </a:pPr>
-            <a:r>
-              <a:rPr lang="ko-KR" sz="1400" b="0" i="0" u="none" strike="noStrike" cap="none">
-                <a:solidFill>
-                  <a:srgbClr val="000000"/>
-                </a:solidFill>
-                <a:latin typeface="Arial"/>
-                <a:ea typeface="Arial"/>
-                <a:cs typeface="Arial"/>
-                <a:sym typeface="Arial"/>
-              </a:rPr>
-              <a:t>이 계획대로 AI를 도입했을 때, 가장 경제적으로 효과가 있어야 하며, </a:t>
-            </a:r>
-            <a:endParaRPr sz="1400" b="0" i="0" u="none" strike="noStrike" cap="none">
-              <a:solidFill>
-                <a:srgbClr val="000000"/>
-              </a:solidFill>
-              <a:latin typeface="Arial"/>
-              <a:ea typeface="Arial"/>
-              <a:cs typeface="Arial"/>
-              <a:sym typeface="Arial"/>
-            </a:endParaRPr>
-          </a:p>
-          <a:p>
-            <a:pPr marL="0" marR="0" lvl="0" indent="0" algn="l" rtl="0">
-              <a:lnSpc>
-                <a:spcPct val="100000"/>
-              </a:lnSpc>
-              <a:spcBef>
-                <a:spcPts val="0"/>
-              </a:spcBef>
-              <a:spcAft>
-                <a:spcPts val="0"/>
-              </a:spcAft>
-              <a:buClr>
-                <a:srgbClr val="000000"/>
-              </a:buClr>
-              <a:buSzPts val="1400"/>
-              <a:buFont typeface="Arial"/>
-              <a:buNone/>
-            </a:pPr>
-            <a:r>
-              <a:rPr lang="ko-KR" sz="1400" b="0" i="0" u="none" strike="noStrike" cap="none">
-                <a:solidFill>
-                  <a:srgbClr val="000000"/>
-                </a:solidFill>
-                <a:latin typeface="Arial"/>
-                <a:ea typeface="Arial"/>
-                <a:cs typeface="Arial"/>
-                <a:sym typeface="Arial"/>
-              </a:rPr>
-              <a:t>구현가능하고, 세상에 없는 참신한 아이디어야 해. </a:t>
-            </a:r>
-            <a:endParaRPr sz="1400" b="0" i="0" u="none" strike="noStrike" cap="none">
-              <a:solidFill>
-                <a:srgbClr val="000000"/>
-              </a:solidFill>
-              <a:latin typeface="Arial"/>
-              <a:ea typeface="Arial"/>
-              <a:cs typeface="Arial"/>
-              <a:sym typeface="Arial"/>
-            </a:endParaRPr>
-          </a:p>
-          <a:p>
-            <a:pPr marL="0" marR="0" lvl="0" indent="0" algn="l" rtl="0">
-              <a:lnSpc>
-                <a:spcPct val="100000"/>
-              </a:lnSpc>
-              <a:spcBef>
-                <a:spcPts val="0"/>
-              </a:spcBef>
-              <a:spcAft>
-                <a:spcPts val="0"/>
-              </a:spcAft>
-              <a:buClr>
-                <a:srgbClr val="000000"/>
-              </a:buClr>
-              <a:buSzPts val="1400"/>
-              <a:buFont typeface="Arial"/>
-              <a:buNone/>
-            </a:pPr>
-            <a:r>
-              <a:rPr lang="ko-KR" sz="1400" b="0" i="0" u="none" strike="noStrike" cap="none">
-                <a:solidFill>
-                  <a:srgbClr val="000000"/>
-                </a:solidFill>
-                <a:latin typeface="Arial"/>
-                <a:ea typeface="Arial"/>
-                <a:cs typeface="Arial"/>
-                <a:sym typeface="Arial"/>
-              </a:rPr>
-              <a:t>중간에 너는 나에게 질문</a:t>
-            </a:r>
-            <a:endParaRPr/>
-          </a:p>
-          <a:p>
-            <a:pPr marL="0" marR="0" lvl="0" indent="0" algn="l" rtl="0">
-              <a:lnSpc>
-                <a:spcPct val="100000"/>
-              </a:lnSpc>
-              <a:spcBef>
-                <a:spcPts val="0"/>
-              </a:spcBef>
-              <a:spcAft>
-                <a:spcPts val="0"/>
-              </a:spcAft>
-              <a:buClr>
-                <a:srgbClr val="000000"/>
-              </a:buClr>
-              <a:buSzPts val="1400"/>
-              <a:buFont typeface="Arial"/>
-              <a:buNone/>
-            </a:pPr>
-            <a:r>
-              <a:rPr lang="ko-KR" sz="1400" b="0" i="0" u="none" strike="noStrike" cap="none">
-                <a:solidFill>
-                  <a:srgbClr val="000000"/>
-                </a:solidFill>
-                <a:latin typeface="Arial"/>
-                <a:ea typeface="Arial"/>
-                <a:cs typeface="Arial"/>
-                <a:sym typeface="Arial"/>
-              </a:rPr>
-              <a:t>을 할 수 있으니 언제든지 질문해줘. </a:t>
-            </a:r>
-            <a:endParaRPr sz="1400" b="0" i="0" u="none" strike="noStrike" cap="none">
-              <a:solidFill>
-                <a:srgbClr val="000000"/>
-              </a:solidFill>
-              <a:latin typeface="Arial"/>
-              <a:ea typeface="Arial"/>
-              <a:cs typeface="Arial"/>
-              <a:sym typeface="Arial"/>
-            </a:endParaRPr>
-          </a:p>
-          <a:p>
-            <a:pPr marL="0" marR="0" lvl="0" indent="0" algn="l" rtl="0">
-              <a:lnSpc>
-                <a:spcPct val="100000"/>
-              </a:lnSpc>
-              <a:spcBef>
-                <a:spcPts val="0"/>
-              </a:spcBef>
-              <a:spcAft>
-                <a:spcPts val="0"/>
-              </a:spcAft>
-              <a:buClr>
-                <a:srgbClr val="000000"/>
-              </a:buClr>
-              <a:buSzPts val="1400"/>
-              <a:buFont typeface="Arial"/>
-              <a:buNone/>
-            </a:pPr>
-            <a:r>
-              <a:rPr lang="ko-KR" sz="1400" b="0" i="0" u="none" strike="noStrike" cap="none">
-                <a:solidFill>
-                  <a:srgbClr val="000000"/>
-                </a:solidFill>
-                <a:latin typeface="Arial"/>
-                <a:ea typeface="Arial"/>
-                <a:cs typeface="Arial"/>
-                <a:sym typeface="Arial"/>
-              </a:rPr>
-              <a:t>[현재까지 만든 자료]</a:t>
-            </a:r>
-            <a:endParaRPr sz="1400" b="0" i="0" u="none" strike="noStrike" cap="none">
-              <a:solidFill>
-                <a:srgbClr val="000000"/>
-              </a:solidFill>
-              <a:latin typeface="Arial"/>
-              <a:ea typeface="Arial"/>
-              <a:cs typeface="Arial"/>
-              <a:sym typeface="Arial"/>
-            </a:endParaRPr>
-          </a:p>
-        </p:txBody>
-      </p:sp>
-    </p:spTree>
-    <p:extLst>
-      <p:ext uri="{BB962C8B-B14F-4D97-AF65-F5344CB8AC3E}">
-        <p14:creationId xmlns:p14="http://schemas.microsoft.com/office/powerpoint/2010/main" val="2905011953"/>
-      </p:ext>
-    </p:extLst>
-  </p:cSld>
-  <p:clrMapOvr>
-    <a:masterClrMapping/>
-  </p:clrMapOvr>
-</p:sld>
-</file>
-
-<file path=ppt/slides/slide19.xml><?xml version="1.0" encoding="utf-8"?>
-<p:sld xmlns:a="http://schemas.openxmlformats.org/drawingml/2006/main" xmlns:r="http://schemas.openxmlformats.org/officeDocument/2006/relationships" xmlns:p="http://schemas.openxmlformats.org/presentationml/2006/main">
-  <p:cSld>
-    <p:spTree>
-      <p:nvGrpSpPr>
-        <p:cNvPr id="1" name=""/>
-        <p:cNvGrpSpPr/>
-        <p:nvPr/>
-      </p:nvGrpSpPr>
-      <p:grpSpPr>
-        <a:xfrm>
-          <a:off x="0" y="0"/>
-          <a:ext cx="0" cy="0"/>
-          <a:chOff x="0" y="0"/>
-          <a:chExt cx="0" cy="0"/>
-        </a:xfrm>
-      </p:grpSpPr>
-      <p:sp>
-        <p:nvSpPr>
-          <p:cNvPr id="2" name="제목 1">
-            <a:extLst>
-              <a:ext uri="{FF2B5EF4-FFF2-40B4-BE49-F238E27FC236}">
-                <a16:creationId xmlns:a16="http://schemas.microsoft.com/office/drawing/2014/main" id="{4CBA36E2-4277-5F22-DCA4-09528505125E}"/>
-              </a:ext>
-            </a:extLst>
-          </p:cNvPr>
-          <p:cNvSpPr>
-            <a:spLocks noGrp="1"/>
-          </p:cNvSpPr>
-          <p:nvPr>
-            <p:ph type="title"/>
-          </p:nvPr>
-        </p:nvSpPr>
-        <p:spPr/>
-        <p:txBody>
-          <a:bodyPr/>
-          <a:lstStyle/>
-          <a:p>
-            <a:endParaRPr lang="ko-KR" altLang="en-US"/>
-          </a:p>
-        </p:txBody>
-      </p:sp>
-      <p:sp>
-        <p:nvSpPr>
-          <p:cNvPr id="4" name="Google Shape;209;p29">
-            <a:extLst>
-              <a:ext uri="{FF2B5EF4-FFF2-40B4-BE49-F238E27FC236}">
-                <a16:creationId xmlns:a16="http://schemas.microsoft.com/office/drawing/2014/main" id="{50807744-678E-EAAA-7D08-E10E44C2023D}"/>
-              </a:ext>
-            </a:extLst>
-          </p:cNvPr>
-          <p:cNvSpPr txBox="1"/>
-          <p:nvPr/>
-        </p:nvSpPr>
-        <p:spPr>
-          <a:xfrm>
-            <a:off x="1200177" y="1180271"/>
-            <a:ext cx="6094602" cy="5262979"/>
-          </a:xfrm>
-          <a:prstGeom prst="rect">
-            <a:avLst/>
-          </a:prstGeom>
-          <a:noFill/>
-          <a:ln>
-            <a:noFill/>
-          </a:ln>
-        </p:spPr>
-        <p:txBody>
-          <a:bodyPr spcFirstLastPara="1" wrap="square" lIns="91425" tIns="45700" rIns="91425" bIns="45700" anchor="t" anchorCtr="0">
-            <a:spAutoFit/>
-          </a:bodyPr>
-          <a:lstStyle/>
-          <a:p>
-            <a:pPr marL="0" marR="0" lvl="0" indent="0" algn="l" rtl="0">
-              <a:lnSpc>
-                <a:spcPct val="100000"/>
-              </a:lnSpc>
-              <a:spcBef>
-                <a:spcPts val="0"/>
-              </a:spcBef>
-              <a:spcAft>
-                <a:spcPts val="0"/>
-              </a:spcAft>
-              <a:buNone/>
-            </a:pPr>
-            <a:r>
-              <a:rPr lang="ko-KR" sz="1400" b="0" i="0" u="none" strike="noStrike" cap="none">
-                <a:solidFill>
-                  <a:srgbClr val="000000"/>
-                </a:solidFill>
-                <a:latin typeface="Arial"/>
-                <a:ea typeface="Arial"/>
-                <a:cs typeface="Arial"/>
-                <a:sym typeface="Arial"/>
-              </a:rPr>
-              <a:t>AI도입목적</a:t>
-            </a:r>
-            <a:endParaRPr/>
-          </a:p>
-          <a:p>
-            <a:pPr marL="0" marR="0" lvl="0" indent="0" algn="l" rtl="0">
-              <a:lnSpc>
-                <a:spcPct val="100000"/>
-              </a:lnSpc>
-              <a:spcBef>
-                <a:spcPts val="0"/>
-              </a:spcBef>
-              <a:spcAft>
-                <a:spcPts val="0"/>
-              </a:spcAft>
-              <a:buNone/>
-            </a:pPr>
-            <a:r>
-              <a:rPr lang="ko-KR" sz="1400" b="0" i="0" u="none" strike="noStrike" cap="none">
-                <a:solidFill>
-                  <a:srgbClr val="000000"/>
-                </a:solidFill>
-                <a:latin typeface="Arial"/>
-                <a:ea typeface="Arial"/>
-                <a:cs typeface="Arial"/>
-                <a:sym typeface="Arial"/>
-              </a:rPr>
-              <a:t>- 금리, 한도 결정. 대출금리%, 대출금액 한도의 AI 결정 활용</a:t>
-            </a:r>
-            <a:endParaRPr/>
-          </a:p>
-          <a:p>
-            <a:pPr marL="0" marR="0" lvl="0" indent="0" algn="l" rtl="0">
-              <a:lnSpc>
-                <a:spcPct val="100000"/>
-              </a:lnSpc>
-              <a:spcBef>
-                <a:spcPts val="0"/>
-              </a:spcBef>
-              <a:spcAft>
-                <a:spcPts val="0"/>
-              </a:spcAft>
-              <a:buNone/>
-            </a:pPr>
-            <a:r>
-              <a:rPr lang="ko-KR" sz="1400" b="0" i="0" u="none" strike="noStrike" cap="none">
-                <a:solidFill>
-                  <a:srgbClr val="000000"/>
-                </a:solidFill>
-                <a:latin typeface="Arial"/>
-                <a:ea typeface="Arial"/>
-                <a:cs typeface="Arial"/>
-                <a:sym typeface="Arial"/>
-              </a:rPr>
-              <a:t>- 대출 승인여부 판단. 입력된 데이터 기반의 AI 모델 승인 여부 판단 활용</a:t>
-            </a:r>
-            <a:endParaRPr/>
-          </a:p>
-          <a:p>
-            <a:pPr marL="0" marR="0" lvl="0" indent="0" algn="l" rtl="0">
-              <a:lnSpc>
-                <a:spcPct val="100000"/>
-              </a:lnSpc>
-              <a:spcBef>
-                <a:spcPts val="0"/>
-              </a:spcBef>
-              <a:spcAft>
-                <a:spcPts val="0"/>
-              </a:spcAft>
-              <a:buNone/>
-            </a:pPr>
-            <a:endParaRPr sz="1400" b="0" i="0" u="none" strike="noStrike" cap="none">
-              <a:solidFill>
-                <a:srgbClr val="000000"/>
-              </a:solidFill>
-              <a:latin typeface="Arial"/>
-              <a:ea typeface="Arial"/>
-              <a:cs typeface="Arial"/>
-              <a:sym typeface="Arial"/>
-            </a:endParaRPr>
-          </a:p>
-          <a:p>
-            <a:pPr marL="0" marR="0" lvl="0" indent="0" algn="l" rtl="0">
-              <a:lnSpc>
-                <a:spcPct val="100000"/>
-              </a:lnSpc>
-              <a:spcBef>
-                <a:spcPts val="0"/>
-              </a:spcBef>
-              <a:spcAft>
-                <a:spcPts val="0"/>
-              </a:spcAft>
-              <a:buNone/>
-            </a:pPr>
-            <a:r>
-              <a:rPr lang="ko-KR" sz="1400" b="0" i="0" u="none" strike="noStrike" cap="none">
-                <a:solidFill>
-                  <a:srgbClr val="000000"/>
-                </a:solidFill>
-                <a:latin typeface="Arial"/>
-                <a:ea typeface="Arial"/>
-                <a:cs typeface="Arial"/>
-                <a:sym typeface="Arial"/>
-              </a:rPr>
-              <a:t>도입이유</a:t>
-            </a:r>
-            <a:endParaRPr/>
-          </a:p>
-          <a:p>
-            <a:pPr marL="0" marR="0" lvl="0" indent="0" algn="l" rtl="0">
-              <a:lnSpc>
-                <a:spcPct val="100000"/>
-              </a:lnSpc>
-              <a:spcBef>
-                <a:spcPts val="0"/>
-              </a:spcBef>
-              <a:spcAft>
-                <a:spcPts val="0"/>
-              </a:spcAft>
-              <a:buNone/>
-            </a:pPr>
-            <a:r>
-              <a:rPr lang="ko-KR" sz="1400" b="0" i="0" u="none" strike="noStrike" cap="none">
-                <a:solidFill>
-                  <a:srgbClr val="000000"/>
-                </a:solidFill>
-                <a:latin typeface="Arial"/>
-                <a:ea typeface="Arial"/>
-                <a:cs typeface="Arial"/>
-                <a:sym typeface="Arial"/>
-              </a:rPr>
-              <a:t>- 심사기간 소요. 평균 주 6건, 건당 2시간, 4주의 심사 및 승인 기간 소요</a:t>
-            </a:r>
-            <a:endParaRPr/>
-          </a:p>
-          <a:p>
-            <a:pPr marL="0" marR="0" lvl="0" indent="0" algn="l" rtl="0">
-              <a:lnSpc>
-                <a:spcPct val="100000"/>
-              </a:lnSpc>
-              <a:spcBef>
-                <a:spcPts val="0"/>
-              </a:spcBef>
-              <a:spcAft>
-                <a:spcPts val="0"/>
-              </a:spcAft>
-              <a:buNone/>
-            </a:pPr>
-            <a:r>
-              <a:rPr lang="ko-KR" sz="1400" b="0" i="0" u="none" strike="noStrike" cap="none">
-                <a:solidFill>
-                  <a:srgbClr val="000000"/>
-                </a:solidFill>
-                <a:latin typeface="Arial"/>
-                <a:ea typeface="Arial"/>
-                <a:cs typeface="Arial"/>
-                <a:sym typeface="Arial"/>
-              </a:rPr>
-              <a:t>- 심사 1건당 평균 6명의 인원 참여</a:t>
-            </a:r>
-            <a:endParaRPr/>
-          </a:p>
-          <a:p>
-            <a:pPr marL="0" marR="0" lvl="0" indent="0" algn="l" rtl="0">
-              <a:lnSpc>
-                <a:spcPct val="100000"/>
-              </a:lnSpc>
-              <a:spcBef>
-                <a:spcPts val="0"/>
-              </a:spcBef>
-              <a:spcAft>
-                <a:spcPts val="0"/>
-              </a:spcAft>
-              <a:buNone/>
-            </a:pPr>
-            <a:r>
-              <a:rPr lang="ko-KR" sz="1400" b="0" i="0" u="none" strike="noStrike" cap="none">
-                <a:solidFill>
-                  <a:srgbClr val="000000"/>
-                </a:solidFill>
-                <a:latin typeface="Arial"/>
-                <a:ea typeface="Arial"/>
-                <a:cs typeface="Arial"/>
-                <a:sym typeface="Arial"/>
-              </a:rPr>
-              <a:t>- 리스크 관리 효율성. 정량적 데이터 기반 대출심사 리스크 관리 부재</a:t>
-            </a:r>
-            <a:endParaRPr/>
-          </a:p>
-          <a:p>
-            <a:pPr marL="0" marR="0" lvl="0" indent="0" algn="l" rtl="0">
-              <a:lnSpc>
-                <a:spcPct val="100000"/>
-              </a:lnSpc>
-              <a:spcBef>
-                <a:spcPts val="0"/>
-              </a:spcBef>
-              <a:spcAft>
-                <a:spcPts val="0"/>
-              </a:spcAft>
-              <a:buNone/>
-            </a:pPr>
-            <a:r>
-              <a:rPr lang="ko-KR" sz="1400" b="0" i="0" u="none" strike="noStrike" cap="none">
-                <a:solidFill>
-                  <a:srgbClr val="000000"/>
-                </a:solidFill>
-                <a:latin typeface="Arial"/>
-                <a:ea typeface="Arial"/>
-                <a:cs typeface="Arial"/>
-                <a:sym typeface="Arial"/>
-              </a:rPr>
-              <a:t> </a:t>
-            </a:r>
-            <a:endParaRPr/>
-          </a:p>
-          <a:p>
-            <a:pPr marL="0" marR="0" lvl="0" indent="0" algn="l" rtl="0">
-              <a:lnSpc>
-                <a:spcPct val="100000"/>
-              </a:lnSpc>
-              <a:spcBef>
-                <a:spcPts val="0"/>
-              </a:spcBef>
-              <a:spcAft>
-                <a:spcPts val="0"/>
-              </a:spcAft>
-              <a:buNone/>
-            </a:pPr>
-            <a:r>
-              <a:rPr lang="ko-KR" sz="1400" b="0" i="0" u="none" strike="noStrike" cap="none">
-                <a:solidFill>
-                  <a:srgbClr val="000000"/>
-                </a:solidFill>
-                <a:latin typeface="Arial"/>
-                <a:ea typeface="Arial"/>
-                <a:cs typeface="Arial"/>
-                <a:sym typeface="Arial"/>
-              </a:rPr>
-              <a:t>기대효과 </a:t>
-            </a:r>
-            <a:endParaRPr/>
-          </a:p>
-          <a:p>
-            <a:pPr marL="0" marR="0" lvl="0" indent="0" algn="l" rtl="0">
-              <a:lnSpc>
-                <a:spcPct val="100000"/>
-              </a:lnSpc>
-              <a:spcBef>
-                <a:spcPts val="0"/>
-              </a:spcBef>
-              <a:spcAft>
-                <a:spcPts val="0"/>
-              </a:spcAft>
-              <a:buNone/>
-            </a:pPr>
-            <a:r>
-              <a:rPr lang="ko-KR" sz="1400" b="0" i="0" u="none" strike="noStrike" cap="none">
-                <a:solidFill>
-                  <a:srgbClr val="000000"/>
-                </a:solidFill>
-                <a:latin typeface="Arial"/>
-                <a:ea typeface="Arial"/>
-                <a:cs typeface="Arial"/>
-                <a:sym typeface="Arial"/>
-              </a:rPr>
-              <a:t>- 심사기간/인원 ↓. 누적 학습 데이터 활용 심사기간 및 투입인력 리소스 감소</a:t>
-            </a:r>
-            <a:endParaRPr/>
-          </a:p>
-          <a:p>
-            <a:pPr marL="0" marR="0" lvl="0" indent="0" algn="l" rtl="0">
-              <a:lnSpc>
-                <a:spcPct val="100000"/>
-              </a:lnSpc>
-              <a:spcBef>
-                <a:spcPts val="0"/>
-              </a:spcBef>
-              <a:spcAft>
-                <a:spcPts val="0"/>
-              </a:spcAft>
-              <a:buNone/>
-            </a:pPr>
-            <a:r>
-              <a:rPr lang="ko-KR" sz="1400" b="0" i="0" u="none" strike="noStrike" cap="none">
-                <a:solidFill>
-                  <a:srgbClr val="000000"/>
-                </a:solidFill>
-                <a:latin typeface="Arial"/>
-                <a:ea typeface="Arial"/>
-                <a:cs typeface="Arial"/>
-                <a:sym typeface="Arial"/>
-              </a:rPr>
-              <a:t>- 빠른 대출 승인. 평균 4주 심사 승인 수 일내 단축</a:t>
-            </a:r>
-            <a:endParaRPr/>
-          </a:p>
-          <a:p>
-            <a:pPr marL="0" marR="0" lvl="0" indent="0" algn="l" rtl="0">
-              <a:lnSpc>
-                <a:spcPct val="100000"/>
-              </a:lnSpc>
-              <a:spcBef>
-                <a:spcPts val="0"/>
-              </a:spcBef>
-              <a:spcAft>
-                <a:spcPts val="0"/>
-              </a:spcAft>
-              <a:buNone/>
-            </a:pPr>
-            <a:r>
-              <a:rPr lang="ko-KR" sz="1400" b="0" i="0" u="none" strike="noStrike" cap="none">
-                <a:solidFill>
-                  <a:srgbClr val="000000"/>
-                </a:solidFill>
-                <a:latin typeface="Arial"/>
-                <a:ea typeface="Arial"/>
-                <a:cs typeface="Arial"/>
-                <a:sym typeface="Arial"/>
-              </a:rPr>
-              <a:t>- 채권관리 효율성. 심사에 대한 상세 분석 가능</a:t>
-            </a:r>
-            <a:endParaRPr/>
-          </a:p>
-          <a:p>
-            <a:pPr marL="0" marR="0" lvl="0" indent="0" algn="l" rtl="0">
-              <a:lnSpc>
-                <a:spcPct val="100000"/>
-              </a:lnSpc>
-              <a:spcBef>
-                <a:spcPts val="0"/>
-              </a:spcBef>
-              <a:spcAft>
-                <a:spcPts val="0"/>
-              </a:spcAft>
-              <a:buNone/>
-            </a:pPr>
-            <a:endParaRPr sz="1400" b="0" i="0" u="none" strike="noStrike" cap="none">
-              <a:solidFill>
-                <a:srgbClr val="000000"/>
-              </a:solidFill>
-              <a:latin typeface="Arial"/>
-              <a:ea typeface="Arial"/>
-              <a:cs typeface="Arial"/>
-              <a:sym typeface="Arial"/>
-            </a:endParaRPr>
-          </a:p>
-          <a:p>
-            <a:pPr marL="0" marR="0" lvl="0" indent="0" algn="l" rtl="0">
-              <a:lnSpc>
-                <a:spcPct val="100000"/>
-              </a:lnSpc>
-              <a:spcBef>
-                <a:spcPts val="0"/>
-              </a:spcBef>
-              <a:spcAft>
-                <a:spcPts val="0"/>
-              </a:spcAft>
-              <a:buNone/>
-            </a:pPr>
-            <a:r>
-              <a:rPr lang="ko-KR" sz="1400" b="0" i="0" u="none" strike="noStrike" cap="none">
-                <a:solidFill>
-                  <a:srgbClr val="000000"/>
-                </a:solidFill>
-                <a:latin typeface="Arial"/>
-                <a:ea typeface="Arial"/>
-                <a:cs typeface="Arial"/>
-                <a:sym typeface="Arial"/>
-              </a:rPr>
-              <a:t>데이터 정의- </a:t>
-            </a:r>
-            <a:endParaRPr/>
-          </a:p>
-          <a:p>
-            <a:pPr marL="0" marR="0" lvl="0" indent="0" algn="l" rtl="0">
-              <a:lnSpc>
-                <a:spcPct val="100000"/>
-              </a:lnSpc>
-              <a:spcBef>
-                <a:spcPts val="0"/>
-              </a:spcBef>
-              <a:spcAft>
-                <a:spcPts val="0"/>
-              </a:spcAft>
-              <a:buNone/>
-            </a:pPr>
-            <a:r>
-              <a:rPr lang="ko-KR" sz="1400" b="0" i="0" u="none" strike="noStrike" cap="none">
-                <a:solidFill>
-                  <a:srgbClr val="000000"/>
-                </a:solidFill>
-                <a:latin typeface="Arial"/>
-                <a:ea typeface="Arial"/>
-                <a:cs typeface="Arial"/>
-                <a:sym typeface="Arial"/>
-              </a:rPr>
-              <a:t>- 차주- 직업, 나이, 거주지, 대출신청금액, 소득수준, 신용등급, 신용점수, 대출이력, 연대보증인, 종업원수, 직급, </a:t>
-            </a:r>
-            <a:endParaRPr/>
-          </a:p>
-          <a:p>
-            <a:pPr marL="0" marR="0" lvl="0" indent="0" algn="l" rtl="0">
-              <a:lnSpc>
-                <a:spcPct val="100000"/>
-              </a:lnSpc>
-              <a:spcBef>
-                <a:spcPts val="0"/>
-              </a:spcBef>
-              <a:spcAft>
-                <a:spcPts val="0"/>
-              </a:spcAft>
-              <a:buNone/>
-            </a:pPr>
-            <a:r>
-              <a:rPr lang="ko-KR" sz="1400" b="0" i="0" u="none" strike="noStrike" cap="none">
-                <a:solidFill>
-                  <a:srgbClr val="000000"/>
-                </a:solidFill>
-                <a:latin typeface="Arial"/>
-                <a:ea typeface="Arial"/>
-                <a:cs typeface="Arial"/>
-                <a:sym typeface="Arial"/>
-              </a:rPr>
-              <a:t>- 담보 - 유형, 감정가, 소재지, 면적, 소유자, 담보규모, LTV, 대출가능액</a:t>
-            </a:r>
-            <a:endParaRPr/>
-          </a:p>
-          <a:p>
-            <a:pPr marL="285750" marR="0" lvl="0" indent="-285750" algn="l" rtl="0">
-              <a:lnSpc>
-                <a:spcPct val="100000"/>
-              </a:lnSpc>
-              <a:spcBef>
-                <a:spcPts val="0"/>
-              </a:spcBef>
-              <a:spcAft>
-                <a:spcPts val="0"/>
-              </a:spcAft>
-              <a:buClr>
-                <a:srgbClr val="000000"/>
-              </a:buClr>
-              <a:buSzPts val="1400"/>
-              <a:buFont typeface="Arial"/>
-              <a:buChar char="-"/>
-            </a:pPr>
-            <a:r>
-              <a:rPr lang="ko-KR" sz="1400" b="0" i="0" u="none" strike="noStrike" cap="none">
-                <a:solidFill>
-                  <a:srgbClr val="000000"/>
-                </a:solidFill>
-                <a:latin typeface="Arial"/>
-                <a:ea typeface="Arial"/>
-                <a:cs typeface="Arial"/>
-                <a:sym typeface="Arial"/>
-              </a:rPr>
-              <a:t>승인결과 - 승인결과, 대출금액, 약정금리, </a:t>
-            </a:r>
-            <a:endParaRPr sz="1400" b="0" i="0" u="none" strike="noStrike" cap="none">
-              <a:solidFill>
-                <a:srgbClr val="000000"/>
-              </a:solidFill>
-              <a:latin typeface="Arial"/>
-              <a:ea typeface="Arial"/>
-              <a:cs typeface="Arial"/>
-              <a:sym typeface="Arial"/>
-            </a:endParaRPr>
-          </a:p>
-          <a:p>
-            <a:pPr marL="0" marR="0" lvl="0" indent="0" algn="l" rtl="0">
-              <a:lnSpc>
-                <a:spcPct val="100000"/>
-              </a:lnSpc>
-              <a:spcBef>
-                <a:spcPts val="0"/>
-              </a:spcBef>
-              <a:spcAft>
-                <a:spcPts val="0"/>
-              </a:spcAft>
-              <a:buNone/>
-            </a:pPr>
-            <a:endParaRPr sz="1400" b="0" i="0" u="none" strike="noStrike" cap="none">
-              <a:solidFill>
-                <a:srgbClr val="000000"/>
-              </a:solidFill>
-              <a:latin typeface="Arial"/>
-              <a:ea typeface="Arial"/>
-              <a:cs typeface="Arial"/>
-              <a:sym typeface="Arial"/>
-            </a:endParaRPr>
-          </a:p>
-          <a:p>
-            <a:pPr marL="0" marR="0" lvl="0" indent="0" algn="l" rtl="0">
-              <a:lnSpc>
-                <a:spcPct val="100000"/>
-              </a:lnSpc>
-              <a:spcBef>
-                <a:spcPts val="0"/>
-              </a:spcBef>
-              <a:spcAft>
-                <a:spcPts val="0"/>
-              </a:spcAft>
-              <a:buNone/>
-            </a:pPr>
-            <a:r>
-              <a:rPr lang="ko-KR" sz="1400" b="0" i="0" u="none" strike="noStrike" cap="none">
-                <a:solidFill>
-                  <a:srgbClr val="000000"/>
-                </a:solidFill>
-                <a:latin typeface="Arial"/>
-                <a:ea typeface="Arial"/>
-                <a:cs typeface="Arial"/>
-                <a:sym typeface="Arial"/>
-              </a:rPr>
-              <a:t>AI구현 방안</a:t>
-            </a:r>
-            <a:endParaRPr sz="1400" b="0" i="0" u="none" strike="noStrike" cap="none">
-              <a:solidFill>
-                <a:srgbClr val="000000"/>
-              </a:solidFill>
-              <a:latin typeface="Arial"/>
-              <a:ea typeface="Arial"/>
-              <a:cs typeface="Arial"/>
-              <a:sym typeface="Arial"/>
-            </a:endParaRPr>
-          </a:p>
-          <a:p>
-            <a:pPr marL="285750" marR="0" lvl="0" indent="-285750" algn="l" rtl="0">
-              <a:lnSpc>
-                <a:spcPct val="100000"/>
-              </a:lnSpc>
-              <a:spcBef>
-                <a:spcPts val="0"/>
-              </a:spcBef>
-              <a:spcAft>
-                <a:spcPts val="0"/>
-              </a:spcAft>
-              <a:buClr>
-                <a:srgbClr val="000000"/>
-              </a:buClr>
-              <a:buSzPts val="1400"/>
-              <a:buFont typeface="Arial"/>
-              <a:buChar char="-"/>
-            </a:pPr>
-            <a:r>
-              <a:rPr lang="ko-KR" sz="1400" b="0" i="0" u="none" strike="noStrike" cap="none">
-                <a:solidFill>
-                  <a:srgbClr val="000000"/>
-                </a:solidFill>
-                <a:latin typeface="Arial"/>
-                <a:ea typeface="Arial"/>
-                <a:cs typeface="Arial"/>
-                <a:sym typeface="Arial"/>
-              </a:rPr>
-              <a:t>decision tree 로 승인결과를 판단</a:t>
-            </a:r>
-            <a:endParaRPr sz="1400" b="0" i="0" u="none" strike="noStrike" cap="none">
-              <a:solidFill>
-                <a:srgbClr val="000000"/>
-              </a:solidFill>
-              <a:latin typeface="Arial"/>
-              <a:ea typeface="Arial"/>
-              <a:cs typeface="Arial"/>
-              <a:sym typeface="Arial"/>
-            </a:endParaRPr>
-          </a:p>
-          <a:p>
-            <a:pPr marL="285750" marR="0" lvl="0" indent="-285750" algn="l" rtl="0">
-              <a:lnSpc>
-                <a:spcPct val="100000"/>
-              </a:lnSpc>
-              <a:spcBef>
-                <a:spcPts val="0"/>
-              </a:spcBef>
-              <a:spcAft>
-                <a:spcPts val="0"/>
-              </a:spcAft>
-              <a:buClr>
-                <a:srgbClr val="000000"/>
-              </a:buClr>
-              <a:buSzPts val="1400"/>
-              <a:buFont typeface="Arial"/>
-              <a:buChar char="-"/>
-            </a:pPr>
-            <a:r>
-              <a:rPr lang="ko-KR" sz="1400" b="0" i="0" u="none" strike="noStrike" cap="none">
-                <a:solidFill>
-                  <a:srgbClr val="000000"/>
-                </a:solidFill>
-                <a:latin typeface="Arial"/>
-                <a:ea typeface="Arial"/>
-                <a:cs typeface="Arial"/>
-                <a:sym typeface="Arial"/>
-              </a:rPr>
-              <a:t>tensorflow로 승인결과, 대출금액, 약정금리 </a:t>
-            </a:r>
-            <a:endParaRPr/>
-          </a:p>
-        </p:txBody>
-      </p:sp>
-    </p:spTree>
-    <p:extLst>
-      <p:ext uri="{BB962C8B-B14F-4D97-AF65-F5344CB8AC3E}">
-        <p14:creationId xmlns:p14="http://schemas.microsoft.com/office/powerpoint/2010/main" val="1774825370"/>
       </p:ext>
     </p:extLst>
   </p:cSld>
@@ -12953,6 +12387,1744 @@
 </p:sld>
 </file>
 
+<file path=ppt/slides/slide20.xml><?xml version="1.0" encoding="utf-8"?>
+<p:sld xmlns:a="http://schemas.openxmlformats.org/drawingml/2006/main" xmlns:r="http://schemas.openxmlformats.org/officeDocument/2006/relationships" xmlns:p="http://schemas.openxmlformats.org/presentationml/2006/main">
+  <p:cSld>
+    <p:spTree>
+      <p:nvGrpSpPr>
+        <p:cNvPr id="1" name=""/>
+        <p:cNvGrpSpPr/>
+        <p:nvPr/>
+      </p:nvGrpSpPr>
+      <p:grpSpPr>
+        <a:xfrm>
+          <a:off x="0" y="0"/>
+          <a:ext cx="0" cy="0"/>
+          <a:chOff x="0" y="0"/>
+          <a:chExt cx="0" cy="0"/>
+        </a:xfrm>
+      </p:grpSpPr>
+      <p:sp>
+        <p:nvSpPr>
+          <p:cNvPr id="2" name="제목 1">
+            <a:extLst>
+              <a:ext uri="{FF2B5EF4-FFF2-40B4-BE49-F238E27FC236}">
+                <a16:creationId xmlns:a16="http://schemas.microsoft.com/office/drawing/2014/main" id="{4CBA36E2-4277-5F22-DCA4-09528505125E}"/>
+              </a:ext>
+            </a:extLst>
+          </p:cNvPr>
+          <p:cNvSpPr>
+            <a:spLocks noGrp="1"/>
+          </p:cNvSpPr>
+          <p:nvPr>
+            <p:ph type="title"/>
+          </p:nvPr>
+        </p:nvSpPr>
+        <p:spPr/>
+        <p:txBody>
+          <a:bodyPr/>
+          <a:lstStyle/>
+          <a:p>
+            <a:r>
+              <a:rPr lang="ko-KR" altLang="en-US"/>
+              <a:t>예시</a:t>
+            </a:r>
+          </a:p>
+        </p:txBody>
+      </p:sp>
+      <p:sp>
+        <p:nvSpPr>
+          <p:cNvPr id="3" name="Google Shape;203;p28">
+            <a:extLst>
+              <a:ext uri="{FF2B5EF4-FFF2-40B4-BE49-F238E27FC236}">
+                <a16:creationId xmlns:a16="http://schemas.microsoft.com/office/drawing/2014/main" id="{1E745DF7-E148-359D-0BA4-E9AF473D98F7}"/>
+              </a:ext>
+            </a:extLst>
+          </p:cNvPr>
+          <p:cNvSpPr txBox="1"/>
+          <p:nvPr/>
+        </p:nvSpPr>
+        <p:spPr>
+          <a:xfrm>
+            <a:off x="660089" y="991369"/>
+            <a:ext cx="9037500" cy="5264100"/>
+          </a:xfrm>
+          <a:prstGeom prst="rect">
+            <a:avLst/>
+          </a:prstGeom>
+          <a:noFill/>
+          <a:ln>
+            <a:noFill/>
+          </a:ln>
+        </p:spPr>
+        <p:txBody>
+          <a:bodyPr spcFirstLastPara="1" wrap="square" lIns="91425" tIns="45700" rIns="91425" bIns="45700" anchor="t" anchorCtr="0">
+            <a:spAutoFit/>
+          </a:bodyPr>
+          <a:lstStyle/>
+          <a:p>
+            <a:pPr marL="0" marR="0" lvl="0" indent="0" algn="l" rtl="0">
+              <a:lnSpc>
+                <a:spcPct val="100000"/>
+              </a:lnSpc>
+              <a:spcBef>
+                <a:spcPts val="0"/>
+              </a:spcBef>
+              <a:spcAft>
+                <a:spcPts val="0"/>
+              </a:spcAft>
+              <a:buClr>
+                <a:srgbClr val="000000"/>
+              </a:buClr>
+              <a:buSzPts val="1400"/>
+              <a:buFont typeface="Arial"/>
+              <a:buNone/>
+            </a:pPr>
+            <a:endParaRPr sz="1400" b="0" i="0" u="none" strike="noStrike" cap="none">
+              <a:solidFill>
+                <a:srgbClr val="000000"/>
+              </a:solidFill>
+              <a:latin typeface="Arial"/>
+              <a:ea typeface="Arial"/>
+              <a:cs typeface="Arial"/>
+              <a:sym typeface="Arial"/>
+            </a:endParaRPr>
+          </a:p>
+          <a:p>
+            <a:pPr marL="0" marR="0" lvl="0" indent="0" algn="l" rtl="0">
+              <a:lnSpc>
+                <a:spcPct val="100000"/>
+              </a:lnSpc>
+              <a:spcBef>
+                <a:spcPts val="0"/>
+              </a:spcBef>
+              <a:spcAft>
+                <a:spcPts val="0"/>
+              </a:spcAft>
+              <a:buClr>
+                <a:srgbClr val="000000"/>
+              </a:buClr>
+              <a:buSzPts val="1400"/>
+              <a:buFont typeface="Arial"/>
+              <a:buNone/>
+            </a:pPr>
+            <a:r>
+              <a:rPr lang="ko-KR" sz="1400" b="0" i="0" u="none" strike="noStrike" cap="none">
+                <a:solidFill>
+                  <a:srgbClr val="000000"/>
+                </a:solidFill>
+                <a:latin typeface="Arial"/>
+                <a:ea typeface="Arial"/>
+                <a:cs typeface="Arial"/>
+                <a:sym typeface="Arial"/>
+              </a:rPr>
+              <a:t>지금부터 너는 “우리 기업의 최고 AI 전문가이자 컨설턴트”이야. </a:t>
+            </a:r>
+            <a:endParaRPr sz="1400" b="0" i="0" u="none" strike="noStrike" cap="none">
+              <a:solidFill>
+                <a:srgbClr val="000000"/>
+              </a:solidFill>
+              <a:latin typeface="Arial"/>
+              <a:ea typeface="Arial"/>
+              <a:cs typeface="Arial"/>
+              <a:sym typeface="Arial"/>
+            </a:endParaRPr>
+          </a:p>
+          <a:p>
+            <a:pPr marL="0" marR="0" lvl="0" indent="0" algn="l" rtl="0">
+              <a:lnSpc>
+                <a:spcPct val="100000"/>
+              </a:lnSpc>
+              <a:spcBef>
+                <a:spcPts val="0"/>
+              </a:spcBef>
+              <a:spcAft>
+                <a:spcPts val="0"/>
+              </a:spcAft>
+              <a:buClr>
+                <a:srgbClr val="000000"/>
+              </a:buClr>
+              <a:buSzPts val="1400"/>
+              <a:buFont typeface="Arial"/>
+              <a:buNone/>
+            </a:pPr>
+            <a:r>
+              <a:rPr lang="ko-KR" sz="1400" b="0" i="0" u="none" strike="noStrike" cap="none">
+                <a:solidFill>
+                  <a:srgbClr val="000000"/>
+                </a:solidFill>
+                <a:latin typeface="Arial"/>
+                <a:ea typeface="Arial"/>
+                <a:cs typeface="Arial"/>
+                <a:sym typeface="Arial"/>
+              </a:rPr>
+              <a:t>나는 네가 상세한 AI기획서를 만들어주는데, 목차 다음과 같이 해줘. 그리고 한글로 답해줘.</a:t>
+            </a:r>
+            <a:endParaRPr sz="1400" b="0" i="0" u="none" strike="noStrike" cap="none">
+              <a:solidFill>
+                <a:srgbClr val="000000"/>
+              </a:solidFill>
+              <a:latin typeface="Arial"/>
+              <a:ea typeface="Arial"/>
+              <a:cs typeface="Arial"/>
+              <a:sym typeface="Arial"/>
+            </a:endParaRPr>
+          </a:p>
+          <a:p>
+            <a:pPr marL="0" marR="0" lvl="0" indent="0" algn="l" rtl="0">
+              <a:lnSpc>
+                <a:spcPct val="100000"/>
+              </a:lnSpc>
+              <a:spcBef>
+                <a:spcPts val="0"/>
+              </a:spcBef>
+              <a:spcAft>
+                <a:spcPts val="0"/>
+              </a:spcAft>
+              <a:buClr>
+                <a:srgbClr val="000000"/>
+              </a:buClr>
+              <a:buSzPts val="1400"/>
+              <a:buFont typeface="Arial"/>
+              <a:buNone/>
+            </a:pPr>
+            <a:r>
+              <a:rPr lang="ko-KR" sz="1400" b="0" i="0" u="none" strike="noStrike" cap="none">
+                <a:solidFill>
+                  <a:srgbClr val="000000"/>
+                </a:solidFill>
+                <a:latin typeface="Arial"/>
+                <a:ea typeface="Arial"/>
+                <a:cs typeface="Arial"/>
+                <a:sym typeface="Arial"/>
+              </a:rPr>
+              <a:t>[목차]</a:t>
+            </a:r>
+            <a:endParaRPr sz="1400" b="0" i="0" u="none" strike="noStrike" cap="none">
+              <a:solidFill>
+                <a:srgbClr val="000000"/>
+              </a:solidFill>
+              <a:latin typeface="Arial"/>
+              <a:ea typeface="Arial"/>
+              <a:cs typeface="Arial"/>
+              <a:sym typeface="Arial"/>
+            </a:endParaRPr>
+          </a:p>
+          <a:p>
+            <a:pPr marL="0" marR="0" lvl="0" indent="0" algn="l" rtl="0">
+              <a:lnSpc>
+                <a:spcPct val="100000"/>
+              </a:lnSpc>
+              <a:spcBef>
+                <a:spcPts val="0"/>
+              </a:spcBef>
+              <a:spcAft>
+                <a:spcPts val="0"/>
+              </a:spcAft>
+              <a:buClr>
+                <a:srgbClr val="000000"/>
+              </a:buClr>
+              <a:buSzPts val="1400"/>
+              <a:buFont typeface="Arial"/>
+              <a:buNone/>
+            </a:pPr>
+            <a:r>
+              <a:rPr lang="ko-KR" sz="1400" b="0" i="0" u="none" strike="noStrike" cap="none">
+                <a:solidFill>
+                  <a:srgbClr val="000000"/>
+                </a:solidFill>
+                <a:latin typeface="Arial"/>
+                <a:ea typeface="Arial"/>
+                <a:cs typeface="Arial"/>
+                <a:sym typeface="Arial"/>
+              </a:rPr>
+              <a:t>1. 어떤 분야에 도입하려고 하는가</a:t>
+            </a:r>
+            <a:endParaRPr sz="1400" b="0" i="0" u="none" strike="noStrike" cap="none">
+              <a:solidFill>
+                <a:srgbClr val="000000"/>
+              </a:solidFill>
+              <a:latin typeface="Arial"/>
+              <a:ea typeface="Arial"/>
+              <a:cs typeface="Arial"/>
+              <a:sym typeface="Arial"/>
+            </a:endParaRPr>
+          </a:p>
+          <a:p>
+            <a:pPr marL="0" marR="0" lvl="0" indent="0" algn="l" rtl="0">
+              <a:lnSpc>
+                <a:spcPct val="100000"/>
+              </a:lnSpc>
+              <a:spcBef>
+                <a:spcPts val="0"/>
+              </a:spcBef>
+              <a:spcAft>
+                <a:spcPts val="0"/>
+              </a:spcAft>
+              <a:buClr>
+                <a:srgbClr val="000000"/>
+              </a:buClr>
+              <a:buSzPts val="1400"/>
+              <a:buFont typeface="Arial"/>
+              <a:buNone/>
+            </a:pPr>
+            <a:r>
+              <a:rPr lang="ko-KR" sz="1400" b="0" i="0" u="none" strike="noStrike" cap="none">
+                <a:solidFill>
+                  <a:srgbClr val="000000"/>
+                </a:solidFill>
+                <a:latin typeface="Arial"/>
+                <a:ea typeface="Arial"/>
+                <a:cs typeface="Arial"/>
+                <a:sym typeface="Arial"/>
+              </a:rPr>
+              <a:t>2. 현재 어떤 문제가 있는지</a:t>
+            </a:r>
+            <a:endParaRPr sz="1400" b="0" i="0" u="none" strike="noStrike" cap="none">
+              <a:solidFill>
+                <a:srgbClr val="000000"/>
+              </a:solidFill>
+              <a:latin typeface="Arial"/>
+              <a:ea typeface="Arial"/>
+              <a:cs typeface="Arial"/>
+              <a:sym typeface="Arial"/>
+            </a:endParaRPr>
+          </a:p>
+          <a:p>
+            <a:pPr marL="0" marR="0" lvl="0" indent="0" algn="l" rtl="0">
+              <a:lnSpc>
+                <a:spcPct val="100000"/>
+              </a:lnSpc>
+              <a:spcBef>
+                <a:spcPts val="0"/>
+              </a:spcBef>
+              <a:spcAft>
+                <a:spcPts val="0"/>
+              </a:spcAft>
+              <a:buClr>
+                <a:srgbClr val="000000"/>
+              </a:buClr>
+              <a:buSzPts val="1400"/>
+              <a:buFont typeface="Arial"/>
+              <a:buNone/>
+            </a:pPr>
+            <a:r>
+              <a:rPr lang="ko-KR" sz="1400" b="0" i="0" u="none" strike="noStrike" cap="none">
+                <a:solidFill>
+                  <a:srgbClr val="000000"/>
+                </a:solidFill>
+                <a:latin typeface="Arial"/>
+                <a:ea typeface="Arial"/>
+                <a:cs typeface="Arial"/>
+                <a:sym typeface="Arial"/>
+              </a:rPr>
+              <a:t>3. 사용자는 누구인가</a:t>
+            </a:r>
+            <a:endParaRPr sz="1400" b="0" i="0" u="none" strike="noStrike" cap="none">
+              <a:solidFill>
+                <a:srgbClr val="000000"/>
+              </a:solidFill>
+              <a:latin typeface="Arial"/>
+              <a:ea typeface="Arial"/>
+              <a:cs typeface="Arial"/>
+              <a:sym typeface="Arial"/>
+            </a:endParaRPr>
+          </a:p>
+          <a:p>
+            <a:pPr marL="0" marR="0" lvl="0" indent="0" algn="l" rtl="0">
+              <a:lnSpc>
+                <a:spcPct val="100000"/>
+              </a:lnSpc>
+              <a:spcBef>
+                <a:spcPts val="0"/>
+              </a:spcBef>
+              <a:spcAft>
+                <a:spcPts val="0"/>
+              </a:spcAft>
+              <a:buClr>
+                <a:srgbClr val="000000"/>
+              </a:buClr>
+              <a:buSzPts val="1400"/>
+              <a:buFont typeface="Arial"/>
+              <a:buNone/>
+            </a:pPr>
+            <a:r>
+              <a:rPr lang="ko-KR" sz="1400" b="0" i="0" u="none" strike="noStrike" cap="none">
+                <a:solidFill>
+                  <a:srgbClr val="000000"/>
+                </a:solidFill>
+                <a:latin typeface="Arial"/>
+                <a:ea typeface="Arial"/>
+                <a:cs typeface="Arial"/>
+                <a:sym typeface="Arial"/>
+              </a:rPr>
+              <a:t>4. 문제 해결을 위한 AI 기능</a:t>
+            </a:r>
+            <a:endParaRPr sz="1400" b="0" i="0" u="none" strike="noStrike" cap="none">
+              <a:solidFill>
+                <a:srgbClr val="000000"/>
+              </a:solidFill>
+              <a:latin typeface="Arial"/>
+              <a:ea typeface="Arial"/>
+              <a:cs typeface="Arial"/>
+              <a:sym typeface="Arial"/>
+            </a:endParaRPr>
+          </a:p>
+          <a:p>
+            <a:pPr marL="0" marR="0" lvl="0" indent="0" algn="l" rtl="0">
+              <a:lnSpc>
+                <a:spcPct val="100000"/>
+              </a:lnSpc>
+              <a:spcBef>
+                <a:spcPts val="0"/>
+              </a:spcBef>
+              <a:spcAft>
+                <a:spcPts val="0"/>
+              </a:spcAft>
+              <a:buClr>
+                <a:srgbClr val="000000"/>
+              </a:buClr>
+              <a:buSzPts val="1400"/>
+              <a:buFont typeface="Arial"/>
+              <a:buNone/>
+            </a:pPr>
+            <a:r>
+              <a:rPr lang="ko-KR" sz="1400" b="0" i="0" u="none" strike="noStrike" cap="none">
+                <a:solidFill>
+                  <a:srgbClr val="000000"/>
+                </a:solidFill>
+                <a:latin typeface="Arial"/>
+                <a:ea typeface="Arial"/>
+                <a:cs typeface="Arial"/>
+                <a:sym typeface="Arial"/>
+              </a:rPr>
+              <a:t>5. 데이터 정의 및 확보방안</a:t>
+            </a:r>
+            <a:endParaRPr sz="1400" b="0" i="0" u="none" strike="noStrike" cap="none">
+              <a:solidFill>
+                <a:srgbClr val="000000"/>
+              </a:solidFill>
+              <a:latin typeface="Arial"/>
+              <a:ea typeface="Arial"/>
+              <a:cs typeface="Arial"/>
+              <a:sym typeface="Arial"/>
+            </a:endParaRPr>
+          </a:p>
+          <a:p>
+            <a:pPr marL="0" marR="0" lvl="0" indent="0" algn="l" rtl="0">
+              <a:lnSpc>
+                <a:spcPct val="100000"/>
+              </a:lnSpc>
+              <a:spcBef>
+                <a:spcPts val="0"/>
+              </a:spcBef>
+              <a:spcAft>
+                <a:spcPts val="0"/>
+              </a:spcAft>
+              <a:buClr>
+                <a:srgbClr val="000000"/>
+              </a:buClr>
+              <a:buSzPts val="1400"/>
+              <a:buFont typeface="Arial"/>
+              <a:buNone/>
+            </a:pPr>
+            <a:r>
+              <a:rPr lang="ko-KR" sz="1400" b="0" i="0" u="none" strike="noStrike" cap="none">
+                <a:solidFill>
+                  <a:srgbClr val="000000"/>
+                </a:solidFill>
+                <a:latin typeface="Arial"/>
+                <a:ea typeface="Arial"/>
+                <a:cs typeface="Arial"/>
+                <a:sym typeface="Arial"/>
+              </a:rPr>
+              <a:t>6. AI모델 설계</a:t>
+            </a:r>
+            <a:endParaRPr sz="1400" b="0" i="0" u="none" strike="noStrike" cap="none">
+              <a:solidFill>
+                <a:srgbClr val="000000"/>
+              </a:solidFill>
+              <a:latin typeface="Arial"/>
+              <a:ea typeface="Arial"/>
+              <a:cs typeface="Arial"/>
+              <a:sym typeface="Arial"/>
+            </a:endParaRPr>
+          </a:p>
+          <a:p>
+            <a:pPr marL="0" marR="0" lvl="0" indent="0" algn="l" rtl="0">
+              <a:lnSpc>
+                <a:spcPct val="100000"/>
+              </a:lnSpc>
+              <a:spcBef>
+                <a:spcPts val="0"/>
+              </a:spcBef>
+              <a:spcAft>
+                <a:spcPts val="0"/>
+              </a:spcAft>
+              <a:buClr>
+                <a:srgbClr val="000000"/>
+              </a:buClr>
+              <a:buSzPts val="1400"/>
+              <a:buFont typeface="Arial"/>
+              <a:buNone/>
+            </a:pPr>
+            <a:r>
+              <a:rPr lang="ko-KR" sz="1400" b="0" i="0" u="none" strike="noStrike" cap="none">
+                <a:solidFill>
+                  <a:srgbClr val="000000"/>
+                </a:solidFill>
+                <a:latin typeface="Arial"/>
+                <a:ea typeface="Arial"/>
+                <a:cs typeface="Arial"/>
+                <a:sym typeface="Arial"/>
+              </a:rPr>
+              <a:t>7. 구현방안</a:t>
+            </a:r>
+            <a:endParaRPr sz="1400" b="0" i="0" u="none" strike="noStrike" cap="none">
+              <a:solidFill>
+                <a:srgbClr val="000000"/>
+              </a:solidFill>
+              <a:latin typeface="Arial"/>
+              <a:ea typeface="Arial"/>
+              <a:cs typeface="Arial"/>
+              <a:sym typeface="Arial"/>
+            </a:endParaRPr>
+          </a:p>
+          <a:p>
+            <a:pPr marL="0" marR="0" lvl="0" indent="0" algn="l" rtl="0">
+              <a:lnSpc>
+                <a:spcPct val="100000"/>
+              </a:lnSpc>
+              <a:spcBef>
+                <a:spcPts val="0"/>
+              </a:spcBef>
+              <a:spcAft>
+                <a:spcPts val="0"/>
+              </a:spcAft>
+              <a:buClr>
+                <a:srgbClr val="000000"/>
+              </a:buClr>
+              <a:buSzPts val="1400"/>
+              <a:buFont typeface="Arial"/>
+              <a:buNone/>
+            </a:pPr>
+            <a:r>
+              <a:rPr lang="ko-KR" sz="1400" b="0" i="0" u="none" strike="noStrike" cap="none">
+                <a:solidFill>
+                  <a:srgbClr val="000000"/>
+                </a:solidFill>
+                <a:latin typeface="Arial"/>
+                <a:ea typeface="Arial"/>
+                <a:cs typeface="Arial"/>
+                <a:sym typeface="Arial"/>
+              </a:rPr>
+              <a:t>8. 부서별 역할 및 KPI, 업무협업 프로세스</a:t>
+            </a:r>
+            <a:endParaRPr sz="1400" b="0" i="0" u="none" strike="noStrike" cap="none">
+              <a:solidFill>
+                <a:srgbClr val="000000"/>
+              </a:solidFill>
+              <a:latin typeface="Arial"/>
+              <a:ea typeface="Arial"/>
+              <a:cs typeface="Arial"/>
+              <a:sym typeface="Arial"/>
+            </a:endParaRPr>
+          </a:p>
+          <a:p>
+            <a:pPr marL="0" marR="0" lvl="0" indent="0" algn="l" rtl="0">
+              <a:lnSpc>
+                <a:spcPct val="100000"/>
+              </a:lnSpc>
+              <a:spcBef>
+                <a:spcPts val="0"/>
+              </a:spcBef>
+              <a:spcAft>
+                <a:spcPts val="0"/>
+              </a:spcAft>
+              <a:buClr>
+                <a:srgbClr val="000000"/>
+              </a:buClr>
+              <a:buSzPts val="1400"/>
+              <a:buFont typeface="Arial"/>
+              <a:buNone/>
+            </a:pPr>
+            <a:r>
+              <a:rPr lang="ko-KR" sz="1400" b="0" i="0" u="none" strike="noStrike" cap="none">
+                <a:solidFill>
+                  <a:srgbClr val="000000"/>
+                </a:solidFill>
+                <a:latin typeface="Arial"/>
+                <a:ea typeface="Arial"/>
+                <a:cs typeface="Arial"/>
+                <a:sym typeface="Arial"/>
+              </a:rPr>
+              <a:t>9. AI 도입 성과 평가를 어떻게 측정할 것인가</a:t>
+            </a:r>
+            <a:endParaRPr sz="1400" b="0" i="0" u="none" strike="noStrike" cap="none">
+              <a:solidFill>
+                <a:srgbClr val="000000"/>
+              </a:solidFill>
+              <a:latin typeface="Arial"/>
+              <a:ea typeface="Arial"/>
+              <a:cs typeface="Arial"/>
+              <a:sym typeface="Arial"/>
+            </a:endParaRPr>
+          </a:p>
+          <a:p>
+            <a:pPr marL="0" marR="0" lvl="0" indent="0" algn="l" rtl="0">
+              <a:lnSpc>
+                <a:spcPct val="100000"/>
+              </a:lnSpc>
+              <a:spcBef>
+                <a:spcPts val="0"/>
+              </a:spcBef>
+              <a:spcAft>
+                <a:spcPts val="0"/>
+              </a:spcAft>
+              <a:buClr>
+                <a:srgbClr val="000000"/>
+              </a:buClr>
+              <a:buSzPts val="1400"/>
+              <a:buFont typeface="Arial"/>
+              <a:buNone/>
+            </a:pPr>
+            <a:r>
+              <a:rPr lang="ko-KR" sz="1400" b="0" i="0" u="none" strike="noStrike" cap="none">
+                <a:solidFill>
+                  <a:srgbClr val="000000"/>
+                </a:solidFill>
+                <a:latin typeface="Arial"/>
+                <a:ea typeface="Arial"/>
+                <a:cs typeface="Arial"/>
+                <a:sym typeface="Arial"/>
+              </a:rPr>
+              <a:t>10. 향후 전사 확대방안</a:t>
+            </a:r>
+            <a:endParaRPr sz="1400" b="0" i="0" u="none" strike="noStrike" cap="none">
+              <a:solidFill>
+                <a:srgbClr val="000000"/>
+              </a:solidFill>
+              <a:latin typeface="Arial"/>
+              <a:ea typeface="Arial"/>
+              <a:cs typeface="Arial"/>
+              <a:sym typeface="Arial"/>
+            </a:endParaRPr>
+          </a:p>
+          <a:p>
+            <a:pPr marL="0" marR="0" lvl="0" indent="0" algn="l" rtl="0">
+              <a:lnSpc>
+                <a:spcPct val="100000"/>
+              </a:lnSpc>
+              <a:spcBef>
+                <a:spcPts val="0"/>
+              </a:spcBef>
+              <a:spcAft>
+                <a:spcPts val="0"/>
+              </a:spcAft>
+              <a:buClr>
+                <a:srgbClr val="000000"/>
+              </a:buClr>
+              <a:buSzPts val="1400"/>
+              <a:buFont typeface="Arial"/>
+              <a:buNone/>
+            </a:pPr>
+            <a:r>
+              <a:rPr lang="ko-KR" sz="1400" b="0" i="0" u="none" strike="noStrike" cap="none">
+                <a:solidFill>
+                  <a:srgbClr val="000000"/>
+                </a:solidFill>
+                <a:latin typeface="Arial"/>
+                <a:ea typeface="Arial"/>
+                <a:cs typeface="Arial"/>
+                <a:sym typeface="Arial"/>
+              </a:rPr>
+              <a:t>11. 참고자료</a:t>
+            </a:r>
+            <a:endParaRPr sz="1400" b="0" i="0" u="none" strike="noStrike" cap="none">
+              <a:solidFill>
+                <a:srgbClr val="000000"/>
+              </a:solidFill>
+              <a:latin typeface="Arial"/>
+              <a:ea typeface="Arial"/>
+              <a:cs typeface="Arial"/>
+              <a:sym typeface="Arial"/>
+            </a:endParaRPr>
+          </a:p>
+          <a:p>
+            <a:pPr marL="0" marR="0" lvl="0" indent="0" algn="l" rtl="0">
+              <a:lnSpc>
+                <a:spcPct val="100000"/>
+              </a:lnSpc>
+              <a:spcBef>
+                <a:spcPts val="0"/>
+              </a:spcBef>
+              <a:spcAft>
+                <a:spcPts val="0"/>
+              </a:spcAft>
+              <a:buClr>
+                <a:srgbClr val="000000"/>
+              </a:buClr>
+              <a:buSzPts val="1400"/>
+              <a:buFont typeface="Arial"/>
+              <a:buNone/>
+            </a:pPr>
+            <a:r>
+              <a:rPr lang="ko-KR" sz="1400" b="0" i="0" u="none" strike="noStrike" cap="none">
+                <a:solidFill>
+                  <a:srgbClr val="000000"/>
+                </a:solidFill>
+                <a:latin typeface="Arial"/>
+                <a:ea typeface="Arial"/>
+                <a:cs typeface="Arial"/>
+                <a:sym typeface="Arial"/>
+              </a:rPr>
+              <a:t>12. 각 사람의 역할 </a:t>
+            </a:r>
+            <a:endParaRPr sz="1400" b="0" i="0" u="none" strike="noStrike" cap="none">
+              <a:solidFill>
+                <a:srgbClr val="000000"/>
+              </a:solidFill>
+              <a:latin typeface="Arial"/>
+              <a:ea typeface="Arial"/>
+              <a:cs typeface="Arial"/>
+              <a:sym typeface="Arial"/>
+            </a:endParaRPr>
+          </a:p>
+          <a:p>
+            <a:pPr marL="0" marR="0" lvl="0" indent="0" algn="l" rtl="0">
+              <a:lnSpc>
+                <a:spcPct val="100000"/>
+              </a:lnSpc>
+              <a:spcBef>
+                <a:spcPts val="0"/>
+              </a:spcBef>
+              <a:spcAft>
+                <a:spcPts val="0"/>
+              </a:spcAft>
+              <a:buClr>
+                <a:srgbClr val="000000"/>
+              </a:buClr>
+              <a:buSzPts val="1400"/>
+              <a:buFont typeface="Arial"/>
+              <a:buNone/>
+            </a:pPr>
+            <a:r>
+              <a:rPr lang="ko-KR" sz="1400" b="0" i="0" u="none" strike="noStrike" cap="none">
+                <a:solidFill>
+                  <a:srgbClr val="000000"/>
+                </a:solidFill>
+                <a:latin typeface="Arial"/>
+                <a:ea typeface="Arial"/>
+                <a:cs typeface="Arial"/>
+                <a:sym typeface="Arial"/>
+              </a:rPr>
+              <a:t>[요구사항]</a:t>
+            </a:r>
+            <a:endParaRPr sz="1400" b="0" i="0" u="none" strike="noStrike" cap="none">
+              <a:solidFill>
+                <a:srgbClr val="000000"/>
+              </a:solidFill>
+              <a:latin typeface="Arial"/>
+              <a:ea typeface="Arial"/>
+              <a:cs typeface="Arial"/>
+              <a:sym typeface="Arial"/>
+            </a:endParaRPr>
+          </a:p>
+          <a:p>
+            <a:pPr marL="0" marR="0" lvl="0" indent="0" algn="l" rtl="0">
+              <a:lnSpc>
+                <a:spcPct val="100000"/>
+              </a:lnSpc>
+              <a:spcBef>
+                <a:spcPts val="0"/>
+              </a:spcBef>
+              <a:spcAft>
+                <a:spcPts val="0"/>
+              </a:spcAft>
+              <a:buClr>
+                <a:srgbClr val="000000"/>
+              </a:buClr>
+              <a:buSzPts val="1400"/>
+              <a:buFont typeface="Arial"/>
+              <a:buNone/>
+            </a:pPr>
+            <a:r>
+              <a:rPr lang="ko-KR" sz="1400" b="0" i="0" u="none" strike="noStrike" cap="none">
+                <a:solidFill>
+                  <a:srgbClr val="000000"/>
+                </a:solidFill>
+                <a:latin typeface="Arial"/>
+                <a:ea typeface="Arial"/>
+                <a:cs typeface="Arial"/>
+                <a:sym typeface="Arial"/>
+              </a:rPr>
+              <a:t>6장의 AI모델설계는 실제로 AI모델을 만들어주고, 해당 참고자료를 11장에서 제시해줘. </a:t>
+            </a:r>
+            <a:endParaRPr sz="1400" b="0" i="0" u="none" strike="noStrike" cap="none">
+              <a:solidFill>
+                <a:srgbClr val="000000"/>
+              </a:solidFill>
+              <a:latin typeface="Arial"/>
+              <a:ea typeface="Arial"/>
+              <a:cs typeface="Arial"/>
+              <a:sym typeface="Arial"/>
+            </a:endParaRPr>
+          </a:p>
+          <a:p>
+            <a:pPr marL="0" marR="0" lvl="0" indent="0" algn="l" rtl="0">
+              <a:lnSpc>
+                <a:spcPct val="100000"/>
+              </a:lnSpc>
+              <a:spcBef>
+                <a:spcPts val="0"/>
+              </a:spcBef>
+              <a:spcAft>
+                <a:spcPts val="0"/>
+              </a:spcAft>
+              <a:buClr>
+                <a:srgbClr val="000000"/>
+              </a:buClr>
+              <a:buSzPts val="1400"/>
+              <a:buFont typeface="Arial"/>
+              <a:buNone/>
+            </a:pPr>
+            <a:r>
+              <a:rPr lang="ko-KR" sz="1400" b="0" i="0" u="none" strike="noStrike" cap="none">
+                <a:solidFill>
+                  <a:srgbClr val="000000"/>
+                </a:solidFill>
+                <a:latin typeface="Arial"/>
+                <a:ea typeface="Arial"/>
+                <a:cs typeface="Arial"/>
+                <a:sym typeface="Arial"/>
+              </a:rPr>
+              <a:t>우리조는 4명인데 12장에서 각사람의 역할은 니가 알아서 결정해줘.</a:t>
+            </a:r>
+            <a:endParaRPr sz="1400" b="0" i="0" u="none" strike="noStrike" cap="none">
+              <a:solidFill>
+                <a:srgbClr val="000000"/>
+              </a:solidFill>
+              <a:latin typeface="Arial"/>
+              <a:ea typeface="Arial"/>
+              <a:cs typeface="Arial"/>
+              <a:sym typeface="Arial"/>
+            </a:endParaRPr>
+          </a:p>
+          <a:p>
+            <a:pPr marL="0" marR="0" lvl="0" indent="0" algn="l" rtl="0">
+              <a:lnSpc>
+                <a:spcPct val="100000"/>
+              </a:lnSpc>
+              <a:spcBef>
+                <a:spcPts val="0"/>
+              </a:spcBef>
+              <a:spcAft>
+                <a:spcPts val="0"/>
+              </a:spcAft>
+              <a:buClr>
+                <a:srgbClr val="000000"/>
+              </a:buClr>
+              <a:buSzPts val="1400"/>
+              <a:buFont typeface="Arial"/>
+              <a:buNone/>
+            </a:pPr>
+            <a:r>
+              <a:rPr lang="ko-KR" sz="1400" b="0" i="0" u="none" strike="noStrike" cap="none">
+                <a:solidFill>
+                  <a:srgbClr val="000000"/>
+                </a:solidFill>
+                <a:latin typeface="Arial"/>
+                <a:ea typeface="Arial"/>
+                <a:cs typeface="Arial"/>
+                <a:sym typeface="Arial"/>
+              </a:rPr>
+              <a:t>이 계획대로 AI를 도입했을 때, 가장 경제적으로 효과가 있어야 하며, </a:t>
+            </a:r>
+            <a:endParaRPr sz="1400" b="0" i="0" u="none" strike="noStrike" cap="none">
+              <a:solidFill>
+                <a:srgbClr val="000000"/>
+              </a:solidFill>
+              <a:latin typeface="Arial"/>
+              <a:ea typeface="Arial"/>
+              <a:cs typeface="Arial"/>
+              <a:sym typeface="Arial"/>
+            </a:endParaRPr>
+          </a:p>
+          <a:p>
+            <a:pPr marL="0" marR="0" lvl="0" indent="0" algn="l" rtl="0">
+              <a:lnSpc>
+                <a:spcPct val="100000"/>
+              </a:lnSpc>
+              <a:spcBef>
+                <a:spcPts val="0"/>
+              </a:spcBef>
+              <a:spcAft>
+                <a:spcPts val="0"/>
+              </a:spcAft>
+              <a:buClr>
+                <a:srgbClr val="000000"/>
+              </a:buClr>
+              <a:buSzPts val="1400"/>
+              <a:buFont typeface="Arial"/>
+              <a:buNone/>
+            </a:pPr>
+            <a:r>
+              <a:rPr lang="ko-KR" sz="1400" b="0" i="0" u="none" strike="noStrike" cap="none">
+                <a:solidFill>
+                  <a:srgbClr val="000000"/>
+                </a:solidFill>
+                <a:latin typeface="Arial"/>
+                <a:ea typeface="Arial"/>
+                <a:cs typeface="Arial"/>
+                <a:sym typeface="Arial"/>
+              </a:rPr>
+              <a:t>구현가능하고, 세상에 없는 참신한 아이디어야 해. </a:t>
+            </a:r>
+            <a:endParaRPr sz="1400" b="0" i="0" u="none" strike="noStrike" cap="none">
+              <a:solidFill>
+                <a:srgbClr val="000000"/>
+              </a:solidFill>
+              <a:latin typeface="Arial"/>
+              <a:ea typeface="Arial"/>
+              <a:cs typeface="Arial"/>
+              <a:sym typeface="Arial"/>
+            </a:endParaRPr>
+          </a:p>
+          <a:p>
+            <a:pPr marL="0" marR="0" lvl="0" indent="0" algn="l" rtl="0">
+              <a:lnSpc>
+                <a:spcPct val="100000"/>
+              </a:lnSpc>
+              <a:spcBef>
+                <a:spcPts val="0"/>
+              </a:spcBef>
+              <a:spcAft>
+                <a:spcPts val="0"/>
+              </a:spcAft>
+              <a:buClr>
+                <a:srgbClr val="000000"/>
+              </a:buClr>
+              <a:buSzPts val="1400"/>
+              <a:buFont typeface="Arial"/>
+              <a:buNone/>
+            </a:pPr>
+            <a:r>
+              <a:rPr lang="ko-KR" sz="1400" b="0" i="0" u="none" strike="noStrike" cap="none">
+                <a:solidFill>
+                  <a:srgbClr val="000000"/>
+                </a:solidFill>
+                <a:latin typeface="Arial"/>
+                <a:ea typeface="Arial"/>
+                <a:cs typeface="Arial"/>
+                <a:sym typeface="Arial"/>
+              </a:rPr>
+              <a:t>중간에 너는 나에게 질문</a:t>
+            </a:r>
+            <a:endParaRPr/>
+          </a:p>
+          <a:p>
+            <a:pPr marL="0" marR="0" lvl="0" indent="0" algn="l" rtl="0">
+              <a:lnSpc>
+                <a:spcPct val="100000"/>
+              </a:lnSpc>
+              <a:spcBef>
+                <a:spcPts val="0"/>
+              </a:spcBef>
+              <a:spcAft>
+                <a:spcPts val="0"/>
+              </a:spcAft>
+              <a:buClr>
+                <a:srgbClr val="000000"/>
+              </a:buClr>
+              <a:buSzPts val="1400"/>
+              <a:buFont typeface="Arial"/>
+              <a:buNone/>
+            </a:pPr>
+            <a:r>
+              <a:rPr lang="ko-KR" sz="1400" b="0" i="0" u="none" strike="noStrike" cap="none">
+                <a:solidFill>
+                  <a:srgbClr val="000000"/>
+                </a:solidFill>
+                <a:latin typeface="Arial"/>
+                <a:ea typeface="Arial"/>
+                <a:cs typeface="Arial"/>
+                <a:sym typeface="Arial"/>
+              </a:rPr>
+              <a:t>을 할 수 있으니 언제든지 질문해줘. </a:t>
+            </a:r>
+            <a:endParaRPr sz="1400" b="0" i="0" u="none" strike="noStrike" cap="none">
+              <a:solidFill>
+                <a:srgbClr val="000000"/>
+              </a:solidFill>
+              <a:latin typeface="Arial"/>
+              <a:ea typeface="Arial"/>
+              <a:cs typeface="Arial"/>
+              <a:sym typeface="Arial"/>
+            </a:endParaRPr>
+          </a:p>
+          <a:p>
+            <a:pPr marL="0" marR="0" lvl="0" indent="0" algn="l" rtl="0">
+              <a:lnSpc>
+                <a:spcPct val="100000"/>
+              </a:lnSpc>
+              <a:spcBef>
+                <a:spcPts val="0"/>
+              </a:spcBef>
+              <a:spcAft>
+                <a:spcPts val="0"/>
+              </a:spcAft>
+              <a:buClr>
+                <a:srgbClr val="000000"/>
+              </a:buClr>
+              <a:buSzPts val="1400"/>
+              <a:buFont typeface="Arial"/>
+              <a:buNone/>
+            </a:pPr>
+            <a:r>
+              <a:rPr lang="ko-KR" sz="1400" b="0" i="0" u="none" strike="noStrike" cap="none">
+                <a:solidFill>
+                  <a:srgbClr val="000000"/>
+                </a:solidFill>
+                <a:latin typeface="Arial"/>
+                <a:ea typeface="Arial"/>
+                <a:cs typeface="Arial"/>
+                <a:sym typeface="Arial"/>
+              </a:rPr>
+              <a:t>[현재까지 만든 자료]</a:t>
+            </a:r>
+            <a:endParaRPr sz="1400" b="0" i="0" u="none" strike="noStrike" cap="none">
+              <a:solidFill>
+                <a:srgbClr val="000000"/>
+              </a:solidFill>
+              <a:latin typeface="Arial"/>
+              <a:ea typeface="Arial"/>
+              <a:cs typeface="Arial"/>
+              <a:sym typeface="Arial"/>
+            </a:endParaRPr>
+          </a:p>
+        </p:txBody>
+      </p:sp>
+    </p:spTree>
+    <p:extLst>
+      <p:ext uri="{BB962C8B-B14F-4D97-AF65-F5344CB8AC3E}">
+        <p14:creationId xmlns:p14="http://schemas.microsoft.com/office/powerpoint/2010/main" val="2905011953"/>
+      </p:ext>
+    </p:extLst>
+  </p:cSld>
+  <p:clrMapOvr>
+    <a:masterClrMapping/>
+  </p:clrMapOvr>
+</p:sld>
+</file>
+
+<file path=ppt/slides/slide21.xml><?xml version="1.0" encoding="utf-8"?>
+<p:sld xmlns:a="http://schemas.openxmlformats.org/drawingml/2006/main" xmlns:r="http://schemas.openxmlformats.org/officeDocument/2006/relationships" xmlns:p="http://schemas.openxmlformats.org/presentationml/2006/main">
+  <p:cSld>
+    <p:spTree>
+      <p:nvGrpSpPr>
+        <p:cNvPr id="1" name=""/>
+        <p:cNvGrpSpPr/>
+        <p:nvPr/>
+      </p:nvGrpSpPr>
+      <p:grpSpPr>
+        <a:xfrm>
+          <a:off x="0" y="0"/>
+          <a:ext cx="0" cy="0"/>
+          <a:chOff x="0" y="0"/>
+          <a:chExt cx="0" cy="0"/>
+        </a:xfrm>
+      </p:grpSpPr>
+      <p:sp>
+        <p:nvSpPr>
+          <p:cNvPr id="2" name="제목 1">
+            <a:extLst>
+              <a:ext uri="{FF2B5EF4-FFF2-40B4-BE49-F238E27FC236}">
+                <a16:creationId xmlns:a16="http://schemas.microsoft.com/office/drawing/2014/main" id="{4CBA36E2-4277-5F22-DCA4-09528505125E}"/>
+              </a:ext>
+            </a:extLst>
+          </p:cNvPr>
+          <p:cNvSpPr>
+            <a:spLocks noGrp="1"/>
+          </p:cNvSpPr>
+          <p:nvPr>
+            <p:ph type="title"/>
+          </p:nvPr>
+        </p:nvSpPr>
+        <p:spPr/>
+        <p:txBody>
+          <a:bodyPr/>
+          <a:lstStyle/>
+          <a:p>
+            <a:endParaRPr lang="ko-KR" altLang="en-US"/>
+          </a:p>
+        </p:txBody>
+      </p:sp>
+      <p:sp>
+        <p:nvSpPr>
+          <p:cNvPr id="4" name="Google Shape;209;p29">
+            <a:extLst>
+              <a:ext uri="{FF2B5EF4-FFF2-40B4-BE49-F238E27FC236}">
+                <a16:creationId xmlns:a16="http://schemas.microsoft.com/office/drawing/2014/main" id="{50807744-678E-EAAA-7D08-E10E44C2023D}"/>
+              </a:ext>
+            </a:extLst>
+          </p:cNvPr>
+          <p:cNvSpPr txBox="1"/>
+          <p:nvPr/>
+        </p:nvSpPr>
+        <p:spPr>
+          <a:xfrm>
+            <a:off x="1200177" y="1180271"/>
+            <a:ext cx="6094602" cy="5262979"/>
+          </a:xfrm>
+          <a:prstGeom prst="rect">
+            <a:avLst/>
+          </a:prstGeom>
+          <a:noFill/>
+          <a:ln>
+            <a:noFill/>
+          </a:ln>
+        </p:spPr>
+        <p:txBody>
+          <a:bodyPr spcFirstLastPara="1" wrap="square" lIns="91425" tIns="45700" rIns="91425" bIns="45700" anchor="t" anchorCtr="0">
+            <a:spAutoFit/>
+          </a:bodyPr>
+          <a:lstStyle/>
+          <a:p>
+            <a:pPr marL="0" marR="0" lvl="0" indent="0" algn="l" rtl="0">
+              <a:lnSpc>
+                <a:spcPct val="100000"/>
+              </a:lnSpc>
+              <a:spcBef>
+                <a:spcPts val="0"/>
+              </a:spcBef>
+              <a:spcAft>
+                <a:spcPts val="0"/>
+              </a:spcAft>
+              <a:buNone/>
+            </a:pPr>
+            <a:r>
+              <a:rPr lang="ko-KR" sz="1400" b="0" i="0" u="none" strike="noStrike" cap="none">
+                <a:solidFill>
+                  <a:srgbClr val="000000"/>
+                </a:solidFill>
+                <a:latin typeface="Arial"/>
+                <a:ea typeface="Arial"/>
+                <a:cs typeface="Arial"/>
+                <a:sym typeface="Arial"/>
+              </a:rPr>
+              <a:t>AI도입목적</a:t>
+            </a:r>
+            <a:endParaRPr/>
+          </a:p>
+          <a:p>
+            <a:pPr marL="0" marR="0" lvl="0" indent="0" algn="l" rtl="0">
+              <a:lnSpc>
+                <a:spcPct val="100000"/>
+              </a:lnSpc>
+              <a:spcBef>
+                <a:spcPts val="0"/>
+              </a:spcBef>
+              <a:spcAft>
+                <a:spcPts val="0"/>
+              </a:spcAft>
+              <a:buNone/>
+            </a:pPr>
+            <a:r>
+              <a:rPr lang="ko-KR" sz="1400" b="0" i="0" u="none" strike="noStrike" cap="none">
+                <a:solidFill>
+                  <a:srgbClr val="000000"/>
+                </a:solidFill>
+                <a:latin typeface="Arial"/>
+                <a:ea typeface="Arial"/>
+                <a:cs typeface="Arial"/>
+                <a:sym typeface="Arial"/>
+              </a:rPr>
+              <a:t>- 금리, 한도 결정. 대출금리%, 대출금액 한도의 AI 결정 활용</a:t>
+            </a:r>
+            <a:endParaRPr/>
+          </a:p>
+          <a:p>
+            <a:pPr marL="0" marR="0" lvl="0" indent="0" algn="l" rtl="0">
+              <a:lnSpc>
+                <a:spcPct val="100000"/>
+              </a:lnSpc>
+              <a:spcBef>
+                <a:spcPts val="0"/>
+              </a:spcBef>
+              <a:spcAft>
+                <a:spcPts val="0"/>
+              </a:spcAft>
+              <a:buNone/>
+            </a:pPr>
+            <a:r>
+              <a:rPr lang="ko-KR" sz="1400" b="0" i="0" u="none" strike="noStrike" cap="none">
+                <a:solidFill>
+                  <a:srgbClr val="000000"/>
+                </a:solidFill>
+                <a:latin typeface="Arial"/>
+                <a:ea typeface="Arial"/>
+                <a:cs typeface="Arial"/>
+                <a:sym typeface="Arial"/>
+              </a:rPr>
+              <a:t>- 대출 승인여부 판단. 입력된 데이터 기반의 AI 모델 승인 여부 판단 활용</a:t>
+            </a:r>
+            <a:endParaRPr/>
+          </a:p>
+          <a:p>
+            <a:pPr marL="0" marR="0" lvl="0" indent="0" algn="l" rtl="0">
+              <a:lnSpc>
+                <a:spcPct val="100000"/>
+              </a:lnSpc>
+              <a:spcBef>
+                <a:spcPts val="0"/>
+              </a:spcBef>
+              <a:spcAft>
+                <a:spcPts val="0"/>
+              </a:spcAft>
+              <a:buNone/>
+            </a:pPr>
+            <a:endParaRPr sz="1400" b="0" i="0" u="none" strike="noStrike" cap="none">
+              <a:solidFill>
+                <a:srgbClr val="000000"/>
+              </a:solidFill>
+              <a:latin typeface="Arial"/>
+              <a:ea typeface="Arial"/>
+              <a:cs typeface="Arial"/>
+              <a:sym typeface="Arial"/>
+            </a:endParaRPr>
+          </a:p>
+          <a:p>
+            <a:pPr marL="0" marR="0" lvl="0" indent="0" algn="l" rtl="0">
+              <a:lnSpc>
+                <a:spcPct val="100000"/>
+              </a:lnSpc>
+              <a:spcBef>
+                <a:spcPts val="0"/>
+              </a:spcBef>
+              <a:spcAft>
+                <a:spcPts val="0"/>
+              </a:spcAft>
+              <a:buNone/>
+            </a:pPr>
+            <a:r>
+              <a:rPr lang="ko-KR" sz="1400" b="0" i="0" u="none" strike="noStrike" cap="none">
+                <a:solidFill>
+                  <a:srgbClr val="000000"/>
+                </a:solidFill>
+                <a:latin typeface="Arial"/>
+                <a:ea typeface="Arial"/>
+                <a:cs typeface="Arial"/>
+                <a:sym typeface="Arial"/>
+              </a:rPr>
+              <a:t>도입이유</a:t>
+            </a:r>
+            <a:endParaRPr/>
+          </a:p>
+          <a:p>
+            <a:pPr marL="0" marR="0" lvl="0" indent="0" algn="l" rtl="0">
+              <a:lnSpc>
+                <a:spcPct val="100000"/>
+              </a:lnSpc>
+              <a:spcBef>
+                <a:spcPts val="0"/>
+              </a:spcBef>
+              <a:spcAft>
+                <a:spcPts val="0"/>
+              </a:spcAft>
+              <a:buNone/>
+            </a:pPr>
+            <a:r>
+              <a:rPr lang="ko-KR" sz="1400" b="0" i="0" u="none" strike="noStrike" cap="none">
+                <a:solidFill>
+                  <a:srgbClr val="000000"/>
+                </a:solidFill>
+                <a:latin typeface="Arial"/>
+                <a:ea typeface="Arial"/>
+                <a:cs typeface="Arial"/>
+                <a:sym typeface="Arial"/>
+              </a:rPr>
+              <a:t>- 심사기간 소요. 평균 주 6건, 건당 2시간, 4주의 심사 및 승인 기간 소요</a:t>
+            </a:r>
+            <a:endParaRPr/>
+          </a:p>
+          <a:p>
+            <a:pPr marL="0" marR="0" lvl="0" indent="0" algn="l" rtl="0">
+              <a:lnSpc>
+                <a:spcPct val="100000"/>
+              </a:lnSpc>
+              <a:spcBef>
+                <a:spcPts val="0"/>
+              </a:spcBef>
+              <a:spcAft>
+                <a:spcPts val="0"/>
+              </a:spcAft>
+              <a:buNone/>
+            </a:pPr>
+            <a:r>
+              <a:rPr lang="ko-KR" sz="1400" b="0" i="0" u="none" strike="noStrike" cap="none">
+                <a:solidFill>
+                  <a:srgbClr val="000000"/>
+                </a:solidFill>
+                <a:latin typeface="Arial"/>
+                <a:ea typeface="Arial"/>
+                <a:cs typeface="Arial"/>
+                <a:sym typeface="Arial"/>
+              </a:rPr>
+              <a:t>- 심사 1건당 평균 6명의 인원 참여</a:t>
+            </a:r>
+            <a:endParaRPr/>
+          </a:p>
+          <a:p>
+            <a:pPr marL="0" marR="0" lvl="0" indent="0" algn="l" rtl="0">
+              <a:lnSpc>
+                <a:spcPct val="100000"/>
+              </a:lnSpc>
+              <a:spcBef>
+                <a:spcPts val="0"/>
+              </a:spcBef>
+              <a:spcAft>
+                <a:spcPts val="0"/>
+              </a:spcAft>
+              <a:buNone/>
+            </a:pPr>
+            <a:r>
+              <a:rPr lang="ko-KR" sz="1400" b="0" i="0" u="none" strike="noStrike" cap="none">
+                <a:solidFill>
+                  <a:srgbClr val="000000"/>
+                </a:solidFill>
+                <a:latin typeface="Arial"/>
+                <a:ea typeface="Arial"/>
+                <a:cs typeface="Arial"/>
+                <a:sym typeface="Arial"/>
+              </a:rPr>
+              <a:t>- 리스크 관리 효율성. 정량적 데이터 기반 대출심사 리스크 관리 부재</a:t>
+            </a:r>
+            <a:endParaRPr/>
+          </a:p>
+          <a:p>
+            <a:pPr marL="0" marR="0" lvl="0" indent="0" algn="l" rtl="0">
+              <a:lnSpc>
+                <a:spcPct val="100000"/>
+              </a:lnSpc>
+              <a:spcBef>
+                <a:spcPts val="0"/>
+              </a:spcBef>
+              <a:spcAft>
+                <a:spcPts val="0"/>
+              </a:spcAft>
+              <a:buNone/>
+            </a:pPr>
+            <a:r>
+              <a:rPr lang="ko-KR" sz="1400" b="0" i="0" u="none" strike="noStrike" cap="none">
+                <a:solidFill>
+                  <a:srgbClr val="000000"/>
+                </a:solidFill>
+                <a:latin typeface="Arial"/>
+                <a:ea typeface="Arial"/>
+                <a:cs typeface="Arial"/>
+                <a:sym typeface="Arial"/>
+              </a:rPr>
+              <a:t> </a:t>
+            </a:r>
+            <a:endParaRPr/>
+          </a:p>
+          <a:p>
+            <a:pPr marL="0" marR="0" lvl="0" indent="0" algn="l" rtl="0">
+              <a:lnSpc>
+                <a:spcPct val="100000"/>
+              </a:lnSpc>
+              <a:spcBef>
+                <a:spcPts val="0"/>
+              </a:spcBef>
+              <a:spcAft>
+                <a:spcPts val="0"/>
+              </a:spcAft>
+              <a:buNone/>
+            </a:pPr>
+            <a:r>
+              <a:rPr lang="ko-KR" sz="1400" b="0" i="0" u="none" strike="noStrike" cap="none">
+                <a:solidFill>
+                  <a:srgbClr val="000000"/>
+                </a:solidFill>
+                <a:latin typeface="Arial"/>
+                <a:ea typeface="Arial"/>
+                <a:cs typeface="Arial"/>
+                <a:sym typeface="Arial"/>
+              </a:rPr>
+              <a:t>기대효과 </a:t>
+            </a:r>
+            <a:endParaRPr/>
+          </a:p>
+          <a:p>
+            <a:pPr marL="0" marR="0" lvl="0" indent="0" algn="l" rtl="0">
+              <a:lnSpc>
+                <a:spcPct val="100000"/>
+              </a:lnSpc>
+              <a:spcBef>
+                <a:spcPts val="0"/>
+              </a:spcBef>
+              <a:spcAft>
+                <a:spcPts val="0"/>
+              </a:spcAft>
+              <a:buNone/>
+            </a:pPr>
+            <a:r>
+              <a:rPr lang="ko-KR" sz="1400" b="0" i="0" u="none" strike="noStrike" cap="none">
+                <a:solidFill>
+                  <a:srgbClr val="000000"/>
+                </a:solidFill>
+                <a:latin typeface="Arial"/>
+                <a:ea typeface="Arial"/>
+                <a:cs typeface="Arial"/>
+                <a:sym typeface="Arial"/>
+              </a:rPr>
+              <a:t>- 심사기간/인원 ↓. 누적 학습 데이터 활용 심사기간 및 투입인력 리소스 감소</a:t>
+            </a:r>
+            <a:endParaRPr/>
+          </a:p>
+          <a:p>
+            <a:pPr marL="0" marR="0" lvl="0" indent="0" algn="l" rtl="0">
+              <a:lnSpc>
+                <a:spcPct val="100000"/>
+              </a:lnSpc>
+              <a:spcBef>
+                <a:spcPts val="0"/>
+              </a:spcBef>
+              <a:spcAft>
+                <a:spcPts val="0"/>
+              </a:spcAft>
+              <a:buNone/>
+            </a:pPr>
+            <a:r>
+              <a:rPr lang="ko-KR" sz="1400" b="0" i="0" u="none" strike="noStrike" cap="none">
+                <a:solidFill>
+                  <a:srgbClr val="000000"/>
+                </a:solidFill>
+                <a:latin typeface="Arial"/>
+                <a:ea typeface="Arial"/>
+                <a:cs typeface="Arial"/>
+                <a:sym typeface="Arial"/>
+              </a:rPr>
+              <a:t>- 빠른 대출 승인. 평균 4주 심사 승인 수 일내 단축</a:t>
+            </a:r>
+            <a:endParaRPr/>
+          </a:p>
+          <a:p>
+            <a:pPr marL="0" marR="0" lvl="0" indent="0" algn="l" rtl="0">
+              <a:lnSpc>
+                <a:spcPct val="100000"/>
+              </a:lnSpc>
+              <a:spcBef>
+                <a:spcPts val="0"/>
+              </a:spcBef>
+              <a:spcAft>
+                <a:spcPts val="0"/>
+              </a:spcAft>
+              <a:buNone/>
+            </a:pPr>
+            <a:r>
+              <a:rPr lang="ko-KR" sz="1400" b="0" i="0" u="none" strike="noStrike" cap="none">
+                <a:solidFill>
+                  <a:srgbClr val="000000"/>
+                </a:solidFill>
+                <a:latin typeface="Arial"/>
+                <a:ea typeface="Arial"/>
+                <a:cs typeface="Arial"/>
+                <a:sym typeface="Arial"/>
+              </a:rPr>
+              <a:t>- 채권관리 효율성. 심사에 대한 상세 분석 가능</a:t>
+            </a:r>
+            <a:endParaRPr/>
+          </a:p>
+          <a:p>
+            <a:pPr marL="0" marR="0" lvl="0" indent="0" algn="l" rtl="0">
+              <a:lnSpc>
+                <a:spcPct val="100000"/>
+              </a:lnSpc>
+              <a:spcBef>
+                <a:spcPts val="0"/>
+              </a:spcBef>
+              <a:spcAft>
+                <a:spcPts val="0"/>
+              </a:spcAft>
+              <a:buNone/>
+            </a:pPr>
+            <a:endParaRPr sz="1400" b="0" i="0" u="none" strike="noStrike" cap="none">
+              <a:solidFill>
+                <a:srgbClr val="000000"/>
+              </a:solidFill>
+              <a:latin typeface="Arial"/>
+              <a:ea typeface="Arial"/>
+              <a:cs typeface="Arial"/>
+              <a:sym typeface="Arial"/>
+            </a:endParaRPr>
+          </a:p>
+          <a:p>
+            <a:pPr marL="0" marR="0" lvl="0" indent="0" algn="l" rtl="0">
+              <a:lnSpc>
+                <a:spcPct val="100000"/>
+              </a:lnSpc>
+              <a:spcBef>
+                <a:spcPts val="0"/>
+              </a:spcBef>
+              <a:spcAft>
+                <a:spcPts val="0"/>
+              </a:spcAft>
+              <a:buNone/>
+            </a:pPr>
+            <a:r>
+              <a:rPr lang="ko-KR" sz="1400" b="0" i="0" u="none" strike="noStrike" cap="none">
+                <a:solidFill>
+                  <a:srgbClr val="000000"/>
+                </a:solidFill>
+                <a:latin typeface="Arial"/>
+                <a:ea typeface="Arial"/>
+                <a:cs typeface="Arial"/>
+                <a:sym typeface="Arial"/>
+              </a:rPr>
+              <a:t>데이터 정의- </a:t>
+            </a:r>
+            <a:endParaRPr/>
+          </a:p>
+          <a:p>
+            <a:pPr marL="0" marR="0" lvl="0" indent="0" algn="l" rtl="0">
+              <a:lnSpc>
+                <a:spcPct val="100000"/>
+              </a:lnSpc>
+              <a:spcBef>
+                <a:spcPts val="0"/>
+              </a:spcBef>
+              <a:spcAft>
+                <a:spcPts val="0"/>
+              </a:spcAft>
+              <a:buNone/>
+            </a:pPr>
+            <a:r>
+              <a:rPr lang="ko-KR" sz="1400" b="0" i="0" u="none" strike="noStrike" cap="none">
+                <a:solidFill>
+                  <a:srgbClr val="000000"/>
+                </a:solidFill>
+                <a:latin typeface="Arial"/>
+                <a:ea typeface="Arial"/>
+                <a:cs typeface="Arial"/>
+                <a:sym typeface="Arial"/>
+              </a:rPr>
+              <a:t>- 차주- 직업, 나이, 거주지, 대출신청금액, 소득수준, 신용등급, 신용점수, 대출이력, 연대보증인, 종업원수, 직급, </a:t>
+            </a:r>
+            <a:endParaRPr/>
+          </a:p>
+          <a:p>
+            <a:pPr marL="0" marR="0" lvl="0" indent="0" algn="l" rtl="0">
+              <a:lnSpc>
+                <a:spcPct val="100000"/>
+              </a:lnSpc>
+              <a:spcBef>
+                <a:spcPts val="0"/>
+              </a:spcBef>
+              <a:spcAft>
+                <a:spcPts val="0"/>
+              </a:spcAft>
+              <a:buNone/>
+            </a:pPr>
+            <a:r>
+              <a:rPr lang="ko-KR" sz="1400" b="0" i="0" u="none" strike="noStrike" cap="none">
+                <a:solidFill>
+                  <a:srgbClr val="000000"/>
+                </a:solidFill>
+                <a:latin typeface="Arial"/>
+                <a:ea typeface="Arial"/>
+                <a:cs typeface="Arial"/>
+                <a:sym typeface="Arial"/>
+              </a:rPr>
+              <a:t>- 담보 - 유형, 감정가, 소재지, 면적, 소유자, 담보규모, LTV, 대출가능액</a:t>
+            </a:r>
+            <a:endParaRPr/>
+          </a:p>
+          <a:p>
+            <a:pPr marL="285750" marR="0" lvl="0" indent="-285750" algn="l" rtl="0">
+              <a:lnSpc>
+                <a:spcPct val="100000"/>
+              </a:lnSpc>
+              <a:spcBef>
+                <a:spcPts val="0"/>
+              </a:spcBef>
+              <a:spcAft>
+                <a:spcPts val="0"/>
+              </a:spcAft>
+              <a:buClr>
+                <a:srgbClr val="000000"/>
+              </a:buClr>
+              <a:buSzPts val="1400"/>
+              <a:buFont typeface="Arial"/>
+              <a:buChar char="-"/>
+            </a:pPr>
+            <a:r>
+              <a:rPr lang="ko-KR" sz="1400" b="0" i="0" u="none" strike="noStrike" cap="none">
+                <a:solidFill>
+                  <a:srgbClr val="000000"/>
+                </a:solidFill>
+                <a:latin typeface="Arial"/>
+                <a:ea typeface="Arial"/>
+                <a:cs typeface="Arial"/>
+                <a:sym typeface="Arial"/>
+              </a:rPr>
+              <a:t>승인결과 - 승인결과, 대출금액, 약정금리, </a:t>
+            </a:r>
+            <a:endParaRPr sz="1400" b="0" i="0" u="none" strike="noStrike" cap="none">
+              <a:solidFill>
+                <a:srgbClr val="000000"/>
+              </a:solidFill>
+              <a:latin typeface="Arial"/>
+              <a:ea typeface="Arial"/>
+              <a:cs typeface="Arial"/>
+              <a:sym typeface="Arial"/>
+            </a:endParaRPr>
+          </a:p>
+          <a:p>
+            <a:pPr marL="0" marR="0" lvl="0" indent="0" algn="l" rtl="0">
+              <a:lnSpc>
+                <a:spcPct val="100000"/>
+              </a:lnSpc>
+              <a:spcBef>
+                <a:spcPts val="0"/>
+              </a:spcBef>
+              <a:spcAft>
+                <a:spcPts val="0"/>
+              </a:spcAft>
+              <a:buNone/>
+            </a:pPr>
+            <a:endParaRPr sz="1400" b="0" i="0" u="none" strike="noStrike" cap="none">
+              <a:solidFill>
+                <a:srgbClr val="000000"/>
+              </a:solidFill>
+              <a:latin typeface="Arial"/>
+              <a:ea typeface="Arial"/>
+              <a:cs typeface="Arial"/>
+              <a:sym typeface="Arial"/>
+            </a:endParaRPr>
+          </a:p>
+          <a:p>
+            <a:pPr marL="0" marR="0" lvl="0" indent="0" algn="l" rtl="0">
+              <a:lnSpc>
+                <a:spcPct val="100000"/>
+              </a:lnSpc>
+              <a:spcBef>
+                <a:spcPts val="0"/>
+              </a:spcBef>
+              <a:spcAft>
+                <a:spcPts val="0"/>
+              </a:spcAft>
+              <a:buNone/>
+            </a:pPr>
+            <a:r>
+              <a:rPr lang="ko-KR" sz="1400" b="0" i="0" u="none" strike="noStrike" cap="none">
+                <a:solidFill>
+                  <a:srgbClr val="000000"/>
+                </a:solidFill>
+                <a:latin typeface="Arial"/>
+                <a:ea typeface="Arial"/>
+                <a:cs typeface="Arial"/>
+                <a:sym typeface="Arial"/>
+              </a:rPr>
+              <a:t>AI구현 방안</a:t>
+            </a:r>
+            <a:endParaRPr sz="1400" b="0" i="0" u="none" strike="noStrike" cap="none">
+              <a:solidFill>
+                <a:srgbClr val="000000"/>
+              </a:solidFill>
+              <a:latin typeface="Arial"/>
+              <a:ea typeface="Arial"/>
+              <a:cs typeface="Arial"/>
+              <a:sym typeface="Arial"/>
+            </a:endParaRPr>
+          </a:p>
+          <a:p>
+            <a:pPr marL="285750" marR="0" lvl="0" indent="-285750" algn="l" rtl="0">
+              <a:lnSpc>
+                <a:spcPct val="100000"/>
+              </a:lnSpc>
+              <a:spcBef>
+                <a:spcPts val="0"/>
+              </a:spcBef>
+              <a:spcAft>
+                <a:spcPts val="0"/>
+              </a:spcAft>
+              <a:buClr>
+                <a:srgbClr val="000000"/>
+              </a:buClr>
+              <a:buSzPts val="1400"/>
+              <a:buFont typeface="Arial"/>
+              <a:buChar char="-"/>
+            </a:pPr>
+            <a:r>
+              <a:rPr lang="ko-KR" sz="1400" b="0" i="0" u="none" strike="noStrike" cap="none">
+                <a:solidFill>
+                  <a:srgbClr val="000000"/>
+                </a:solidFill>
+                <a:latin typeface="Arial"/>
+                <a:ea typeface="Arial"/>
+                <a:cs typeface="Arial"/>
+                <a:sym typeface="Arial"/>
+              </a:rPr>
+              <a:t>decision tree 로 승인결과를 판단</a:t>
+            </a:r>
+            <a:endParaRPr sz="1400" b="0" i="0" u="none" strike="noStrike" cap="none">
+              <a:solidFill>
+                <a:srgbClr val="000000"/>
+              </a:solidFill>
+              <a:latin typeface="Arial"/>
+              <a:ea typeface="Arial"/>
+              <a:cs typeface="Arial"/>
+              <a:sym typeface="Arial"/>
+            </a:endParaRPr>
+          </a:p>
+          <a:p>
+            <a:pPr marL="285750" marR="0" lvl="0" indent="-285750" algn="l" rtl="0">
+              <a:lnSpc>
+                <a:spcPct val="100000"/>
+              </a:lnSpc>
+              <a:spcBef>
+                <a:spcPts val="0"/>
+              </a:spcBef>
+              <a:spcAft>
+                <a:spcPts val="0"/>
+              </a:spcAft>
+              <a:buClr>
+                <a:srgbClr val="000000"/>
+              </a:buClr>
+              <a:buSzPts val="1400"/>
+              <a:buFont typeface="Arial"/>
+              <a:buChar char="-"/>
+            </a:pPr>
+            <a:r>
+              <a:rPr lang="ko-KR" sz="1400" b="0" i="0" u="none" strike="noStrike" cap="none">
+                <a:solidFill>
+                  <a:srgbClr val="000000"/>
+                </a:solidFill>
+                <a:latin typeface="Arial"/>
+                <a:ea typeface="Arial"/>
+                <a:cs typeface="Arial"/>
+                <a:sym typeface="Arial"/>
+              </a:rPr>
+              <a:t>tensorflow로 승인결과, 대출금액, 약정금리 </a:t>
+            </a:r>
+            <a:endParaRPr/>
+          </a:p>
+        </p:txBody>
+      </p:sp>
+    </p:spTree>
+    <p:extLst>
+      <p:ext uri="{BB962C8B-B14F-4D97-AF65-F5344CB8AC3E}">
+        <p14:creationId xmlns:p14="http://schemas.microsoft.com/office/powerpoint/2010/main" val="1774825370"/>
+      </p:ext>
+    </p:extLst>
+  </p:cSld>
+  <p:clrMapOvr>
+    <a:masterClrMapping/>
+  </p:clrMapOvr>
+</p:sld>
+</file>
+
 <file path=ppt/slides/slide3.xml><?xml version="1.0" encoding="utf-8"?>
 <p:sld xmlns:a="http://schemas.openxmlformats.org/drawingml/2006/main" xmlns:r="http://schemas.openxmlformats.org/officeDocument/2006/relationships" xmlns:p="http://schemas.openxmlformats.org/presentationml/2006/main">
   <p:cSld>
@@ -17338,13 +18510,6 @@
               </a:rPr>
               <a:t>이 존재</a:t>
             </a:r>
-            <a:endParaRPr lang="ko-KR" altLang="en-US" sz="1800" b="0" i="0" u="none" strike="noStrike" spc="-100" dirty="0" smtClean="0">
-              <a:solidFill>
-                <a:srgbClr val="000000"/>
-              </a:solidFill>
-              <a:effectLst/>
-              <a:latin typeface="+mn-ea"/>
-            </a:endParaRPr>
           </a:p>
         </p:txBody>
       </p:sp>
@@ -17821,13 +18986,6 @@
               </a:rPr>
               <a:t>에 민감하지 않도록 구성해야 함</a:t>
             </a:r>
-            <a:endParaRPr lang="ko-KR" altLang="en-US" sz="1800" b="0" i="0" u="none" strike="noStrike" spc="-100" dirty="0" smtClean="0">
-              <a:solidFill>
-                <a:srgbClr val="000000"/>
-              </a:solidFill>
-              <a:effectLst/>
-              <a:latin typeface="+mn-ea"/>
-            </a:endParaRPr>
           </a:p>
         </p:txBody>
       </p:sp>
@@ -18513,13 +19671,6 @@
               </a:rPr>
               <a:t>데이터가 장기적으로 증가하거나 감소하는 패턴</a:t>
             </a:r>
-            <a:endParaRPr lang="ko-KR" altLang="en-US" sz="1800" b="0" i="0" u="none" strike="noStrike" spc="-100" dirty="0" smtClean="0">
-              <a:solidFill>
-                <a:srgbClr val="000000"/>
-              </a:solidFill>
-              <a:effectLst/>
-              <a:latin typeface="+mn-ea"/>
-            </a:endParaRPr>
           </a:p>
         </p:txBody>
       </p:sp>
@@ -18563,13 +19714,6 @@
               </a:rPr>
               <a:t>일 또는 년과 같이 고정된 주기로 반복되는 패턴</a:t>
             </a:r>
-            <a:endParaRPr lang="ko-KR" altLang="en-US" sz="1800" b="0" i="0" u="none" strike="noStrike" spc="-100" dirty="0" smtClean="0">
-              <a:solidFill>
-                <a:srgbClr val="000000"/>
-              </a:solidFill>
-              <a:effectLst/>
-              <a:latin typeface="+mn-ea"/>
-            </a:endParaRPr>
           </a:p>
         </p:txBody>
       </p:sp>
@@ -18613,13 +19757,6 @@
               </a:rPr>
               <a:t>고정된 주기는 없지만 일정한 패턴이 반복</a:t>
             </a:r>
-            <a:endParaRPr lang="ko-KR" altLang="en-US" sz="1800" b="0" i="0" u="none" strike="noStrike" spc="-100" dirty="0" smtClean="0">
-              <a:solidFill>
-                <a:srgbClr val="000000"/>
-              </a:solidFill>
-              <a:effectLst/>
-              <a:latin typeface="+mn-ea"/>
-            </a:endParaRPr>
           </a:p>
         </p:txBody>
       </p:sp>
@@ -18663,13 +19800,6 @@
               </a:rPr>
               <a:t>예측할 수 없는 무작위 변동</a:t>
             </a:r>
-            <a:endParaRPr lang="ko-KR" altLang="en-US" sz="1800" b="0" i="0" u="none" strike="noStrike" spc="-100" dirty="0" smtClean="0">
-              <a:solidFill>
-                <a:srgbClr val="000000"/>
-              </a:solidFill>
-              <a:effectLst/>
-              <a:latin typeface="+mn-ea"/>
-            </a:endParaRPr>
           </a:p>
         </p:txBody>
       </p:sp>
@@ -19749,13 +20879,6 @@
               </a:rPr>
               <a:t>등</a:t>
             </a:r>
-            <a:endParaRPr lang="ko-KR" altLang="en-US" sz="1800" b="0" i="0" u="none" strike="noStrike" spc="-100" dirty="0" smtClean="0">
-              <a:solidFill>
-                <a:srgbClr val="000000"/>
-              </a:solidFill>
-              <a:effectLst/>
-              <a:latin typeface="+mn-ea"/>
-            </a:endParaRPr>
           </a:p>
         </p:txBody>
       </p:sp>
